--- a/notes.pptx
+++ b/notes.pptx
@@ -21,6 +21,12 @@
     <p:sldId id="269" r:id="rId15"/>
     <p:sldId id="270" r:id="rId16"/>
     <p:sldId id="271" r:id="rId17"/>
+    <p:sldId id="272" r:id="rId18"/>
+    <p:sldId id="273" r:id="rId19"/>
+    <p:sldId id="274" r:id="rId20"/>
+    <p:sldId id="275" r:id="rId21"/>
+    <p:sldId id="276" r:id="rId22"/>
+    <p:sldId id="277" r:id="rId23"/>
   </p:sldIdLst>
   <p:sldSz cx="12192000" cy="6858000"/>
   <p:notesSz cx="6858000" cy="9144000"/>
@@ -119,6 +125,11 @@
       </a:defRPr>
     </a:lvl9pPr>
   </p:defaultTextStyle>
+  <p:extLst>
+    <p:ext uri="{EFAFB233-063F-42B5-8137-9DF3F51BA10A}">
+      <p15:sldGuideLst xmlns:p15="http://schemas.microsoft.com/office/powerpoint/2012/main"/>
+    </p:ext>
+  </p:extLst>
 </p:presentation>
 </file>
 
@@ -271,7 +282,7 @@
           <a:p>
             <a:fld id="{82B64342-452D-41C5-B5B7-9DDCE6987F55}" type="datetimeFigureOut">
               <a:rPr lang="fr-FR" smtClean="0"/>
-              <a:t>29/11/2021</a:t>
+              <a:t>30/11/2021</a:t>
             </a:fld>
             <a:endParaRPr lang="fr-FR"/>
           </a:p>
@@ -471,7 +482,7 @@
           <a:p>
             <a:fld id="{82B64342-452D-41C5-B5B7-9DDCE6987F55}" type="datetimeFigureOut">
               <a:rPr lang="fr-FR" smtClean="0"/>
-              <a:t>29/11/2021</a:t>
+              <a:t>30/11/2021</a:t>
             </a:fld>
             <a:endParaRPr lang="fr-FR"/>
           </a:p>
@@ -681,7 +692,7 @@
           <a:p>
             <a:fld id="{82B64342-452D-41C5-B5B7-9DDCE6987F55}" type="datetimeFigureOut">
               <a:rPr lang="fr-FR" smtClean="0"/>
-              <a:t>29/11/2021</a:t>
+              <a:t>30/11/2021</a:t>
             </a:fld>
             <a:endParaRPr lang="fr-FR"/>
           </a:p>
@@ -881,7 +892,7 @@
           <a:p>
             <a:fld id="{82B64342-452D-41C5-B5B7-9DDCE6987F55}" type="datetimeFigureOut">
               <a:rPr lang="fr-FR" smtClean="0"/>
-              <a:t>29/11/2021</a:t>
+              <a:t>30/11/2021</a:t>
             </a:fld>
             <a:endParaRPr lang="fr-FR"/>
           </a:p>
@@ -1157,7 +1168,7 @@
           <a:p>
             <a:fld id="{82B64342-452D-41C5-B5B7-9DDCE6987F55}" type="datetimeFigureOut">
               <a:rPr lang="fr-FR" smtClean="0"/>
-              <a:t>29/11/2021</a:t>
+              <a:t>30/11/2021</a:t>
             </a:fld>
             <a:endParaRPr lang="fr-FR"/>
           </a:p>
@@ -1425,7 +1436,7 @@
           <a:p>
             <a:fld id="{82B64342-452D-41C5-B5B7-9DDCE6987F55}" type="datetimeFigureOut">
               <a:rPr lang="fr-FR" smtClean="0"/>
-              <a:t>29/11/2021</a:t>
+              <a:t>30/11/2021</a:t>
             </a:fld>
             <a:endParaRPr lang="fr-FR"/>
           </a:p>
@@ -1840,7 +1851,7 @@
           <a:p>
             <a:fld id="{82B64342-452D-41C5-B5B7-9DDCE6987F55}" type="datetimeFigureOut">
               <a:rPr lang="fr-FR" smtClean="0"/>
-              <a:t>29/11/2021</a:t>
+              <a:t>30/11/2021</a:t>
             </a:fld>
             <a:endParaRPr lang="fr-FR"/>
           </a:p>
@@ -1982,7 +1993,7 @@
           <a:p>
             <a:fld id="{82B64342-452D-41C5-B5B7-9DDCE6987F55}" type="datetimeFigureOut">
               <a:rPr lang="fr-FR" smtClean="0"/>
-              <a:t>29/11/2021</a:t>
+              <a:t>30/11/2021</a:t>
             </a:fld>
             <a:endParaRPr lang="fr-FR"/>
           </a:p>
@@ -2095,7 +2106,7 @@
           <a:p>
             <a:fld id="{82B64342-452D-41C5-B5B7-9DDCE6987F55}" type="datetimeFigureOut">
               <a:rPr lang="fr-FR" smtClean="0"/>
-              <a:t>29/11/2021</a:t>
+              <a:t>30/11/2021</a:t>
             </a:fld>
             <a:endParaRPr lang="fr-FR"/>
           </a:p>
@@ -2408,7 +2419,7 @@
           <a:p>
             <a:fld id="{82B64342-452D-41C5-B5B7-9DDCE6987F55}" type="datetimeFigureOut">
               <a:rPr lang="fr-FR" smtClean="0"/>
-              <a:t>29/11/2021</a:t>
+              <a:t>30/11/2021</a:t>
             </a:fld>
             <a:endParaRPr lang="fr-FR"/>
           </a:p>
@@ -2697,7 +2708,7 @@
           <a:p>
             <a:fld id="{82B64342-452D-41C5-B5B7-9DDCE6987F55}" type="datetimeFigureOut">
               <a:rPr lang="fr-FR" smtClean="0"/>
-              <a:t>29/11/2021</a:t>
+              <a:t>30/11/2021</a:t>
             </a:fld>
             <a:endParaRPr lang="fr-FR"/>
           </a:p>
@@ -2940,7 +2951,7 @@
           <a:p>
             <a:fld id="{82B64342-452D-41C5-B5B7-9DDCE6987F55}" type="datetimeFigureOut">
               <a:rPr lang="fr-FR" smtClean="0"/>
-              <a:t>29/11/2021</a:t>
+              <a:t>30/11/2021</a:t>
             </a:fld>
             <a:endParaRPr lang="fr-FR"/>
           </a:p>
@@ -5702,6 +5713,1754 @@
 </p:sld>
 </file>
 
+<file path=ppt/slides/slide17.xml><?xml version="1.0" encoding="utf-8"?>
+<p:sld xmlns:a="http://schemas.openxmlformats.org/drawingml/2006/main" xmlns:r="http://schemas.openxmlformats.org/officeDocument/2006/relationships" xmlns:p="http://schemas.openxmlformats.org/presentationml/2006/main">
+  <p:cSld>
+    <p:spTree>
+      <p:nvGrpSpPr>
+        <p:cNvPr id="1" name=""/>
+        <p:cNvGrpSpPr/>
+        <p:nvPr/>
+      </p:nvGrpSpPr>
+      <p:grpSpPr>
+        <a:xfrm>
+          <a:off x="0" y="0"/>
+          <a:ext cx="0" cy="0"/>
+          <a:chOff x="0" y="0"/>
+          <a:chExt cx="0" cy="0"/>
+        </a:xfrm>
+      </p:grpSpPr>
+      <p:sp>
+        <p:nvSpPr>
+          <p:cNvPr id="2" name="Title 1">
+            <a:extLst>
+              <a:ext uri="{FF2B5EF4-FFF2-40B4-BE49-F238E27FC236}">
+                <a16:creationId xmlns:a16="http://schemas.microsoft.com/office/drawing/2014/main" id="{BF49543A-E717-43D2-B640-BC0430B182E1}"/>
+              </a:ext>
+            </a:extLst>
+          </p:cNvPr>
+          <p:cNvSpPr>
+            <a:spLocks noGrp="1"/>
+          </p:cNvSpPr>
+          <p:nvPr>
+            <p:ph type="title"/>
+          </p:nvPr>
+        </p:nvSpPr>
+        <p:spPr/>
+        <p:txBody>
+          <a:bodyPr/>
+          <a:lstStyle/>
+          <a:p>
+            <a:r>
+              <a:rPr lang="fr-FR" dirty="0"/>
+              <a:t>Javascript</a:t>
+            </a:r>
+          </a:p>
+        </p:txBody>
+      </p:sp>
+      <p:cxnSp>
+        <p:nvCxnSpPr>
+          <p:cNvPr id="5" name="Straight Arrow Connector 4">
+            <a:extLst>
+              <a:ext uri="{FF2B5EF4-FFF2-40B4-BE49-F238E27FC236}">
+                <a16:creationId xmlns:a16="http://schemas.microsoft.com/office/drawing/2014/main" id="{6A03FFDF-FEBC-40EF-8AC0-2FF605D14828}"/>
+              </a:ext>
+            </a:extLst>
+          </p:cNvPr>
+          <p:cNvCxnSpPr/>
+          <p:nvPr/>
+        </p:nvCxnSpPr>
+        <p:spPr>
+          <a:xfrm flipV="1">
+            <a:off x="499621" y="2446256"/>
+            <a:ext cx="11458280" cy="47134"/>
+          </a:xfrm>
+          <a:prstGeom prst="straightConnector1">
+            <a:avLst/>
+          </a:prstGeom>
+          <a:ln w="76200">
+            <a:tailEnd type="triangle"/>
+          </a:ln>
+        </p:spPr>
+        <p:style>
+          <a:lnRef idx="1">
+            <a:schemeClr val="accent1"/>
+          </a:lnRef>
+          <a:fillRef idx="0">
+            <a:schemeClr val="accent1"/>
+          </a:fillRef>
+          <a:effectRef idx="0">
+            <a:schemeClr val="accent1"/>
+          </a:effectRef>
+          <a:fontRef idx="minor">
+            <a:schemeClr val="tx1"/>
+          </a:fontRef>
+        </p:style>
+      </p:cxnSp>
+      <p:cxnSp>
+        <p:nvCxnSpPr>
+          <p:cNvPr id="7" name="Straight Connector 6">
+            <a:extLst>
+              <a:ext uri="{FF2B5EF4-FFF2-40B4-BE49-F238E27FC236}">
+                <a16:creationId xmlns:a16="http://schemas.microsoft.com/office/drawing/2014/main" id="{C9E69B6D-1DA2-4B1F-8F34-C6FAEA2A169E}"/>
+              </a:ext>
+            </a:extLst>
+          </p:cNvPr>
+          <p:cNvCxnSpPr/>
+          <p:nvPr/>
+        </p:nvCxnSpPr>
+        <p:spPr>
+          <a:xfrm>
+            <a:off x="791852" y="2121031"/>
+            <a:ext cx="0" cy="754144"/>
+          </a:xfrm>
+          <a:prstGeom prst="line">
+            <a:avLst/>
+          </a:prstGeom>
+          <a:ln w="76200"/>
+        </p:spPr>
+        <p:style>
+          <a:lnRef idx="1">
+            <a:schemeClr val="accent1"/>
+          </a:lnRef>
+          <a:fillRef idx="0">
+            <a:schemeClr val="accent1"/>
+          </a:fillRef>
+          <a:effectRef idx="0">
+            <a:schemeClr val="accent1"/>
+          </a:effectRef>
+          <a:fontRef idx="minor">
+            <a:schemeClr val="tx1"/>
+          </a:fontRef>
+        </p:style>
+      </p:cxnSp>
+      <p:sp>
+        <p:nvSpPr>
+          <p:cNvPr id="8" name="TextBox 7">
+            <a:extLst>
+              <a:ext uri="{FF2B5EF4-FFF2-40B4-BE49-F238E27FC236}">
+                <a16:creationId xmlns:a16="http://schemas.microsoft.com/office/drawing/2014/main" id="{9674DB5F-DD7B-4F06-9868-74FCDAD41D78}"/>
+              </a:ext>
+            </a:extLst>
+          </p:cNvPr>
+          <p:cNvSpPr txBox="1"/>
+          <p:nvPr/>
+        </p:nvSpPr>
+        <p:spPr>
+          <a:xfrm>
+            <a:off x="362932" y="2925792"/>
+            <a:ext cx="1094915" cy="646331"/>
+          </a:xfrm>
+          <a:prstGeom prst="rect">
+            <a:avLst/>
+          </a:prstGeom>
+          <a:noFill/>
+        </p:spPr>
+        <p:txBody>
+          <a:bodyPr wrap="none" rtlCol="0">
+            <a:spAutoFit/>
+          </a:bodyPr>
+          <a:lstStyle/>
+          <a:p>
+            <a:r>
+              <a:rPr lang="fr-FR" dirty="0"/>
+              <a:t>1995</a:t>
+            </a:r>
+          </a:p>
+          <a:p>
+            <a:r>
+              <a:rPr lang="fr-FR" dirty="0"/>
+              <a:t>Javascript</a:t>
+            </a:r>
+          </a:p>
+        </p:txBody>
+      </p:sp>
+      <p:cxnSp>
+        <p:nvCxnSpPr>
+          <p:cNvPr id="10" name="Straight Connector 9">
+            <a:extLst>
+              <a:ext uri="{FF2B5EF4-FFF2-40B4-BE49-F238E27FC236}">
+                <a16:creationId xmlns:a16="http://schemas.microsoft.com/office/drawing/2014/main" id="{71116C6B-4A79-4528-90EE-23210748D52D}"/>
+              </a:ext>
+            </a:extLst>
+          </p:cNvPr>
+          <p:cNvCxnSpPr/>
+          <p:nvPr/>
+        </p:nvCxnSpPr>
+        <p:spPr>
+          <a:xfrm>
+            <a:off x="1767526" y="2201159"/>
+            <a:ext cx="0" cy="518474"/>
+          </a:xfrm>
+          <a:prstGeom prst="line">
+            <a:avLst/>
+          </a:prstGeom>
+          <a:ln w="76200"/>
+        </p:spPr>
+        <p:style>
+          <a:lnRef idx="1">
+            <a:schemeClr val="accent1"/>
+          </a:lnRef>
+          <a:fillRef idx="0">
+            <a:schemeClr val="accent1"/>
+          </a:fillRef>
+          <a:effectRef idx="0">
+            <a:schemeClr val="accent1"/>
+          </a:effectRef>
+          <a:fontRef idx="minor">
+            <a:schemeClr val="tx1"/>
+          </a:fontRef>
+        </p:style>
+      </p:cxnSp>
+      <p:sp>
+        <p:nvSpPr>
+          <p:cNvPr id="11" name="TextBox 10">
+            <a:extLst>
+              <a:ext uri="{FF2B5EF4-FFF2-40B4-BE49-F238E27FC236}">
+                <a16:creationId xmlns:a16="http://schemas.microsoft.com/office/drawing/2014/main" id="{CE7315B4-A988-487B-AC4A-C8B896A0CF46}"/>
+              </a:ext>
+            </a:extLst>
+          </p:cNvPr>
+          <p:cNvSpPr txBox="1"/>
+          <p:nvPr/>
+        </p:nvSpPr>
+        <p:spPr>
+          <a:xfrm>
+            <a:off x="1457847" y="2925791"/>
+            <a:ext cx="1503425" cy="646331"/>
+          </a:xfrm>
+          <a:prstGeom prst="rect">
+            <a:avLst/>
+          </a:prstGeom>
+          <a:noFill/>
+        </p:spPr>
+        <p:txBody>
+          <a:bodyPr wrap="none" rtlCol="0">
+            <a:spAutoFit/>
+          </a:bodyPr>
+          <a:lstStyle/>
+          <a:p>
+            <a:r>
+              <a:rPr lang="fr-FR" dirty="0"/>
+              <a:t>1997</a:t>
+            </a:r>
+          </a:p>
+          <a:p>
+            <a:r>
+              <a:rPr lang="fr-FR" dirty="0"/>
+              <a:t>ECMAScriptv1</a:t>
+            </a:r>
+          </a:p>
+        </p:txBody>
+      </p:sp>
+      <p:cxnSp>
+        <p:nvCxnSpPr>
+          <p:cNvPr id="13" name="Straight Connector 12">
+            <a:extLst>
+              <a:ext uri="{FF2B5EF4-FFF2-40B4-BE49-F238E27FC236}">
+                <a16:creationId xmlns:a16="http://schemas.microsoft.com/office/drawing/2014/main" id="{8AC7EB72-B781-4FB9-92B2-419ED05720AE}"/>
+              </a:ext>
+            </a:extLst>
+          </p:cNvPr>
+          <p:cNvCxnSpPr/>
+          <p:nvPr/>
+        </p:nvCxnSpPr>
+        <p:spPr>
+          <a:xfrm>
+            <a:off x="3068425" y="2201159"/>
+            <a:ext cx="0" cy="560895"/>
+          </a:xfrm>
+          <a:prstGeom prst="line">
+            <a:avLst/>
+          </a:prstGeom>
+          <a:ln w="76200"/>
+        </p:spPr>
+        <p:style>
+          <a:lnRef idx="1">
+            <a:schemeClr val="accent1"/>
+          </a:lnRef>
+          <a:fillRef idx="0">
+            <a:schemeClr val="accent1"/>
+          </a:fillRef>
+          <a:effectRef idx="0">
+            <a:schemeClr val="accent1"/>
+          </a:effectRef>
+          <a:fontRef idx="minor">
+            <a:schemeClr val="tx1"/>
+          </a:fontRef>
+        </p:style>
+      </p:cxnSp>
+      <p:sp>
+        <p:nvSpPr>
+          <p:cNvPr id="14" name="TextBox 13">
+            <a:extLst>
+              <a:ext uri="{FF2B5EF4-FFF2-40B4-BE49-F238E27FC236}">
+                <a16:creationId xmlns:a16="http://schemas.microsoft.com/office/drawing/2014/main" id="{1DDB160D-15B9-4D80-8F0C-1E28557AA441}"/>
+              </a:ext>
+            </a:extLst>
+          </p:cNvPr>
+          <p:cNvSpPr txBox="1"/>
+          <p:nvPr/>
+        </p:nvSpPr>
+        <p:spPr>
+          <a:xfrm>
+            <a:off x="2846895" y="2925791"/>
+            <a:ext cx="652743" cy="646331"/>
+          </a:xfrm>
+          <a:prstGeom prst="rect">
+            <a:avLst/>
+          </a:prstGeom>
+          <a:noFill/>
+        </p:spPr>
+        <p:txBody>
+          <a:bodyPr wrap="none" rtlCol="0">
+            <a:spAutoFit/>
+          </a:bodyPr>
+          <a:lstStyle/>
+          <a:p>
+            <a:r>
+              <a:rPr lang="fr-FR" dirty="0"/>
+              <a:t>1998</a:t>
+            </a:r>
+          </a:p>
+          <a:p>
+            <a:r>
+              <a:rPr lang="fr-FR" dirty="0"/>
+              <a:t>ES2</a:t>
+            </a:r>
+          </a:p>
+        </p:txBody>
+      </p:sp>
+      <p:cxnSp>
+        <p:nvCxnSpPr>
+          <p:cNvPr id="16" name="Straight Connector 15">
+            <a:extLst>
+              <a:ext uri="{FF2B5EF4-FFF2-40B4-BE49-F238E27FC236}">
+                <a16:creationId xmlns:a16="http://schemas.microsoft.com/office/drawing/2014/main" id="{F0D4AD04-2671-4A30-8214-C0FEAA5D4EEE}"/>
+              </a:ext>
+            </a:extLst>
+          </p:cNvPr>
+          <p:cNvCxnSpPr/>
+          <p:nvPr/>
+        </p:nvCxnSpPr>
+        <p:spPr>
+          <a:xfrm>
+            <a:off x="3879130" y="2177592"/>
+            <a:ext cx="0" cy="641023"/>
+          </a:xfrm>
+          <a:prstGeom prst="line">
+            <a:avLst/>
+          </a:prstGeom>
+          <a:ln w="76200"/>
+        </p:spPr>
+        <p:style>
+          <a:lnRef idx="1">
+            <a:schemeClr val="accent1"/>
+          </a:lnRef>
+          <a:fillRef idx="0">
+            <a:schemeClr val="accent1"/>
+          </a:fillRef>
+          <a:effectRef idx="0">
+            <a:schemeClr val="accent1"/>
+          </a:effectRef>
+          <a:fontRef idx="minor">
+            <a:schemeClr val="tx1"/>
+          </a:fontRef>
+        </p:style>
+      </p:cxnSp>
+      <p:sp>
+        <p:nvSpPr>
+          <p:cNvPr id="17" name="TextBox 16">
+            <a:extLst>
+              <a:ext uri="{FF2B5EF4-FFF2-40B4-BE49-F238E27FC236}">
+                <a16:creationId xmlns:a16="http://schemas.microsoft.com/office/drawing/2014/main" id="{A880CF90-0297-4033-B7EE-09DF7E58E08E}"/>
+              </a:ext>
+            </a:extLst>
+          </p:cNvPr>
+          <p:cNvSpPr txBox="1"/>
+          <p:nvPr/>
+        </p:nvSpPr>
+        <p:spPr>
+          <a:xfrm>
+            <a:off x="3586900" y="2925791"/>
+            <a:ext cx="652743" cy="646331"/>
+          </a:xfrm>
+          <a:prstGeom prst="rect">
+            <a:avLst/>
+          </a:prstGeom>
+          <a:noFill/>
+        </p:spPr>
+        <p:txBody>
+          <a:bodyPr wrap="none" rtlCol="0">
+            <a:spAutoFit/>
+          </a:bodyPr>
+          <a:lstStyle/>
+          <a:p>
+            <a:r>
+              <a:rPr lang="fr-FR" dirty="0"/>
+              <a:t>1999</a:t>
+            </a:r>
+          </a:p>
+          <a:p>
+            <a:r>
+              <a:rPr lang="fr-FR" dirty="0"/>
+              <a:t>ES3</a:t>
+            </a:r>
+          </a:p>
+        </p:txBody>
+      </p:sp>
+      <p:cxnSp>
+        <p:nvCxnSpPr>
+          <p:cNvPr id="19" name="Straight Connector 18">
+            <a:extLst>
+              <a:ext uri="{FF2B5EF4-FFF2-40B4-BE49-F238E27FC236}">
+                <a16:creationId xmlns:a16="http://schemas.microsoft.com/office/drawing/2014/main" id="{C39DE0B0-17CF-47BD-BA6D-AB246D844161}"/>
+              </a:ext>
+            </a:extLst>
+          </p:cNvPr>
+          <p:cNvCxnSpPr/>
+          <p:nvPr/>
+        </p:nvCxnSpPr>
+        <p:spPr>
+          <a:xfrm>
+            <a:off x="6396087" y="2177592"/>
+            <a:ext cx="0" cy="641023"/>
+          </a:xfrm>
+          <a:prstGeom prst="line">
+            <a:avLst/>
+          </a:prstGeom>
+          <a:ln w="76200"/>
+        </p:spPr>
+        <p:style>
+          <a:lnRef idx="1">
+            <a:schemeClr val="accent1"/>
+          </a:lnRef>
+          <a:fillRef idx="0">
+            <a:schemeClr val="accent1"/>
+          </a:fillRef>
+          <a:effectRef idx="0">
+            <a:schemeClr val="accent1"/>
+          </a:effectRef>
+          <a:fontRef idx="minor">
+            <a:schemeClr val="tx1"/>
+          </a:fontRef>
+        </p:style>
+      </p:cxnSp>
+      <p:sp>
+        <p:nvSpPr>
+          <p:cNvPr id="20" name="TextBox 19">
+            <a:extLst>
+              <a:ext uri="{FF2B5EF4-FFF2-40B4-BE49-F238E27FC236}">
+                <a16:creationId xmlns:a16="http://schemas.microsoft.com/office/drawing/2014/main" id="{A8075E53-3BBA-4B6F-9DE7-0110AE5CB23F}"/>
+              </a:ext>
+            </a:extLst>
+          </p:cNvPr>
+          <p:cNvSpPr txBox="1"/>
+          <p:nvPr/>
+        </p:nvSpPr>
+        <p:spPr>
+          <a:xfrm>
+            <a:off x="6096000" y="2875175"/>
+            <a:ext cx="652743" cy="646331"/>
+          </a:xfrm>
+          <a:prstGeom prst="rect">
+            <a:avLst/>
+          </a:prstGeom>
+          <a:noFill/>
+        </p:spPr>
+        <p:txBody>
+          <a:bodyPr wrap="none" rtlCol="0">
+            <a:spAutoFit/>
+          </a:bodyPr>
+          <a:lstStyle/>
+          <a:p>
+            <a:r>
+              <a:rPr lang="fr-FR" dirty="0"/>
+              <a:t>2009</a:t>
+            </a:r>
+          </a:p>
+          <a:p>
+            <a:r>
+              <a:rPr lang="fr-FR" dirty="0"/>
+              <a:t>ES5</a:t>
+            </a:r>
+          </a:p>
+        </p:txBody>
+      </p:sp>
+      <p:cxnSp>
+        <p:nvCxnSpPr>
+          <p:cNvPr id="22" name="Straight Connector 21">
+            <a:extLst>
+              <a:ext uri="{FF2B5EF4-FFF2-40B4-BE49-F238E27FC236}">
+                <a16:creationId xmlns:a16="http://schemas.microsoft.com/office/drawing/2014/main" id="{16B72245-7FBB-4943-AD3A-18097AD33599}"/>
+              </a:ext>
+            </a:extLst>
+          </p:cNvPr>
+          <p:cNvCxnSpPr/>
+          <p:nvPr/>
+        </p:nvCxnSpPr>
+        <p:spPr>
+          <a:xfrm>
+            <a:off x="8517118" y="2177592"/>
+            <a:ext cx="0" cy="748199"/>
+          </a:xfrm>
+          <a:prstGeom prst="line">
+            <a:avLst/>
+          </a:prstGeom>
+          <a:ln w="76200"/>
+        </p:spPr>
+        <p:style>
+          <a:lnRef idx="1">
+            <a:schemeClr val="accent1"/>
+          </a:lnRef>
+          <a:fillRef idx="0">
+            <a:schemeClr val="accent1"/>
+          </a:fillRef>
+          <a:effectRef idx="0">
+            <a:schemeClr val="accent1"/>
+          </a:effectRef>
+          <a:fontRef idx="minor">
+            <a:schemeClr val="tx1"/>
+          </a:fontRef>
+        </p:style>
+      </p:cxnSp>
+      <p:sp>
+        <p:nvSpPr>
+          <p:cNvPr id="23" name="TextBox 22">
+            <a:extLst>
+              <a:ext uri="{FF2B5EF4-FFF2-40B4-BE49-F238E27FC236}">
+                <a16:creationId xmlns:a16="http://schemas.microsoft.com/office/drawing/2014/main" id="{DCB5E8EC-AE3F-4C7C-82BA-DFFE6045BADB}"/>
+              </a:ext>
+            </a:extLst>
+          </p:cNvPr>
+          <p:cNvSpPr txBox="1"/>
+          <p:nvPr/>
+        </p:nvSpPr>
+        <p:spPr>
+          <a:xfrm>
+            <a:off x="8225053" y="2957553"/>
+            <a:ext cx="652743" cy="646331"/>
+          </a:xfrm>
+          <a:prstGeom prst="rect">
+            <a:avLst/>
+          </a:prstGeom>
+          <a:noFill/>
+        </p:spPr>
+        <p:txBody>
+          <a:bodyPr wrap="none" rtlCol="0">
+            <a:spAutoFit/>
+          </a:bodyPr>
+          <a:lstStyle/>
+          <a:p>
+            <a:r>
+              <a:rPr lang="fr-FR" dirty="0"/>
+              <a:t>2015</a:t>
+            </a:r>
+          </a:p>
+          <a:p>
+            <a:r>
+              <a:rPr lang="fr-FR" dirty="0"/>
+              <a:t>ES6</a:t>
+            </a:r>
+          </a:p>
+        </p:txBody>
+      </p:sp>
+      <p:cxnSp>
+        <p:nvCxnSpPr>
+          <p:cNvPr id="24" name="Straight Connector 23">
+            <a:extLst>
+              <a:ext uri="{FF2B5EF4-FFF2-40B4-BE49-F238E27FC236}">
+                <a16:creationId xmlns:a16="http://schemas.microsoft.com/office/drawing/2014/main" id="{DBB925ED-E9CF-4603-A64F-91459C194271}"/>
+              </a:ext>
+            </a:extLst>
+          </p:cNvPr>
+          <p:cNvCxnSpPr/>
+          <p:nvPr/>
+        </p:nvCxnSpPr>
+        <p:spPr>
+          <a:xfrm>
+            <a:off x="9206846" y="2121031"/>
+            <a:ext cx="0" cy="748199"/>
+          </a:xfrm>
+          <a:prstGeom prst="line">
+            <a:avLst/>
+          </a:prstGeom>
+          <a:ln w="76200"/>
+        </p:spPr>
+        <p:style>
+          <a:lnRef idx="1">
+            <a:schemeClr val="accent1"/>
+          </a:lnRef>
+          <a:fillRef idx="0">
+            <a:schemeClr val="accent1"/>
+          </a:fillRef>
+          <a:effectRef idx="0">
+            <a:schemeClr val="accent1"/>
+          </a:effectRef>
+          <a:fontRef idx="minor">
+            <a:schemeClr val="tx1"/>
+          </a:fontRef>
+        </p:style>
+      </p:cxnSp>
+      <p:sp>
+        <p:nvSpPr>
+          <p:cNvPr id="25" name="TextBox 24">
+            <a:extLst>
+              <a:ext uri="{FF2B5EF4-FFF2-40B4-BE49-F238E27FC236}">
+                <a16:creationId xmlns:a16="http://schemas.microsoft.com/office/drawing/2014/main" id="{CAD9E29E-54E2-47B5-8B46-FF2C2665975D}"/>
+              </a:ext>
+            </a:extLst>
+          </p:cNvPr>
+          <p:cNvSpPr txBox="1"/>
+          <p:nvPr/>
+        </p:nvSpPr>
+        <p:spPr>
+          <a:xfrm>
+            <a:off x="9073299" y="3068425"/>
+            <a:ext cx="868507" cy="369332"/>
+          </a:xfrm>
+          <a:prstGeom prst="rect">
+            <a:avLst/>
+          </a:prstGeom>
+          <a:noFill/>
+        </p:spPr>
+        <p:txBody>
+          <a:bodyPr wrap="none" rtlCol="0">
+            <a:spAutoFit/>
+          </a:bodyPr>
+          <a:lstStyle/>
+          <a:p>
+            <a:r>
+              <a:rPr lang="fr-FR" dirty="0"/>
+              <a:t>ES2016</a:t>
+            </a:r>
+          </a:p>
+        </p:txBody>
+      </p:sp>
+      <p:cxnSp>
+        <p:nvCxnSpPr>
+          <p:cNvPr id="27" name="Straight Connector 26">
+            <a:extLst>
+              <a:ext uri="{FF2B5EF4-FFF2-40B4-BE49-F238E27FC236}">
+                <a16:creationId xmlns:a16="http://schemas.microsoft.com/office/drawing/2014/main" id="{C5E86E65-DC21-4F66-ABD3-6B4314AC2D98}"/>
+              </a:ext>
+            </a:extLst>
+          </p:cNvPr>
+          <p:cNvCxnSpPr/>
+          <p:nvPr/>
+        </p:nvCxnSpPr>
+        <p:spPr>
+          <a:xfrm>
+            <a:off x="9516359" y="2177592"/>
+            <a:ext cx="2064470" cy="0"/>
+          </a:xfrm>
+          <a:prstGeom prst="line">
+            <a:avLst/>
+          </a:prstGeom>
+          <a:ln w="76200">
+            <a:prstDash val="sysDash"/>
+          </a:ln>
+        </p:spPr>
+        <p:style>
+          <a:lnRef idx="1">
+            <a:schemeClr val="accent1"/>
+          </a:lnRef>
+          <a:fillRef idx="0">
+            <a:schemeClr val="accent1"/>
+          </a:fillRef>
+          <a:effectRef idx="0">
+            <a:schemeClr val="accent1"/>
+          </a:effectRef>
+          <a:fontRef idx="minor">
+            <a:schemeClr val="tx1"/>
+          </a:fontRef>
+        </p:style>
+      </p:cxnSp>
+      <p:cxnSp>
+        <p:nvCxnSpPr>
+          <p:cNvPr id="29" name="Straight Connector 28">
+            <a:extLst>
+              <a:ext uri="{FF2B5EF4-FFF2-40B4-BE49-F238E27FC236}">
+                <a16:creationId xmlns:a16="http://schemas.microsoft.com/office/drawing/2014/main" id="{F96558CC-1D3D-4675-8557-2248E723AF3C}"/>
+              </a:ext>
+            </a:extLst>
+          </p:cNvPr>
+          <p:cNvCxnSpPr/>
+          <p:nvPr/>
+        </p:nvCxnSpPr>
+        <p:spPr>
+          <a:xfrm>
+            <a:off x="6693031" y="1649691"/>
+            <a:ext cx="0" cy="2705493"/>
+          </a:xfrm>
+          <a:prstGeom prst="line">
+            <a:avLst/>
+          </a:prstGeom>
+          <a:ln w="76200"/>
+        </p:spPr>
+        <p:style>
+          <a:lnRef idx="1">
+            <a:schemeClr val="accent1"/>
+          </a:lnRef>
+          <a:fillRef idx="0">
+            <a:schemeClr val="accent1"/>
+          </a:fillRef>
+          <a:effectRef idx="0">
+            <a:schemeClr val="accent1"/>
+          </a:effectRef>
+          <a:fontRef idx="minor">
+            <a:schemeClr val="tx1"/>
+          </a:fontRef>
+        </p:style>
+      </p:cxnSp>
+      <p:sp>
+        <p:nvSpPr>
+          <p:cNvPr id="30" name="TextBox 29">
+            <a:extLst>
+              <a:ext uri="{FF2B5EF4-FFF2-40B4-BE49-F238E27FC236}">
+                <a16:creationId xmlns:a16="http://schemas.microsoft.com/office/drawing/2014/main" id="{977E50E5-4D84-4CDD-8DF8-3B7F250A2B72}"/>
+              </a:ext>
+            </a:extLst>
+          </p:cNvPr>
+          <p:cNvSpPr txBox="1"/>
+          <p:nvPr/>
+        </p:nvSpPr>
+        <p:spPr>
+          <a:xfrm>
+            <a:off x="6348953" y="4482445"/>
+            <a:ext cx="872355" cy="646331"/>
+          </a:xfrm>
+          <a:prstGeom prst="rect">
+            <a:avLst/>
+          </a:prstGeom>
+          <a:noFill/>
+        </p:spPr>
+        <p:txBody>
+          <a:bodyPr wrap="none" rtlCol="0">
+            <a:spAutoFit/>
+          </a:bodyPr>
+          <a:lstStyle/>
+          <a:p>
+            <a:r>
+              <a:rPr lang="fr-FR" dirty="0"/>
+              <a:t>2009</a:t>
+            </a:r>
+          </a:p>
+          <a:p>
+            <a:r>
+              <a:rPr lang="fr-FR" dirty="0" err="1"/>
+              <a:t>NodeJS</a:t>
+            </a:r>
+            <a:endParaRPr lang="fr-FR" dirty="0"/>
+          </a:p>
+        </p:txBody>
+      </p:sp>
+      <p:cxnSp>
+        <p:nvCxnSpPr>
+          <p:cNvPr id="32" name="Straight Connector 31">
+            <a:extLst>
+              <a:ext uri="{FF2B5EF4-FFF2-40B4-BE49-F238E27FC236}">
+                <a16:creationId xmlns:a16="http://schemas.microsoft.com/office/drawing/2014/main" id="{10B7D4E3-EF19-415B-A6E0-8950FA107407}"/>
+              </a:ext>
+            </a:extLst>
+          </p:cNvPr>
+          <p:cNvCxnSpPr/>
+          <p:nvPr/>
+        </p:nvCxnSpPr>
+        <p:spPr>
+          <a:xfrm>
+            <a:off x="7569724" y="1753386"/>
+            <a:ext cx="0" cy="1684371"/>
+          </a:xfrm>
+          <a:prstGeom prst="line">
+            <a:avLst/>
+          </a:prstGeom>
+          <a:ln w="76200"/>
+        </p:spPr>
+        <p:style>
+          <a:lnRef idx="1">
+            <a:schemeClr val="accent1"/>
+          </a:lnRef>
+          <a:fillRef idx="0">
+            <a:schemeClr val="accent1"/>
+          </a:fillRef>
+          <a:effectRef idx="0">
+            <a:schemeClr val="accent1"/>
+          </a:effectRef>
+          <a:fontRef idx="minor">
+            <a:schemeClr val="tx1"/>
+          </a:fontRef>
+        </p:style>
+      </p:cxnSp>
+      <p:sp>
+        <p:nvSpPr>
+          <p:cNvPr id="33" name="TextBox 32">
+            <a:extLst>
+              <a:ext uri="{FF2B5EF4-FFF2-40B4-BE49-F238E27FC236}">
+                <a16:creationId xmlns:a16="http://schemas.microsoft.com/office/drawing/2014/main" id="{2AEBCC9B-1414-4E8D-81DA-6F70341E3513}"/>
+              </a:ext>
+            </a:extLst>
+          </p:cNvPr>
+          <p:cNvSpPr txBox="1"/>
+          <p:nvPr/>
+        </p:nvSpPr>
+        <p:spPr>
+          <a:xfrm>
+            <a:off x="7221308" y="3484296"/>
+            <a:ext cx="1146211" cy="646331"/>
+          </a:xfrm>
+          <a:prstGeom prst="rect">
+            <a:avLst/>
+          </a:prstGeom>
+          <a:noFill/>
+        </p:spPr>
+        <p:txBody>
+          <a:bodyPr wrap="none" rtlCol="0">
+            <a:spAutoFit/>
+          </a:bodyPr>
+          <a:lstStyle/>
+          <a:p>
+            <a:r>
+              <a:rPr lang="fr-FR" dirty="0"/>
+              <a:t>2012</a:t>
+            </a:r>
+          </a:p>
+          <a:p>
+            <a:r>
+              <a:rPr lang="fr-FR" dirty="0"/>
+              <a:t>Typescript</a:t>
+            </a:r>
+          </a:p>
+        </p:txBody>
+      </p:sp>
+    </p:spTree>
+    <p:extLst>
+      <p:ext uri="{BB962C8B-B14F-4D97-AF65-F5344CB8AC3E}">
+        <p14:creationId xmlns:p14="http://schemas.microsoft.com/office/powerpoint/2010/main" val="1878248117"/>
+      </p:ext>
+    </p:extLst>
+  </p:cSld>
+  <p:clrMapOvr>
+    <a:masterClrMapping/>
+  </p:clrMapOvr>
+</p:sld>
+</file>
+
+<file path=ppt/slides/slide18.xml><?xml version="1.0" encoding="utf-8"?>
+<p:sld xmlns:a="http://schemas.openxmlformats.org/drawingml/2006/main" xmlns:r="http://schemas.openxmlformats.org/officeDocument/2006/relationships" xmlns:p="http://schemas.openxmlformats.org/presentationml/2006/main">
+  <p:cSld>
+    <p:spTree>
+      <p:nvGrpSpPr>
+        <p:cNvPr id="1" name=""/>
+        <p:cNvGrpSpPr/>
+        <p:nvPr/>
+      </p:nvGrpSpPr>
+      <p:grpSpPr>
+        <a:xfrm>
+          <a:off x="0" y="0"/>
+          <a:ext cx="0" cy="0"/>
+          <a:chOff x="0" y="0"/>
+          <a:chExt cx="0" cy="0"/>
+        </a:xfrm>
+      </p:grpSpPr>
+      <p:sp>
+        <p:nvSpPr>
+          <p:cNvPr id="2" name="Title 1">
+            <a:extLst>
+              <a:ext uri="{FF2B5EF4-FFF2-40B4-BE49-F238E27FC236}">
+                <a16:creationId xmlns:a16="http://schemas.microsoft.com/office/drawing/2014/main" id="{6BBACE0D-BADD-4552-8231-2501E7CB7D8F}"/>
+              </a:ext>
+            </a:extLst>
+          </p:cNvPr>
+          <p:cNvSpPr>
+            <a:spLocks noGrp="1"/>
+          </p:cNvSpPr>
+          <p:nvPr>
+            <p:ph type="title"/>
+          </p:nvPr>
+        </p:nvSpPr>
+        <p:spPr/>
+        <p:txBody>
+          <a:bodyPr/>
+          <a:lstStyle/>
+          <a:p>
+            <a:r>
+              <a:rPr lang="fr-FR" dirty="0" err="1"/>
+              <a:t>this</a:t>
+            </a:r>
+            <a:endParaRPr lang="fr-FR" dirty="0"/>
+          </a:p>
+        </p:txBody>
+      </p:sp>
+      <p:sp>
+        <p:nvSpPr>
+          <p:cNvPr id="3" name="Content Placeholder 2">
+            <a:extLst>
+              <a:ext uri="{FF2B5EF4-FFF2-40B4-BE49-F238E27FC236}">
+                <a16:creationId xmlns:a16="http://schemas.microsoft.com/office/drawing/2014/main" id="{14545D08-8628-4113-973F-7FD83F2A83EC}"/>
+              </a:ext>
+            </a:extLst>
+          </p:cNvPr>
+          <p:cNvSpPr>
+            <a:spLocks noGrp="1"/>
+          </p:cNvSpPr>
+          <p:nvPr>
+            <p:ph idx="1"/>
+          </p:nvPr>
+        </p:nvSpPr>
+        <p:spPr/>
+        <p:txBody>
+          <a:bodyPr/>
+          <a:lstStyle/>
+          <a:p>
+            <a:r>
+              <a:rPr lang="fr-FR" dirty="0" err="1"/>
+              <a:t>this</a:t>
+            </a:r>
+            <a:r>
+              <a:rPr lang="fr-FR" dirty="0"/>
+              <a:t> global</a:t>
+            </a:r>
+          </a:p>
+          <a:p>
+            <a:r>
+              <a:rPr lang="fr-FR" dirty="0" err="1"/>
+              <a:t>this</a:t>
+            </a:r>
+            <a:r>
+              <a:rPr lang="fr-FR" dirty="0"/>
+              <a:t> dans une fonction</a:t>
+            </a:r>
+          </a:p>
+          <a:p>
+            <a:pPr lvl="1"/>
+            <a:r>
+              <a:rPr lang="fr-FR" dirty="0" err="1"/>
+              <a:t>this</a:t>
+            </a:r>
+            <a:r>
+              <a:rPr lang="fr-FR" dirty="0"/>
+              <a:t> global (</a:t>
+            </a:r>
+            <a:r>
+              <a:rPr lang="fr-FR" dirty="0" err="1"/>
+              <a:t>sloppy</a:t>
+            </a:r>
+            <a:r>
+              <a:rPr lang="fr-FR" dirty="0"/>
+              <a:t> mode)</a:t>
+            </a:r>
+          </a:p>
+          <a:p>
+            <a:pPr lvl="1"/>
+            <a:r>
+              <a:rPr lang="fr-FR" dirty="0" err="1"/>
+              <a:t>this</a:t>
+            </a:r>
+            <a:r>
+              <a:rPr lang="fr-FR" dirty="0"/>
+              <a:t> </a:t>
+            </a:r>
+            <a:r>
+              <a:rPr lang="fr-FR" dirty="0" err="1"/>
+              <a:t>undefined</a:t>
+            </a:r>
+            <a:r>
+              <a:rPr lang="fr-FR" dirty="0"/>
+              <a:t> (strict mode)</a:t>
+            </a:r>
+          </a:p>
+          <a:p>
+            <a:pPr lvl="1"/>
+            <a:r>
+              <a:rPr lang="fr-FR" dirty="0" err="1"/>
+              <a:t>this</a:t>
+            </a:r>
+            <a:r>
+              <a:rPr lang="fr-FR" dirty="0"/>
+              <a:t> </a:t>
+            </a:r>
+            <a:r>
+              <a:rPr lang="fr-FR" dirty="0" err="1"/>
+              <a:t>object</a:t>
+            </a:r>
+            <a:r>
+              <a:rPr lang="fr-FR" dirty="0"/>
+              <a:t> (</a:t>
+            </a:r>
+            <a:r>
+              <a:rPr lang="fr-FR" dirty="0" err="1"/>
+              <a:t>object.function</a:t>
+            </a:r>
+            <a:r>
+              <a:rPr lang="fr-FR" dirty="0"/>
+              <a:t>())</a:t>
+            </a:r>
+          </a:p>
+          <a:p>
+            <a:pPr lvl="1"/>
+            <a:r>
+              <a:rPr lang="fr-FR" dirty="0" err="1"/>
+              <a:t>this</a:t>
+            </a:r>
+            <a:r>
+              <a:rPr lang="fr-FR" dirty="0"/>
+              <a:t> </a:t>
+            </a:r>
+            <a:r>
+              <a:rPr lang="fr-FR" dirty="0" err="1"/>
+              <a:t>object</a:t>
+            </a:r>
+            <a:r>
+              <a:rPr lang="fr-FR" dirty="0"/>
+              <a:t> entrain d’être crée (new)</a:t>
+            </a:r>
+          </a:p>
+          <a:p>
+            <a:pPr lvl="1"/>
+            <a:endParaRPr lang="fr-FR" dirty="0"/>
+          </a:p>
+        </p:txBody>
+      </p:sp>
+    </p:spTree>
+    <p:extLst>
+      <p:ext uri="{BB962C8B-B14F-4D97-AF65-F5344CB8AC3E}">
+        <p14:creationId xmlns:p14="http://schemas.microsoft.com/office/powerpoint/2010/main" val="2502689281"/>
+      </p:ext>
+    </p:extLst>
+  </p:cSld>
+  <p:clrMapOvr>
+    <a:masterClrMapping/>
+  </p:clrMapOvr>
+</p:sld>
+</file>
+
+<file path=ppt/slides/slide19.xml><?xml version="1.0" encoding="utf-8"?>
+<p:sld xmlns:a="http://schemas.openxmlformats.org/drawingml/2006/main" xmlns:r="http://schemas.openxmlformats.org/officeDocument/2006/relationships" xmlns:p="http://schemas.openxmlformats.org/presentationml/2006/main">
+  <p:cSld>
+    <p:spTree>
+      <p:nvGrpSpPr>
+        <p:cNvPr id="1" name=""/>
+        <p:cNvGrpSpPr/>
+        <p:nvPr/>
+      </p:nvGrpSpPr>
+      <p:grpSpPr>
+        <a:xfrm>
+          <a:off x="0" y="0"/>
+          <a:ext cx="0" cy="0"/>
+          <a:chOff x="0" y="0"/>
+          <a:chExt cx="0" cy="0"/>
+        </a:xfrm>
+      </p:grpSpPr>
+      <p:sp>
+        <p:nvSpPr>
+          <p:cNvPr id="4" name="Rectangle 3">
+            <a:extLst>
+              <a:ext uri="{FF2B5EF4-FFF2-40B4-BE49-F238E27FC236}">
+                <a16:creationId xmlns:a16="http://schemas.microsoft.com/office/drawing/2014/main" id="{543AC7C7-31A3-4949-99EC-5FB047BEFE60}"/>
+              </a:ext>
+            </a:extLst>
+          </p:cNvPr>
+          <p:cNvSpPr/>
+          <p:nvPr/>
+        </p:nvSpPr>
+        <p:spPr>
+          <a:xfrm>
+            <a:off x="8385142" y="1164210"/>
+            <a:ext cx="923827" cy="787138"/>
+          </a:xfrm>
+          <a:prstGeom prst="rect">
+            <a:avLst/>
+          </a:prstGeom>
+        </p:spPr>
+        <p:style>
+          <a:lnRef idx="2">
+            <a:schemeClr val="accent1">
+              <a:shade val="50000"/>
+            </a:schemeClr>
+          </a:lnRef>
+          <a:fillRef idx="1">
+            <a:schemeClr val="accent1"/>
+          </a:fillRef>
+          <a:effectRef idx="0">
+            <a:schemeClr val="accent1"/>
+          </a:effectRef>
+          <a:fontRef idx="minor">
+            <a:schemeClr val="lt1"/>
+          </a:fontRef>
+        </p:style>
+        <p:txBody>
+          <a:bodyPr rtlCol="0" anchor="ctr"/>
+          <a:lstStyle/>
+          <a:p>
+            <a:pPr algn="ctr"/>
+            <a:r>
+              <a:rPr lang="fr-FR" dirty="0"/>
+              <a:t>app</a:t>
+            </a:r>
+          </a:p>
+        </p:txBody>
+      </p:sp>
+      <p:sp>
+        <p:nvSpPr>
+          <p:cNvPr id="6" name="Rectangle 5">
+            <a:extLst>
+              <a:ext uri="{FF2B5EF4-FFF2-40B4-BE49-F238E27FC236}">
+                <a16:creationId xmlns:a16="http://schemas.microsoft.com/office/drawing/2014/main" id="{52757940-7DBD-427D-818A-2B7DACA1E548}"/>
+              </a:ext>
+            </a:extLst>
+          </p:cNvPr>
+          <p:cNvSpPr/>
+          <p:nvPr/>
+        </p:nvSpPr>
+        <p:spPr>
+          <a:xfrm>
+            <a:off x="7151802" y="2264004"/>
+            <a:ext cx="923827" cy="787138"/>
+          </a:xfrm>
+          <a:prstGeom prst="rect">
+            <a:avLst/>
+          </a:prstGeom>
+        </p:spPr>
+        <p:style>
+          <a:lnRef idx="2">
+            <a:schemeClr val="accent1">
+              <a:shade val="50000"/>
+            </a:schemeClr>
+          </a:lnRef>
+          <a:fillRef idx="1">
+            <a:schemeClr val="accent1"/>
+          </a:fillRef>
+          <a:effectRef idx="0">
+            <a:schemeClr val="accent1"/>
+          </a:effectRef>
+          <a:fontRef idx="minor">
+            <a:schemeClr val="lt1"/>
+          </a:fontRef>
+        </p:style>
+        <p:txBody>
+          <a:bodyPr rtlCol="0" anchor="ctr"/>
+          <a:lstStyle/>
+          <a:p>
+            <a:pPr algn="ctr"/>
+            <a:r>
+              <a:rPr lang="fr-FR" dirty="0"/>
+              <a:t>header</a:t>
+            </a:r>
+          </a:p>
+        </p:txBody>
+      </p:sp>
+      <p:sp>
+        <p:nvSpPr>
+          <p:cNvPr id="7" name="Rectangle 6">
+            <a:extLst>
+              <a:ext uri="{FF2B5EF4-FFF2-40B4-BE49-F238E27FC236}">
+                <a16:creationId xmlns:a16="http://schemas.microsoft.com/office/drawing/2014/main" id="{0946F471-C53B-4273-9CA9-8B96776D4B4E}"/>
+              </a:ext>
+            </a:extLst>
+          </p:cNvPr>
+          <p:cNvSpPr/>
+          <p:nvPr/>
+        </p:nvSpPr>
+        <p:spPr>
+          <a:xfrm>
+            <a:off x="8425992" y="2264004"/>
+            <a:ext cx="923827" cy="787138"/>
+          </a:xfrm>
+          <a:prstGeom prst="rect">
+            <a:avLst/>
+          </a:prstGeom>
+        </p:spPr>
+        <p:style>
+          <a:lnRef idx="2">
+            <a:schemeClr val="accent1">
+              <a:shade val="50000"/>
+            </a:schemeClr>
+          </a:lnRef>
+          <a:fillRef idx="1">
+            <a:schemeClr val="accent1"/>
+          </a:fillRef>
+          <a:effectRef idx="0">
+            <a:schemeClr val="accent1"/>
+          </a:effectRef>
+          <a:fontRef idx="minor">
+            <a:schemeClr val="lt1"/>
+          </a:fontRef>
+        </p:style>
+        <p:txBody>
+          <a:bodyPr rtlCol="0" anchor="ctr"/>
+          <a:lstStyle/>
+          <a:p>
+            <a:pPr algn="ctr"/>
+            <a:r>
+              <a:rPr lang="fr-FR" dirty="0"/>
+              <a:t>body</a:t>
+            </a:r>
+          </a:p>
+        </p:txBody>
+      </p:sp>
+      <p:sp>
+        <p:nvSpPr>
+          <p:cNvPr id="8" name="Rectangle 7">
+            <a:extLst>
+              <a:ext uri="{FF2B5EF4-FFF2-40B4-BE49-F238E27FC236}">
+                <a16:creationId xmlns:a16="http://schemas.microsoft.com/office/drawing/2014/main" id="{2FEFE455-5456-4356-B658-288D045A9795}"/>
+              </a:ext>
+            </a:extLst>
+          </p:cNvPr>
+          <p:cNvSpPr/>
+          <p:nvPr/>
+        </p:nvSpPr>
+        <p:spPr>
+          <a:xfrm>
+            <a:off x="9799163" y="2264004"/>
+            <a:ext cx="923827" cy="787138"/>
+          </a:xfrm>
+          <a:prstGeom prst="rect">
+            <a:avLst/>
+          </a:prstGeom>
+        </p:spPr>
+        <p:style>
+          <a:lnRef idx="2">
+            <a:schemeClr val="accent1">
+              <a:shade val="50000"/>
+            </a:schemeClr>
+          </a:lnRef>
+          <a:fillRef idx="1">
+            <a:schemeClr val="accent1"/>
+          </a:fillRef>
+          <a:effectRef idx="0">
+            <a:schemeClr val="accent1"/>
+          </a:effectRef>
+          <a:fontRef idx="minor">
+            <a:schemeClr val="lt1"/>
+          </a:fontRef>
+        </p:style>
+        <p:txBody>
+          <a:bodyPr rtlCol="0" anchor="ctr"/>
+          <a:lstStyle/>
+          <a:p>
+            <a:pPr algn="ctr"/>
+            <a:r>
+              <a:rPr lang="fr-FR" dirty="0" err="1"/>
+              <a:t>footer</a:t>
+            </a:r>
+            <a:endParaRPr lang="fr-FR" dirty="0"/>
+          </a:p>
+        </p:txBody>
+      </p:sp>
+      <p:sp>
+        <p:nvSpPr>
+          <p:cNvPr id="9" name="Rectangle 8">
+            <a:extLst>
+              <a:ext uri="{FF2B5EF4-FFF2-40B4-BE49-F238E27FC236}">
+                <a16:creationId xmlns:a16="http://schemas.microsoft.com/office/drawing/2014/main" id="{B70D0B7F-2179-47E9-87BF-610388C1CCDB}"/>
+              </a:ext>
+            </a:extLst>
+          </p:cNvPr>
+          <p:cNvSpPr/>
+          <p:nvPr/>
+        </p:nvSpPr>
+        <p:spPr>
+          <a:xfrm>
+            <a:off x="6722098" y="4247562"/>
+            <a:ext cx="923827" cy="787138"/>
+          </a:xfrm>
+          <a:prstGeom prst="rect">
+            <a:avLst/>
+          </a:prstGeom>
+        </p:spPr>
+        <p:style>
+          <a:lnRef idx="2">
+            <a:schemeClr val="accent1">
+              <a:shade val="50000"/>
+            </a:schemeClr>
+          </a:lnRef>
+          <a:fillRef idx="1">
+            <a:schemeClr val="accent1"/>
+          </a:fillRef>
+          <a:effectRef idx="0">
+            <a:schemeClr val="accent1"/>
+          </a:effectRef>
+          <a:fontRef idx="minor">
+            <a:schemeClr val="lt1"/>
+          </a:fontRef>
+        </p:style>
+        <p:txBody>
+          <a:bodyPr rtlCol="0" anchor="ctr"/>
+          <a:lstStyle/>
+          <a:p>
+            <a:pPr algn="ctr"/>
+            <a:r>
+              <a:rPr lang="fr-FR" dirty="0" err="1"/>
+              <a:t>toggle</a:t>
+            </a:r>
+            <a:endParaRPr lang="fr-FR" dirty="0"/>
+          </a:p>
+        </p:txBody>
+      </p:sp>
+      <p:cxnSp>
+        <p:nvCxnSpPr>
+          <p:cNvPr id="11" name="Straight Arrow Connector 10">
+            <a:extLst>
+              <a:ext uri="{FF2B5EF4-FFF2-40B4-BE49-F238E27FC236}">
+                <a16:creationId xmlns:a16="http://schemas.microsoft.com/office/drawing/2014/main" id="{C14F3546-9DE1-4110-833C-66FF519CE525}"/>
+              </a:ext>
+            </a:extLst>
+          </p:cNvPr>
+          <p:cNvCxnSpPr>
+            <a:stCxn id="6" idx="0"/>
+            <a:endCxn id="4" idx="1"/>
+          </p:cNvCxnSpPr>
+          <p:nvPr/>
+        </p:nvCxnSpPr>
+        <p:spPr>
+          <a:xfrm flipV="1">
+            <a:off x="7613716" y="1557779"/>
+            <a:ext cx="771426" cy="706225"/>
+          </a:xfrm>
+          <a:prstGeom prst="straightConnector1">
+            <a:avLst/>
+          </a:prstGeom>
+          <a:ln w="76200">
+            <a:tailEnd type="triangle"/>
+          </a:ln>
+        </p:spPr>
+        <p:style>
+          <a:lnRef idx="1">
+            <a:schemeClr val="accent1"/>
+          </a:lnRef>
+          <a:fillRef idx="0">
+            <a:schemeClr val="accent1"/>
+          </a:fillRef>
+          <a:effectRef idx="0">
+            <a:schemeClr val="accent1"/>
+          </a:effectRef>
+          <a:fontRef idx="minor">
+            <a:schemeClr val="tx1"/>
+          </a:fontRef>
+        </p:style>
+      </p:cxnSp>
+      <p:cxnSp>
+        <p:nvCxnSpPr>
+          <p:cNvPr id="13" name="Straight Arrow Connector 12">
+            <a:extLst>
+              <a:ext uri="{FF2B5EF4-FFF2-40B4-BE49-F238E27FC236}">
+                <a16:creationId xmlns:a16="http://schemas.microsoft.com/office/drawing/2014/main" id="{B87C1D5B-ED52-468F-9A66-7F8DCEFA3CB5}"/>
+              </a:ext>
+            </a:extLst>
+          </p:cNvPr>
+          <p:cNvCxnSpPr>
+            <a:stCxn id="7" idx="0"/>
+            <a:endCxn id="4" idx="2"/>
+          </p:cNvCxnSpPr>
+          <p:nvPr/>
+        </p:nvCxnSpPr>
+        <p:spPr>
+          <a:xfrm flipH="1" flipV="1">
+            <a:off x="8847056" y="1951348"/>
+            <a:ext cx="40850" cy="312656"/>
+          </a:xfrm>
+          <a:prstGeom prst="straightConnector1">
+            <a:avLst/>
+          </a:prstGeom>
+          <a:ln w="76200">
+            <a:tailEnd type="triangle"/>
+          </a:ln>
+        </p:spPr>
+        <p:style>
+          <a:lnRef idx="1">
+            <a:schemeClr val="accent1"/>
+          </a:lnRef>
+          <a:fillRef idx="0">
+            <a:schemeClr val="accent1"/>
+          </a:fillRef>
+          <a:effectRef idx="0">
+            <a:schemeClr val="accent1"/>
+          </a:effectRef>
+          <a:fontRef idx="minor">
+            <a:schemeClr val="tx1"/>
+          </a:fontRef>
+        </p:style>
+      </p:cxnSp>
+      <p:cxnSp>
+        <p:nvCxnSpPr>
+          <p:cNvPr id="15" name="Straight Arrow Connector 14">
+            <a:extLst>
+              <a:ext uri="{FF2B5EF4-FFF2-40B4-BE49-F238E27FC236}">
+                <a16:creationId xmlns:a16="http://schemas.microsoft.com/office/drawing/2014/main" id="{8EC39256-BACB-4634-9A00-DE2433B0A572}"/>
+              </a:ext>
+            </a:extLst>
+          </p:cNvPr>
+          <p:cNvCxnSpPr>
+            <a:stCxn id="8" idx="0"/>
+            <a:endCxn id="4" idx="3"/>
+          </p:cNvCxnSpPr>
+          <p:nvPr/>
+        </p:nvCxnSpPr>
+        <p:spPr>
+          <a:xfrm flipH="1" flipV="1">
+            <a:off x="9308969" y="1557779"/>
+            <a:ext cx="952108" cy="706225"/>
+          </a:xfrm>
+          <a:prstGeom prst="straightConnector1">
+            <a:avLst/>
+          </a:prstGeom>
+          <a:ln w="76200">
+            <a:tailEnd type="triangle"/>
+          </a:ln>
+        </p:spPr>
+        <p:style>
+          <a:lnRef idx="1">
+            <a:schemeClr val="accent1"/>
+          </a:lnRef>
+          <a:fillRef idx="0">
+            <a:schemeClr val="accent1"/>
+          </a:fillRef>
+          <a:effectRef idx="0">
+            <a:schemeClr val="accent1"/>
+          </a:effectRef>
+          <a:fontRef idx="minor">
+            <a:schemeClr val="tx1"/>
+          </a:fontRef>
+        </p:style>
+      </p:cxnSp>
+      <p:cxnSp>
+        <p:nvCxnSpPr>
+          <p:cNvPr id="17" name="Straight Arrow Connector 16">
+            <a:extLst>
+              <a:ext uri="{FF2B5EF4-FFF2-40B4-BE49-F238E27FC236}">
+                <a16:creationId xmlns:a16="http://schemas.microsoft.com/office/drawing/2014/main" id="{BB142AEA-52A5-44D1-AAD2-6E2C8F19C956}"/>
+              </a:ext>
+            </a:extLst>
+          </p:cNvPr>
+          <p:cNvCxnSpPr>
+            <a:cxnSpLocks/>
+            <a:stCxn id="9" idx="0"/>
+          </p:cNvCxnSpPr>
+          <p:nvPr/>
+        </p:nvCxnSpPr>
+        <p:spPr>
+          <a:xfrm flipV="1">
+            <a:off x="7184012" y="3860669"/>
+            <a:ext cx="69914" cy="386893"/>
+          </a:xfrm>
+          <a:prstGeom prst="straightConnector1">
+            <a:avLst/>
+          </a:prstGeom>
+          <a:ln w="76200">
+            <a:tailEnd type="triangle"/>
+          </a:ln>
+        </p:spPr>
+        <p:style>
+          <a:lnRef idx="1">
+            <a:schemeClr val="accent1"/>
+          </a:lnRef>
+          <a:fillRef idx="0">
+            <a:schemeClr val="accent1"/>
+          </a:fillRef>
+          <a:effectRef idx="0">
+            <a:schemeClr val="accent1"/>
+          </a:effectRef>
+          <a:fontRef idx="minor">
+            <a:schemeClr val="tx1"/>
+          </a:fontRef>
+        </p:style>
+      </p:cxnSp>
+      <p:sp>
+        <p:nvSpPr>
+          <p:cNvPr id="18" name="Rectangle 17">
+            <a:extLst>
+              <a:ext uri="{FF2B5EF4-FFF2-40B4-BE49-F238E27FC236}">
+                <a16:creationId xmlns:a16="http://schemas.microsoft.com/office/drawing/2014/main" id="{205E2D43-717B-4750-86F2-E8D93B57805D}"/>
+              </a:ext>
+            </a:extLst>
+          </p:cNvPr>
+          <p:cNvSpPr/>
+          <p:nvPr/>
+        </p:nvSpPr>
+        <p:spPr>
+          <a:xfrm>
+            <a:off x="702297" y="1230198"/>
+            <a:ext cx="3676454" cy="4275056"/>
+          </a:xfrm>
+          <a:prstGeom prst="rect">
+            <a:avLst/>
+          </a:prstGeom>
+        </p:spPr>
+        <p:style>
+          <a:lnRef idx="2">
+            <a:schemeClr val="dk1"/>
+          </a:lnRef>
+          <a:fillRef idx="1">
+            <a:schemeClr val="lt1"/>
+          </a:fillRef>
+          <a:effectRef idx="0">
+            <a:schemeClr val="dk1"/>
+          </a:effectRef>
+          <a:fontRef idx="minor">
+            <a:schemeClr val="dk1"/>
+          </a:fontRef>
+        </p:style>
+        <p:txBody>
+          <a:bodyPr rtlCol="0" anchor="ctr"/>
+          <a:lstStyle/>
+          <a:p>
+            <a:pPr algn="ctr"/>
+            <a:endParaRPr lang="fr-FR"/>
+          </a:p>
+        </p:txBody>
+      </p:sp>
+      <p:sp>
+        <p:nvSpPr>
+          <p:cNvPr id="19" name="Rectangle 18">
+            <a:extLst>
+              <a:ext uri="{FF2B5EF4-FFF2-40B4-BE49-F238E27FC236}">
+                <a16:creationId xmlns:a16="http://schemas.microsoft.com/office/drawing/2014/main" id="{02F405C7-FC60-4917-AC63-C1000C923EA2}"/>
+              </a:ext>
+            </a:extLst>
+          </p:cNvPr>
+          <p:cNvSpPr/>
+          <p:nvPr/>
+        </p:nvSpPr>
+        <p:spPr>
+          <a:xfrm>
+            <a:off x="1875933" y="1668545"/>
+            <a:ext cx="1069942" cy="628453"/>
+          </a:xfrm>
+          <a:prstGeom prst="rect">
+            <a:avLst/>
+          </a:prstGeom>
+        </p:spPr>
+        <p:style>
+          <a:lnRef idx="2">
+            <a:schemeClr val="accent1">
+              <a:shade val="50000"/>
+            </a:schemeClr>
+          </a:lnRef>
+          <a:fillRef idx="1">
+            <a:schemeClr val="accent1"/>
+          </a:fillRef>
+          <a:effectRef idx="0">
+            <a:schemeClr val="accent1"/>
+          </a:effectRef>
+          <a:fontRef idx="minor">
+            <a:schemeClr val="lt1"/>
+          </a:fontRef>
+        </p:style>
+        <p:txBody>
+          <a:bodyPr rtlCol="0" anchor="ctr"/>
+          <a:lstStyle/>
+          <a:p>
+            <a:pPr algn="ctr"/>
+            <a:r>
+              <a:rPr lang="fr-FR" dirty="0" err="1"/>
+              <a:t>theme</a:t>
+            </a:r>
+            <a:endParaRPr lang="fr-FR" dirty="0"/>
+          </a:p>
+        </p:txBody>
+      </p:sp>
+      <p:cxnSp>
+        <p:nvCxnSpPr>
+          <p:cNvPr id="21" name="Straight Arrow Connector 20">
+            <a:extLst>
+              <a:ext uri="{FF2B5EF4-FFF2-40B4-BE49-F238E27FC236}">
+                <a16:creationId xmlns:a16="http://schemas.microsoft.com/office/drawing/2014/main" id="{20B8DCD5-2B24-40DA-86DF-C958A48E71F5}"/>
+              </a:ext>
+            </a:extLst>
+          </p:cNvPr>
+          <p:cNvCxnSpPr>
+            <a:cxnSpLocks/>
+          </p:cNvCxnSpPr>
+          <p:nvPr/>
+        </p:nvCxnSpPr>
+        <p:spPr>
+          <a:xfrm flipH="1" flipV="1">
+            <a:off x="2842181" y="2036190"/>
+            <a:ext cx="4055099" cy="1480403"/>
+          </a:xfrm>
+          <a:prstGeom prst="straightConnector1">
+            <a:avLst/>
+          </a:prstGeom>
+          <a:ln w="76200">
+            <a:solidFill>
+              <a:schemeClr val="accent1"/>
+            </a:solidFill>
+            <a:prstDash val="sysDash"/>
+            <a:tailEnd type="triangle"/>
+          </a:ln>
+        </p:spPr>
+        <p:style>
+          <a:lnRef idx="1">
+            <a:schemeClr val="accent1"/>
+          </a:lnRef>
+          <a:fillRef idx="0">
+            <a:schemeClr val="accent1"/>
+          </a:fillRef>
+          <a:effectRef idx="0">
+            <a:schemeClr val="accent1"/>
+          </a:effectRef>
+          <a:fontRef idx="minor">
+            <a:schemeClr val="tx1"/>
+          </a:fontRef>
+        </p:style>
+      </p:cxnSp>
+      <p:sp>
+        <p:nvSpPr>
+          <p:cNvPr id="22" name="Rectangle 21">
+            <a:extLst>
+              <a:ext uri="{FF2B5EF4-FFF2-40B4-BE49-F238E27FC236}">
+                <a16:creationId xmlns:a16="http://schemas.microsoft.com/office/drawing/2014/main" id="{F8688F02-C58F-4B2C-8814-6B1FFA32463E}"/>
+              </a:ext>
+            </a:extLst>
+          </p:cNvPr>
+          <p:cNvSpPr/>
+          <p:nvPr/>
+        </p:nvSpPr>
+        <p:spPr>
+          <a:xfrm>
+            <a:off x="1278902" y="3232216"/>
+            <a:ext cx="1069942" cy="628453"/>
+          </a:xfrm>
+          <a:prstGeom prst="rect">
+            <a:avLst/>
+          </a:prstGeom>
+        </p:spPr>
+        <p:style>
+          <a:lnRef idx="2">
+            <a:schemeClr val="accent1">
+              <a:shade val="50000"/>
+            </a:schemeClr>
+          </a:lnRef>
+          <a:fillRef idx="1">
+            <a:schemeClr val="accent1"/>
+          </a:fillRef>
+          <a:effectRef idx="0">
+            <a:schemeClr val="accent1"/>
+          </a:effectRef>
+          <a:fontRef idx="minor">
+            <a:schemeClr val="lt1"/>
+          </a:fontRef>
+        </p:style>
+        <p:txBody>
+          <a:bodyPr rtlCol="0" anchor="ctr"/>
+          <a:lstStyle/>
+          <a:p>
+            <a:pPr algn="ctr"/>
+            <a:r>
+              <a:rPr lang="fr-FR" dirty="0"/>
+              <a:t>articles</a:t>
+            </a:r>
+          </a:p>
+        </p:txBody>
+      </p:sp>
+      <p:sp>
+        <p:nvSpPr>
+          <p:cNvPr id="26" name="Rectangle 25">
+            <a:extLst>
+              <a:ext uri="{FF2B5EF4-FFF2-40B4-BE49-F238E27FC236}">
+                <a16:creationId xmlns:a16="http://schemas.microsoft.com/office/drawing/2014/main" id="{19A410AB-37AE-4B61-BE85-108751E8AB64}"/>
+              </a:ext>
+            </a:extLst>
+          </p:cNvPr>
+          <p:cNvSpPr/>
+          <p:nvPr/>
+        </p:nvSpPr>
+        <p:spPr>
+          <a:xfrm>
+            <a:off x="6958944" y="3308808"/>
+            <a:ext cx="789889" cy="551861"/>
+          </a:xfrm>
+          <a:prstGeom prst="rect">
+            <a:avLst/>
+          </a:prstGeom>
+        </p:spPr>
+        <p:style>
+          <a:lnRef idx="2">
+            <a:schemeClr val="accent1">
+              <a:shade val="50000"/>
+            </a:schemeClr>
+          </a:lnRef>
+          <a:fillRef idx="1">
+            <a:schemeClr val="accent1"/>
+          </a:fillRef>
+          <a:effectRef idx="0">
+            <a:schemeClr val="accent1"/>
+          </a:effectRef>
+          <a:fontRef idx="minor">
+            <a:schemeClr val="lt1"/>
+          </a:fontRef>
+        </p:style>
+        <p:txBody>
+          <a:bodyPr rtlCol="0" anchor="ctr"/>
+          <a:lstStyle/>
+          <a:p>
+            <a:pPr algn="ctr"/>
+            <a:r>
+              <a:rPr lang="fr-FR" dirty="0" err="1"/>
+              <a:t>themetoggle</a:t>
+            </a:r>
+            <a:endParaRPr lang="fr-FR" dirty="0"/>
+          </a:p>
+        </p:txBody>
+      </p:sp>
+      <p:cxnSp>
+        <p:nvCxnSpPr>
+          <p:cNvPr id="29" name="Straight Arrow Connector 28">
+            <a:extLst>
+              <a:ext uri="{FF2B5EF4-FFF2-40B4-BE49-F238E27FC236}">
+                <a16:creationId xmlns:a16="http://schemas.microsoft.com/office/drawing/2014/main" id="{DE5A1629-45EA-4CAA-95CF-4E4170AECBFC}"/>
+              </a:ext>
+            </a:extLst>
+          </p:cNvPr>
+          <p:cNvCxnSpPr>
+            <a:cxnSpLocks/>
+            <a:stCxn id="26" idx="0"/>
+            <a:endCxn id="6" idx="2"/>
+          </p:cNvCxnSpPr>
+          <p:nvPr/>
+        </p:nvCxnSpPr>
+        <p:spPr>
+          <a:xfrm flipV="1">
+            <a:off x="7353889" y="3051142"/>
+            <a:ext cx="259827" cy="257666"/>
+          </a:xfrm>
+          <a:prstGeom prst="straightConnector1">
+            <a:avLst/>
+          </a:prstGeom>
+          <a:ln w="76200">
+            <a:tailEnd type="triangle"/>
+          </a:ln>
+        </p:spPr>
+        <p:style>
+          <a:lnRef idx="1">
+            <a:schemeClr val="accent1"/>
+          </a:lnRef>
+          <a:fillRef idx="0">
+            <a:schemeClr val="accent1"/>
+          </a:fillRef>
+          <a:effectRef idx="0">
+            <a:schemeClr val="accent1"/>
+          </a:effectRef>
+          <a:fontRef idx="minor">
+            <a:schemeClr val="tx1"/>
+          </a:fontRef>
+        </p:style>
+      </p:cxnSp>
+    </p:spTree>
+    <p:extLst>
+      <p:ext uri="{BB962C8B-B14F-4D97-AF65-F5344CB8AC3E}">
+        <p14:creationId xmlns:p14="http://schemas.microsoft.com/office/powerpoint/2010/main" val="267152993"/>
+      </p:ext>
+    </p:extLst>
+  </p:cSld>
+  <p:clrMapOvr>
+    <a:masterClrMapping/>
+  </p:clrMapOvr>
+</p:sld>
+</file>
+
 <file path=ppt/slides/slide2.xml><?xml version="1.0" encoding="utf-8"?>
 <p:sld xmlns:a="http://schemas.openxmlformats.org/drawingml/2006/main" xmlns:r="http://schemas.openxmlformats.org/officeDocument/2006/relationships" xmlns:p="http://schemas.openxmlformats.org/presentationml/2006/main">
   <p:cSld>
@@ -5815,6 +7574,2620 @@
     <p:extLst>
       <p:ext uri="{BB962C8B-B14F-4D97-AF65-F5344CB8AC3E}">
         <p14:creationId xmlns:p14="http://schemas.microsoft.com/office/powerpoint/2010/main" val="2406991370"/>
+      </p:ext>
+    </p:extLst>
+  </p:cSld>
+  <p:clrMapOvr>
+    <a:masterClrMapping/>
+  </p:clrMapOvr>
+</p:sld>
+</file>
+
+<file path=ppt/slides/slide20.xml><?xml version="1.0" encoding="utf-8"?>
+<p:sld xmlns:a="http://schemas.openxmlformats.org/drawingml/2006/main" xmlns:r="http://schemas.openxmlformats.org/officeDocument/2006/relationships" xmlns:p="http://schemas.openxmlformats.org/presentationml/2006/main">
+  <p:cSld>
+    <p:spTree>
+      <p:nvGrpSpPr>
+        <p:cNvPr id="1" name=""/>
+        <p:cNvGrpSpPr/>
+        <p:nvPr/>
+      </p:nvGrpSpPr>
+      <p:grpSpPr>
+        <a:xfrm>
+          <a:off x="0" y="0"/>
+          <a:ext cx="0" cy="0"/>
+          <a:chOff x="0" y="0"/>
+          <a:chExt cx="0" cy="0"/>
+        </a:xfrm>
+      </p:grpSpPr>
+      <p:sp>
+        <p:nvSpPr>
+          <p:cNvPr id="2" name="Title 1">
+            <a:extLst>
+              <a:ext uri="{FF2B5EF4-FFF2-40B4-BE49-F238E27FC236}">
+                <a16:creationId xmlns:a16="http://schemas.microsoft.com/office/drawing/2014/main" id="{AD1C473A-3D37-4594-8AF0-79E5C90D3B9E}"/>
+              </a:ext>
+            </a:extLst>
+          </p:cNvPr>
+          <p:cNvSpPr>
+            <a:spLocks noGrp="1"/>
+          </p:cNvSpPr>
+          <p:nvPr>
+            <p:ph type="title"/>
+          </p:nvPr>
+        </p:nvSpPr>
+        <p:spPr/>
+        <p:txBody>
+          <a:bodyPr/>
+          <a:lstStyle/>
+          <a:p>
+            <a:r>
+              <a:rPr lang="fr-FR" dirty="0" err="1"/>
+              <a:t>fromFetch</a:t>
+            </a:r>
+            <a:endParaRPr lang="fr-FR" dirty="0"/>
+          </a:p>
+        </p:txBody>
+      </p:sp>
+      <p:cxnSp>
+        <p:nvCxnSpPr>
+          <p:cNvPr id="5" name="Straight Arrow Connector 4">
+            <a:extLst>
+              <a:ext uri="{FF2B5EF4-FFF2-40B4-BE49-F238E27FC236}">
+                <a16:creationId xmlns:a16="http://schemas.microsoft.com/office/drawing/2014/main" id="{057D22FF-26D4-490C-859D-EAD984B484B5}"/>
+              </a:ext>
+            </a:extLst>
+          </p:cNvPr>
+          <p:cNvCxnSpPr/>
+          <p:nvPr/>
+        </p:nvCxnSpPr>
+        <p:spPr>
+          <a:xfrm flipV="1">
+            <a:off x="546755" y="2238866"/>
+            <a:ext cx="11175476" cy="51847"/>
+          </a:xfrm>
+          <a:prstGeom prst="straightConnector1">
+            <a:avLst/>
+          </a:prstGeom>
+          <a:ln w="76200">
+            <a:tailEnd type="triangle"/>
+          </a:ln>
+        </p:spPr>
+        <p:style>
+          <a:lnRef idx="1">
+            <a:schemeClr val="accent1"/>
+          </a:lnRef>
+          <a:fillRef idx="0">
+            <a:schemeClr val="accent1"/>
+          </a:fillRef>
+          <a:effectRef idx="0">
+            <a:schemeClr val="accent1"/>
+          </a:effectRef>
+          <a:fontRef idx="minor">
+            <a:schemeClr val="tx1"/>
+          </a:fontRef>
+        </p:style>
+      </p:cxnSp>
+      <p:cxnSp>
+        <p:nvCxnSpPr>
+          <p:cNvPr id="7" name="Straight Connector 6">
+            <a:extLst>
+              <a:ext uri="{FF2B5EF4-FFF2-40B4-BE49-F238E27FC236}">
+                <a16:creationId xmlns:a16="http://schemas.microsoft.com/office/drawing/2014/main" id="{C803ACD5-E3DD-47F1-A687-73E9848B1CF8}"/>
+              </a:ext>
+            </a:extLst>
+          </p:cNvPr>
+          <p:cNvCxnSpPr/>
+          <p:nvPr/>
+        </p:nvCxnSpPr>
+        <p:spPr>
+          <a:xfrm>
+            <a:off x="796565" y="1918355"/>
+            <a:ext cx="0" cy="815418"/>
+          </a:xfrm>
+          <a:prstGeom prst="line">
+            <a:avLst/>
+          </a:prstGeom>
+          <a:ln w="76200"/>
+        </p:spPr>
+        <p:style>
+          <a:lnRef idx="1">
+            <a:schemeClr val="accent1"/>
+          </a:lnRef>
+          <a:fillRef idx="0">
+            <a:schemeClr val="accent1"/>
+          </a:fillRef>
+          <a:effectRef idx="0">
+            <a:schemeClr val="accent1"/>
+          </a:effectRef>
+          <a:fontRef idx="minor">
+            <a:schemeClr val="tx1"/>
+          </a:fontRef>
+        </p:style>
+      </p:cxnSp>
+      <p:sp>
+        <p:nvSpPr>
+          <p:cNvPr id="8" name="Oval 7">
+            <a:extLst>
+              <a:ext uri="{FF2B5EF4-FFF2-40B4-BE49-F238E27FC236}">
+                <a16:creationId xmlns:a16="http://schemas.microsoft.com/office/drawing/2014/main" id="{91349088-A535-47F1-A3EA-3EEC52D7765C}"/>
+              </a:ext>
+            </a:extLst>
+          </p:cNvPr>
+          <p:cNvSpPr/>
+          <p:nvPr/>
+        </p:nvSpPr>
+        <p:spPr>
+          <a:xfrm>
+            <a:off x="3332374" y="1956061"/>
+            <a:ext cx="782425" cy="669303"/>
+          </a:xfrm>
+          <a:prstGeom prst="ellipse">
+            <a:avLst/>
+          </a:prstGeom>
+        </p:spPr>
+        <p:style>
+          <a:lnRef idx="2">
+            <a:schemeClr val="accent1">
+              <a:shade val="50000"/>
+            </a:schemeClr>
+          </a:lnRef>
+          <a:fillRef idx="1">
+            <a:schemeClr val="accent1"/>
+          </a:fillRef>
+          <a:effectRef idx="0">
+            <a:schemeClr val="accent1"/>
+          </a:effectRef>
+          <a:fontRef idx="minor">
+            <a:schemeClr val="lt1"/>
+          </a:fontRef>
+        </p:style>
+        <p:txBody>
+          <a:bodyPr rtlCol="0" anchor="ctr"/>
+          <a:lstStyle/>
+          <a:p>
+            <a:pPr algn="ctr"/>
+            <a:endParaRPr lang="fr-FR"/>
+          </a:p>
+        </p:txBody>
+      </p:sp>
+      <p:cxnSp>
+        <p:nvCxnSpPr>
+          <p:cNvPr id="10" name="Straight Connector 9">
+            <a:extLst>
+              <a:ext uri="{FF2B5EF4-FFF2-40B4-BE49-F238E27FC236}">
+                <a16:creationId xmlns:a16="http://schemas.microsoft.com/office/drawing/2014/main" id="{6D9F4524-7288-433D-9070-99258FEC90E6}"/>
+              </a:ext>
+            </a:extLst>
+          </p:cNvPr>
+          <p:cNvCxnSpPr/>
+          <p:nvPr/>
+        </p:nvCxnSpPr>
+        <p:spPr>
+          <a:xfrm>
+            <a:off x="4157221" y="1800520"/>
+            <a:ext cx="0" cy="985101"/>
+          </a:xfrm>
+          <a:prstGeom prst="line">
+            <a:avLst/>
+          </a:prstGeom>
+          <a:ln w="76200"/>
+        </p:spPr>
+        <p:style>
+          <a:lnRef idx="1">
+            <a:schemeClr val="accent1"/>
+          </a:lnRef>
+          <a:fillRef idx="0">
+            <a:schemeClr val="accent1"/>
+          </a:fillRef>
+          <a:effectRef idx="0">
+            <a:schemeClr val="accent1"/>
+          </a:effectRef>
+          <a:fontRef idx="minor">
+            <a:schemeClr val="tx1"/>
+          </a:fontRef>
+        </p:style>
+      </p:cxnSp>
+      <p:cxnSp>
+        <p:nvCxnSpPr>
+          <p:cNvPr id="11" name="Straight Arrow Connector 10">
+            <a:extLst>
+              <a:ext uri="{FF2B5EF4-FFF2-40B4-BE49-F238E27FC236}">
+                <a16:creationId xmlns:a16="http://schemas.microsoft.com/office/drawing/2014/main" id="{D36AF464-E034-4F37-8FC1-B02BF260EE7E}"/>
+              </a:ext>
+            </a:extLst>
+          </p:cNvPr>
+          <p:cNvCxnSpPr/>
+          <p:nvPr/>
+        </p:nvCxnSpPr>
+        <p:spPr>
+          <a:xfrm flipV="1">
+            <a:off x="546755" y="4257774"/>
+            <a:ext cx="11175476" cy="51847"/>
+          </a:xfrm>
+          <a:prstGeom prst="straightConnector1">
+            <a:avLst/>
+          </a:prstGeom>
+          <a:ln w="76200">
+            <a:tailEnd type="triangle"/>
+          </a:ln>
+        </p:spPr>
+        <p:style>
+          <a:lnRef idx="1">
+            <a:schemeClr val="accent1"/>
+          </a:lnRef>
+          <a:fillRef idx="0">
+            <a:schemeClr val="accent1"/>
+          </a:fillRef>
+          <a:effectRef idx="0">
+            <a:schemeClr val="accent1"/>
+          </a:effectRef>
+          <a:fontRef idx="minor">
+            <a:schemeClr val="tx1"/>
+          </a:fontRef>
+        </p:style>
+      </p:cxnSp>
+      <p:cxnSp>
+        <p:nvCxnSpPr>
+          <p:cNvPr id="12" name="Straight Connector 11">
+            <a:extLst>
+              <a:ext uri="{FF2B5EF4-FFF2-40B4-BE49-F238E27FC236}">
+                <a16:creationId xmlns:a16="http://schemas.microsoft.com/office/drawing/2014/main" id="{3C5636D4-0382-4398-97ED-80330314B640}"/>
+              </a:ext>
+            </a:extLst>
+          </p:cNvPr>
+          <p:cNvCxnSpPr/>
+          <p:nvPr/>
+        </p:nvCxnSpPr>
+        <p:spPr>
+          <a:xfrm>
+            <a:off x="796565" y="3937263"/>
+            <a:ext cx="0" cy="815418"/>
+          </a:xfrm>
+          <a:prstGeom prst="line">
+            <a:avLst/>
+          </a:prstGeom>
+          <a:ln w="76200"/>
+        </p:spPr>
+        <p:style>
+          <a:lnRef idx="1">
+            <a:schemeClr val="accent1"/>
+          </a:lnRef>
+          <a:fillRef idx="0">
+            <a:schemeClr val="accent1"/>
+          </a:fillRef>
+          <a:effectRef idx="0">
+            <a:schemeClr val="accent1"/>
+          </a:effectRef>
+          <a:fontRef idx="minor">
+            <a:schemeClr val="tx1"/>
+          </a:fontRef>
+        </p:style>
+      </p:cxnSp>
+      <p:cxnSp>
+        <p:nvCxnSpPr>
+          <p:cNvPr id="16" name="Straight Connector 15">
+            <a:extLst>
+              <a:ext uri="{FF2B5EF4-FFF2-40B4-BE49-F238E27FC236}">
+                <a16:creationId xmlns:a16="http://schemas.microsoft.com/office/drawing/2014/main" id="{2DEC89BE-360D-4A93-820F-19F19FDAD700}"/>
+              </a:ext>
+            </a:extLst>
+          </p:cNvPr>
+          <p:cNvCxnSpPr/>
+          <p:nvPr/>
+        </p:nvCxnSpPr>
+        <p:spPr>
+          <a:xfrm>
+            <a:off x="3502058" y="4029959"/>
+            <a:ext cx="358218" cy="532614"/>
+          </a:xfrm>
+          <a:prstGeom prst="line">
+            <a:avLst/>
+          </a:prstGeom>
+          <a:ln w="76200"/>
+        </p:spPr>
+        <p:style>
+          <a:lnRef idx="1">
+            <a:schemeClr val="accent1"/>
+          </a:lnRef>
+          <a:fillRef idx="0">
+            <a:schemeClr val="accent1"/>
+          </a:fillRef>
+          <a:effectRef idx="0">
+            <a:schemeClr val="accent1"/>
+          </a:effectRef>
+          <a:fontRef idx="minor">
+            <a:schemeClr val="tx1"/>
+          </a:fontRef>
+        </p:style>
+      </p:cxnSp>
+      <p:cxnSp>
+        <p:nvCxnSpPr>
+          <p:cNvPr id="18" name="Straight Connector 17">
+            <a:extLst>
+              <a:ext uri="{FF2B5EF4-FFF2-40B4-BE49-F238E27FC236}">
+                <a16:creationId xmlns:a16="http://schemas.microsoft.com/office/drawing/2014/main" id="{F3150BF8-DA51-4039-B2A0-BA9F6E7A013E}"/>
+              </a:ext>
+            </a:extLst>
+          </p:cNvPr>
+          <p:cNvCxnSpPr/>
+          <p:nvPr/>
+        </p:nvCxnSpPr>
+        <p:spPr>
+          <a:xfrm flipH="1">
+            <a:off x="3511485" y="3937263"/>
+            <a:ext cx="339364" cy="663017"/>
+          </a:xfrm>
+          <a:prstGeom prst="line">
+            <a:avLst/>
+          </a:prstGeom>
+          <a:ln w="76200"/>
+        </p:spPr>
+        <p:style>
+          <a:lnRef idx="1">
+            <a:schemeClr val="accent1"/>
+          </a:lnRef>
+          <a:fillRef idx="0">
+            <a:schemeClr val="accent1"/>
+          </a:fillRef>
+          <a:effectRef idx="0">
+            <a:schemeClr val="accent1"/>
+          </a:effectRef>
+          <a:fontRef idx="minor">
+            <a:schemeClr val="tx1"/>
+          </a:fontRef>
+        </p:style>
+      </p:cxnSp>
+      <p:cxnSp>
+        <p:nvCxnSpPr>
+          <p:cNvPr id="19" name="Straight Arrow Connector 18">
+            <a:extLst>
+              <a:ext uri="{FF2B5EF4-FFF2-40B4-BE49-F238E27FC236}">
+                <a16:creationId xmlns:a16="http://schemas.microsoft.com/office/drawing/2014/main" id="{A51D6BBF-9DA1-4756-B6EB-8B6FDFD79731}"/>
+              </a:ext>
+            </a:extLst>
+          </p:cNvPr>
+          <p:cNvCxnSpPr/>
+          <p:nvPr/>
+        </p:nvCxnSpPr>
+        <p:spPr>
+          <a:xfrm flipV="1">
+            <a:off x="600174" y="5467550"/>
+            <a:ext cx="11175476" cy="51847"/>
+          </a:xfrm>
+          <a:prstGeom prst="straightConnector1">
+            <a:avLst/>
+          </a:prstGeom>
+          <a:ln w="76200">
+            <a:tailEnd type="triangle"/>
+          </a:ln>
+        </p:spPr>
+        <p:style>
+          <a:lnRef idx="1">
+            <a:schemeClr val="accent1"/>
+          </a:lnRef>
+          <a:fillRef idx="0">
+            <a:schemeClr val="accent1"/>
+          </a:fillRef>
+          <a:effectRef idx="0">
+            <a:schemeClr val="accent1"/>
+          </a:effectRef>
+          <a:fontRef idx="minor">
+            <a:schemeClr val="tx1"/>
+          </a:fontRef>
+        </p:style>
+      </p:cxnSp>
+      <p:cxnSp>
+        <p:nvCxnSpPr>
+          <p:cNvPr id="20" name="Straight Connector 19">
+            <a:extLst>
+              <a:ext uri="{FF2B5EF4-FFF2-40B4-BE49-F238E27FC236}">
+                <a16:creationId xmlns:a16="http://schemas.microsoft.com/office/drawing/2014/main" id="{61C8839D-A583-48CE-9907-A86ED4E9AF46}"/>
+              </a:ext>
+            </a:extLst>
+          </p:cNvPr>
+          <p:cNvCxnSpPr/>
+          <p:nvPr/>
+        </p:nvCxnSpPr>
+        <p:spPr>
+          <a:xfrm>
+            <a:off x="849984" y="5147039"/>
+            <a:ext cx="0" cy="815418"/>
+          </a:xfrm>
+          <a:prstGeom prst="line">
+            <a:avLst/>
+          </a:prstGeom>
+          <a:ln w="76200"/>
+        </p:spPr>
+        <p:style>
+          <a:lnRef idx="1">
+            <a:schemeClr val="accent1"/>
+          </a:lnRef>
+          <a:fillRef idx="0">
+            <a:schemeClr val="accent1"/>
+          </a:fillRef>
+          <a:effectRef idx="0">
+            <a:schemeClr val="accent1"/>
+          </a:effectRef>
+          <a:fontRef idx="minor">
+            <a:schemeClr val="tx1"/>
+          </a:fontRef>
+        </p:style>
+      </p:cxnSp>
+      <p:cxnSp>
+        <p:nvCxnSpPr>
+          <p:cNvPr id="24" name="Straight Connector 23">
+            <a:extLst>
+              <a:ext uri="{FF2B5EF4-FFF2-40B4-BE49-F238E27FC236}">
+                <a16:creationId xmlns:a16="http://schemas.microsoft.com/office/drawing/2014/main" id="{0E147E1A-BA30-40E9-9BA8-8C04BCEA2927}"/>
+              </a:ext>
+            </a:extLst>
+          </p:cNvPr>
+          <p:cNvCxnSpPr/>
+          <p:nvPr/>
+        </p:nvCxnSpPr>
+        <p:spPr>
+          <a:xfrm>
+            <a:off x="5872899" y="1272619"/>
+            <a:ext cx="70701" cy="5194169"/>
+          </a:xfrm>
+          <a:prstGeom prst="line">
+            <a:avLst/>
+          </a:prstGeom>
+          <a:ln w="76200"/>
+        </p:spPr>
+        <p:style>
+          <a:lnRef idx="1">
+            <a:schemeClr val="accent1"/>
+          </a:lnRef>
+          <a:fillRef idx="0">
+            <a:schemeClr val="accent1"/>
+          </a:fillRef>
+          <a:effectRef idx="0">
+            <a:schemeClr val="accent1"/>
+          </a:effectRef>
+          <a:fontRef idx="minor">
+            <a:schemeClr val="tx1"/>
+          </a:fontRef>
+        </p:style>
+      </p:cxnSp>
+    </p:spTree>
+    <p:extLst>
+      <p:ext uri="{BB962C8B-B14F-4D97-AF65-F5344CB8AC3E}">
+        <p14:creationId xmlns:p14="http://schemas.microsoft.com/office/powerpoint/2010/main" val="1438550699"/>
+      </p:ext>
+    </p:extLst>
+  </p:cSld>
+  <p:clrMapOvr>
+    <a:masterClrMapping/>
+  </p:clrMapOvr>
+</p:sld>
+</file>
+
+<file path=ppt/slides/slide21.xml><?xml version="1.0" encoding="utf-8"?>
+<p:sld xmlns:a="http://schemas.openxmlformats.org/drawingml/2006/main" xmlns:r="http://schemas.openxmlformats.org/officeDocument/2006/relationships" xmlns:p="http://schemas.openxmlformats.org/presentationml/2006/main">
+  <p:cSld>
+    <p:spTree>
+      <p:nvGrpSpPr>
+        <p:cNvPr id="1" name=""/>
+        <p:cNvGrpSpPr/>
+        <p:nvPr/>
+      </p:nvGrpSpPr>
+      <p:grpSpPr>
+        <a:xfrm>
+          <a:off x="0" y="0"/>
+          <a:ext cx="0" cy="0"/>
+          <a:chOff x="0" y="0"/>
+          <a:chExt cx="0" cy="0"/>
+        </a:xfrm>
+      </p:grpSpPr>
+      <p:sp>
+        <p:nvSpPr>
+          <p:cNvPr id="2" name="Title 1">
+            <a:extLst>
+              <a:ext uri="{FF2B5EF4-FFF2-40B4-BE49-F238E27FC236}">
+                <a16:creationId xmlns:a16="http://schemas.microsoft.com/office/drawing/2014/main" id="{251FC086-6040-4551-BDE7-09DCCE898A85}"/>
+              </a:ext>
+            </a:extLst>
+          </p:cNvPr>
+          <p:cNvSpPr>
+            <a:spLocks noGrp="1"/>
+          </p:cNvSpPr>
+          <p:nvPr>
+            <p:ph type="title"/>
+          </p:nvPr>
+        </p:nvSpPr>
+        <p:spPr/>
+        <p:txBody>
+          <a:bodyPr/>
+          <a:lstStyle/>
+          <a:p>
+            <a:r>
+              <a:rPr lang="fr-FR" dirty="0"/>
+              <a:t>Javascript</a:t>
+            </a:r>
+          </a:p>
+        </p:txBody>
+      </p:sp>
+      <p:cxnSp>
+        <p:nvCxnSpPr>
+          <p:cNvPr id="5" name="Straight Arrow Connector 4">
+            <a:extLst>
+              <a:ext uri="{FF2B5EF4-FFF2-40B4-BE49-F238E27FC236}">
+                <a16:creationId xmlns:a16="http://schemas.microsoft.com/office/drawing/2014/main" id="{816A997A-C95C-4673-AD78-8EA8DCD35AC6}"/>
+              </a:ext>
+            </a:extLst>
+          </p:cNvPr>
+          <p:cNvCxnSpPr/>
+          <p:nvPr/>
+        </p:nvCxnSpPr>
+        <p:spPr>
+          <a:xfrm>
+            <a:off x="306371" y="2460396"/>
+            <a:ext cx="11693951" cy="0"/>
+          </a:xfrm>
+          <a:prstGeom prst="straightConnector1">
+            <a:avLst/>
+          </a:prstGeom>
+          <a:ln w="76200">
+            <a:tailEnd type="triangle"/>
+          </a:ln>
+        </p:spPr>
+        <p:style>
+          <a:lnRef idx="1">
+            <a:schemeClr val="accent1"/>
+          </a:lnRef>
+          <a:fillRef idx="0">
+            <a:schemeClr val="accent1"/>
+          </a:fillRef>
+          <a:effectRef idx="0">
+            <a:schemeClr val="accent1"/>
+          </a:effectRef>
+          <a:fontRef idx="minor">
+            <a:schemeClr val="tx1"/>
+          </a:fontRef>
+        </p:style>
+      </p:cxnSp>
+      <p:cxnSp>
+        <p:nvCxnSpPr>
+          <p:cNvPr id="7" name="Straight Connector 6">
+            <a:extLst>
+              <a:ext uri="{FF2B5EF4-FFF2-40B4-BE49-F238E27FC236}">
+                <a16:creationId xmlns:a16="http://schemas.microsoft.com/office/drawing/2014/main" id="{BC87B837-CFD2-4B54-AB69-C013E8434D91}"/>
+              </a:ext>
+            </a:extLst>
+          </p:cNvPr>
+          <p:cNvCxnSpPr/>
+          <p:nvPr/>
+        </p:nvCxnSpPr>
+        <p:spPr>
+          <a:xfrm>
+            <a:off x="1022808" y="2083324"/>
+            <a:ext cx="0" cy="829558"/>
+          </a:xfrm>
+          <a:prstGeom prst="line">
+            <a:avLst/>
+          </a:prstGeom>
+          <a:ln w="76200"/>
+        </p:spPr>
+        <p:style>
+          <a:lnRef idx="1">
+            <a:schemeClr val="accent1"/>
+          </a:lnRef>
+          <a:fillRef idx="0">
+            <a:schemeClr val="accent1"/>
+          </a:fillRef>
+          <a:effectRef idx="0">
+            <a:schemeClr val="accent1"/>
+          </a:effectRef>
+          <a:fontRef idx="minor">
+            <a:schemeClr val="tx1"/>
+          </a:fontRef>
+        </p:style>
+      </p:cxnSp>
+      <p:cxnSp>
+        <p:nvCxnSpPr>
+          <p:cNvPr id="8" name="Straight Connector 7">
+            <a:extLst>
+              <a:ext uri="{FF2B5EF4-FFF2-40B4-BE49-F238E27FC236}">
+                <a16:creationId xmlns:a16="http://schemas.microsoft.com/office/drawing/2014/main" id="{2727C509-48A9-4E12-8C25-9EB43978496B}"/>
+              </a:ext>
+            </a:extLst>
+          </p:cNvPr>
+          <p:cNvCxnSpPr/>
+          <p:nvPr/>
+        </p:nvCxnSpPr>
+        <p:spPr>
+          <a:xfrm>
+            <a:off x="4064524" y="2045617"/>
+            <a:ext cx="0" cy="829558"/>
+          </a:xfrm>
+          <a:prstGeom prst="line">
+            <a:avLst/>
+          </a:prstGeom>
+          <a:ln w="76200"/>
+        </p:spPr>
+        <p:style>
+          <a:lnRef idx="1">
+            <a:schemeClr val="accent1"/>
+          </a:lnRef>
+          <a:fillRef idx="0">
+            <a:schemeClr val="accent1"/>
+          </a:fillRef>
+          <a:effectRef idx="0">
+            <a:schemeClr val="accent1"/>
+          </a:effectRef>
+          <a:fontRef idx="minor">
+            <a:schemeClr val="tx1"/>
+          </a:fontRef>
+        </p:style>
+      </p:cxnSp>
+      <p:sp>
+        <p:nvSpPr>
+          <p:cNvPr id="9" name="Rectangle 8">
+            <a:extLst>
+              <a:ext uri="{FF2B5EF4-FFF2-40B4-BE49-F238E27FC236}">
+                <a16:creationId xmlns:a16="http://schemas.microsoft.com/office/drawing/2014/main" id="{61077DB4-E092-4F5C-9078-D661FE7482AA}"/>
+              </a:ext>
+            </a:extLst>
+          </p:cNvPr>
+          <p:cNvSpPr/>
+          <p:nvPr/>
+        </p:nvSpPr>
+        <p:spPr>
+          <a:xfrm>
+            <a:off x="1069943" y="2257720"/>
+            <a:ext cx="94267" cy="400639"/>
+          </a:xfrm>
+          <a:prstGeom prst="rect">
+            <a:avLst/>
+          </a:prstGeom>
+        </p:spPr>
+        <p:style>
+          <a:lnRef idx="2">
+            <a:schemeClr val="accent6">
+              <a:shade val="50000"/>
+            </a:schemeClr>
+          </a:lnRef>
+          <a:fillRef idx="1">
+            <a:schemeClr val="accent6"/>
+          </a:fillRef>
+          <a:effectRef idx="0">
+            <a:schemeClr val="accent6"/>
+          </a:effectRef>
+          <a:fontRef idx="minor">
+            <a:schemeClr val="lt1"/>
+          </a:fontRef>
+        </p:style>
+        <p:txBody>
+          <a:bodyPr rtlCol="0" anchor="ctr"/>
+          <a:lstStyle/>
+          <a:p>
+            <a:pPr algn="ctr"/>
+            <a:endParaRPr lang="fr-FR"/>
+          </a:p>
+        </p:txBody>
+      </p:sp>
+      <p:sp>
+        <p:nvSpPr>
+          <p:cNvPr id="10" name="TextBox 9">
+            <a:extLst>
+              <a:ext uri="{FF2B5EF4-FFF2-40B4-BE49-F238E27FC236}">
+                <a16:creationId xmlns:a16="http://schemas.microsoft.com/office/drawing/2014/main" id="{EAD31192-D199-443D-A52C-47900974652C}"/>
+              </a:ext>
+            </a:extLst>
+          </p:cNvPr>
+          <p:cNvSpPr txBox="1"/>
+          <p:nvPr/>
+        </p:nvSpPr>
+        <p:spPr>
+          <a:xfrm>
+            <a:off x="777711" y="1654404"/>
+            <a:ext cx="590226" cy="369332"/>
+          </a:xfrm>
+          <a:prstGeom prst="rect">
+            <a:avLst/>
+          </a:prstGeom>
+          <a:noFill/>
+        </p:spPr>
+        <p:txBody>
+          <a:bodyPr wrap="none" rtlCol="0">
+            <a:spAutoFit/>
+          </a:bodyPr>
+          <a:lstStyle/>
+          <a:p>
+            <a:r>
+              <a:rPr lang="fr-FR" dirty="0"/>
+              <a:t>click</a:t>
+            </a:r>
+          </a:p>
+        </p:txBody>
+      </p:sp>
+      <p:sp>
+        <p:nvSpPr>
+          <p:cNvPr id="11" name="TextBox 10">
+            <a:extLst>
+              <a:ext uri="{FF2B5EF4-FFF2-40B4-BE49-F238E27FC236}">
+                <a16:creationId xmlns:a16="http://schemas.microsoft.com/office/drawing/2014/main" id="{91F58192-616C-4B2F-A04A-C9601867139E}"/>
+              </a:ext>
+            </a:extLst>
+          </p:cNvPr>
+          <p:cNvSpPr txBox="1"/>
+          <p:nvPr/>
+        </p:nvSpPr>
+        <p:spPr>
+          <a:xfrm>
+            <a:off x="3652887" y="1679534"/>
+            <a:ext cx="724814" cy="369332"/>
+          </a:xfrm>
+          <a:prstGeom prst="rect">
+            <a:avLst/>
+          </a:prstGeom>
+          <a:noFill/>
+        </p:spPr>
+        <p:txBody>
+          <a:bodyPr wrap="none" rtlCol="0">
+            <a:spAutoFit/>
+          </a:bodyPr>
+          <a:lstStyle/>
+          <a:p>
+            <a:r>
+              <a:rPr lang="fr-FR" dirty="0" err="1"/>
+              <a:t>hover</a:t>
+            </a:r>
+            <a:endParaRPr lang="fr-FR" dirty="0"/>
+          </a:p>
+        </p:txBody>
+      </p:sp>
+      <p:sp>
+        <p:nvSpPr>
+          <p:cNvPr id="13" name="Rectangle 12">
+            <a:extLst>
+              <a:ext uri="{FF2B5EF4-FFF2-40B4-BE49-F238E27FC236}">
+                <a16:creationId xmlns:a16="http://schemas.microsoft.com/office/drawing/2014/main" id="{B5E89DD7-2359-4148-8670-842838CC2863}"/>
+              </a:ext>
+            </a:extLst>
+          </p:cNvPr>
+          <p:cNvSpPr/>
+          <p:nvPr/>
+        </p:nvSpPr>
+        <p:spPr>
+          <a:xfrm>
+            <a:off x="4106944" y="2257720"/>
+            <a:ext cx="97412" cy="400639"/>
+          </a:xfrm>
+          <a:prstGeom prst="rect">
+            <a:avLst/>
+          </a:prstGeom>
+        </p:spPr>
+        <p:style>
+          <a:lnRef idx="2">
+            <a:schemeClr val="accent6">
+              <a:shade val="50000"/>
+            </a:schemeClr>
+          </a:lnRef>
+          <a:fillRef idx="1">
+            <a:schemeClr val="accent6"/>
+          </a:fillRef>
+          <a:effectRef idx="0">
+            <a:schemeClr val="accent6"/>
+          </a:effectRef>
+          <a:fontRef idx="minor">
+            <a:schemeClr val="lt1"/>
+          </a:fontRef>
+        </p:style>
+        <p:txBody>
+          <a:bodyPr rtlCol="0" anchor="ctr"/>
+          <a:lstStyle/>
+          <a:p>
+            <a:pPr algn="ctr"/>
+            <a:endParaRPr lang="fr-FR"/>
+          </a:p>
+        </p:txBody>
+      </p:sp>
+      <p:cxnSp>
+        <p:nvCxnSpPr>
+          <p:cNvPr id="15" name="Straight Arrow Connector 14">
+            <a:extLst>
+              <a:ext uri="{FF2B5EF4-FFF2-40B4-BE49-F238E27FC236}">
+                <a16:creationId xmlns:a16="http://schemas.microsoft.com/office/drawing/2014/main" id="{DC288562-8639-4E7F-8DFD-D74A393E2B34}"/>
+              </a:ext>
+            </a:extLst>
+          </p:cNvPr>
+          <p:cNvCxnSpPr/>
+          <p:nvPr/>
+        </p:nvCxnSpPr>
+        <p:spPr>
+          <a:xfrm flipV="1">
+            <a:off x="268664" y="3803715"/>
+            <a:ext cx="11731658" cy="47134"/>
+          </a:xfrm>
+          <a:prstGeom prst="straightConnector1">
+            <a:avLst/>
+          </a:prstGeom>
+          <a:ln w="76200">
+            <a:tailEnd type="triangle"/>
+          </a:ln>
+        </p:spPr>
+        <p:style>
+          <a:lnRef idx="1">
+            <a:schemeClr val="accent1"/>
+          </a:lnRef>
+          <a:fillRef idx="0">
+            <a:schemeClr val="accent1"/>
+          </a:fillRef>
+          <a:effectRef idx="0">
+            <a:schemeClr val="accent1"/>
+          </a:effectRef>
+          <a:fontRef idx="minor">
+            <a:schemeClr val="tx1"/>
+          </a:fontRef>
+        </p:style>
+      </p:cxnSp>
+      <p:sp>
+        <p:nvSpPr>
+          <p:cNvPr id="16" name="Rectangle 15">
+            <a:extLst>
+              <a:ext uri="{FF2B5EF4-FFF2-40B4-BE49-F238E27FC236}">
+                <a16:creationId xmlns:a16="http://schemas.microsoft.com/office/drawing/2014/main" id="{A22B4B2F-C456-4E11-A27C-0862D4AE9F0C}"/>
+              </a:ext>
+            </a:extLst>
+          </p:cNvPr>
+          <p:cNvSpPr/>
+          <p:nvPr/>
+        </p:nvSpPr>
+        <p:spPr>
+          <a:xfrm>
+            <a:off x="1508289" y="5274297"/>
+            <a:ext cx="2832754" cy="1253765"/>
+          </a:xfrm>
+          <a:prstGeom prst="rect">
+            <a:avLst/>
+          </a:prstGeom>
+        </p:spPr>
+        <p:style>
+          <a:lnRef idx="2">
+            <a:schemeClr val="dk1"/>
+          </a:lnRef>
+          <a:fillRef idx="1">
+            <a:schemeClr val="lt1"/>
+          </a:fillRef>
+          <a:effectRef idx="0">
+            <a:schemeClr val="dk1"/>
+          </a:effectRef>
+          <a:fontRef idx="minor">
+            <a:schemeClr val="dk1"/>
+          </a:fontRef>
+        </p:style>
+        <p:txBody>
+          <a:bodyPr rtlCol="0" anchor="ctr"/>
+          <a:lstStyle/>
+          <a:p>
+            <a:pPr algn="ctr"/>
+            <a:endParaRPr lang="fr-FR"/>
+          </a:p>
+        </p:txBody>
+      </p:sp>
+      <p:sp>
+        <p:nvSpPr>
+          <p:cNvPr id="17" name="Rectangle 16">
+            <a:extLst>
+              <a:ext uri="{FF2B5EF4-FFF2-40B4-BE49-F238E27FC236}">
+                <a16:creationId xmlns:a16="http://schemas.microsoft.com/office/drawing/2014/main" id="{D58C1BDC-FD75-401B-BED0-201A14C58E50}"/>
+              </a:ext>
+            </a:extLst>
+          </p:cNvPr>
+          <p:cNvSpPr/>
+          <p:nvPr/>
+        </p:nvSpPr>
+        <p:spPr>
+          <a:xfrm>
+            <a:off x="1715678" y="5472260"/>
+            <a:ext cx="970961" cy="886119"/>
+          </a:xfrm>
+          <a:prstGeom prst="rect">
+            <a:avLst/>
+          </a:prstGeom>
+        </p:spPr>
+        <p:style>
+          <a:lnRef idx="2">
+            <a:schemeClr val="accent1">
+              <a:shade val="50000"/>
+            </a:schemeClr>
+          </a:lnRef>
+          <a:fillRef idx="1">
+            <a:schemeClr val="accent1"/>
+          </a:fillRef>
+          <a:effectRef idx="0">
+            <a:schemeClr val="accent1"/>
+          </a:effectRef>
+          <a:fontRef idx="minor">
+            <a:schemeClr val="lt1"/>
+          </a:fontRef>
+        </p:style>
+        <p:txBody>
+          <a:bodyPr rtlCol="0" anchor="ctr"/>
+          <a:lstStyle/>
+          <a:p>
+            <a:pPr algn="ctr"/>
+            <a:r>
+              <a:rPr lang="fr-FR" dirty="0"/>
+              <a:t>CPU</a:t>
+            </a:r>
+          </a:p>
+        </p:txBody>
+      </p:sp>
+      <p:sp>
+        <p:nvSpPr>
+          <p:cNvPr id="18" name="Rectangle 17">
+            <a:extLst>
+              <a:ext uri="{FF2B5EF4-FFF2-40B4-BE49-F238E27FC236}">
+                <a16:creationId xmlns:a16="http://schemas.microsoft.com/office/drawing/2014/main" id="{0915BFC8-FF70-4AF4-B6B0-95BFF4D314DC}"/>
+              </a:ext>
+            </a:extLst>
+          </p:cNvPr>
+          <p:cNvSpPr/>
+          <p:nvPr/>
+        </p:nvSpPr>
+        <p:spPr>
+          <a:xfrm>
+            <a:off x="3167406" y="5472260"/>
+            <a:ext cx="970961" cy="886119"/>
+          </a:xfrm>
+          <a:prstGeom prst="rect">
+            <a:avLst/>
+          </a:prstGeom>
+        </p:spPr>
+        <p:style>
+          <a:lnRef idx="2">
+            <a:schemeClr val="accent1">
+              <a:shade val="50000"/>
+            </a:schemeClr>
+          </a:lnRef>
+          <a:fillRef idx="1">
+            <a:schemeClr val="accent1"/>
+          </a:fillRef>
+          <a:effectRef idx="0">
+            <a:schemeClr val="accent1"/>
+          </a:effectRef>
+          <a:fontRef idx="minor">
+            <a:schemeClr val="lt1"/>
+          </a:fontRef>
+        </p:style>
+        <p:txBody>
+          <a:bodyPr rtlCol="0" anchor="ctr"/>
+          <a:lstStyle/>
+          <a:p>
+            <a:pPr algn="ctr"/>
+            <a:r>
+              <a:rPr lang="fr-FR" dirty="0"/>
+              <a:t>RAM</a:t>
+            </a:r>
+          </a:p>
+        </p:txBody>
+      </p:sp>
+      <p:cxnSp>
+        <p:nvCxnSpPr>
+          <p:cNvPr id="20" name="Straight Arrow Connector 19">
+            <a:extLst>
+              <a:ext uri="{FF2B5EF4-FFF2-40B4-BE49-F238E27FC236}">
+                <a16:creationId xmlns:a16="http://schemas.microsoft.com/office/drawing/2014/main" id="{2332458C-C463-4D5C-8C27-687B1BBDD146}"/>
+              </a:ext>
+            </a:extLst>
+          </p:cNvPr>
+          <p:cNvCxnSpPr/>
+          <p:nvPr/>
+        </p:nvCxnSpPr>
+        <p:spPr>
+          <a:xfrm>
+            <a:off x="2686639" y="5627802"/>
+            <a:ext cx="480767" cy="32994"/>
+          </a:xfrm>
+          <a:prstGeom prst="straightConnector1">
+            <a:avLst/>
+          </a:prstGeom>
+          <a:ln w="76200">
+            <a:tailEnd type="triangle"/>
+          </a:ln>
+        </p:spPr>
+        <p:style>
+          <a:lnRef idx="1">
+            <a:schemeClr val="accent1"/>
+          </a:lnRef>
+          <a:fillRef idx="0">
+            <a:schemeClr val="accent1"/>
+          </a:fillRef>
+          <a:effectRef idx="0">
+            <a:schemeClr val="accent1"/>
+          </a:effectRef>
+          <a:fontRef idx="minor">
+            <a:schemeClr val="tx1"/>
+          </a:fontRef>
+        </p:style>
+      </p:cxnSp>
+      <p:cxnSp>
+        <p:nvCxnSpPr>
+          <p:cNvPr id="22" name="Straight Arrow Connector 21">
+            <a:extLst>
+              <a:ext uri="{FF2B5EF4-FFF2-40B4-BE49-F238E27FC236}">
+                <a16:creationId xmlns:a16="http://schemas.microsoft.com/office/drawing/2014/main" id="{F478D5A6-877E-46FA-B752-12E52701315D}"/>
+              </a:ext>
+            </a:extLst>
+          </p:cNvPr>
+          <p:cNvCxnSpPr/>
+          <p:nvPr/>
+        </p:nvCxnSpPr>
+        <p:spPr>
+          <a:xfrm flipH="1">
+            <a:off x="2634792" y="6155703"/>
+            <a:ext cx="494907" cy="0"/>
+          </a:xfrm>
+          <a:prstGeom prst="straightConnector1">
+            <a:avLst/>
+          </a:prstGeom>
+          <a:ln w="76200">
+            <a:tailEnd type="triangle"/>
+          </a:ln>
+        </p:spPr>
+        <p:style>
+          <a:lnRef idx="1">
+            <a:schemeClr val="accent1"/>
+          </a:lnRef>
+          <a:fillRef idx="0">
+            <a:schemeClr val="accent1"/>
+          </a:fillRef>
+          <a:effectRef idx="0">
+            <a:schemeClr val="accent1"/>
+          </a:effectRef>
+          <a:fontRef idx="minor">
+            <a:schemeClr val="tx1"/>
+          </a:fontRef>
+        </p:style>
+      </p:cxnSp>
+      <p:cxnSp>
+        <p:nvCxnSpPr>
+          <p:cNvPr id="24" name="Straight Arrow Connector 23">
+            <a:extLst>
+              <a:ext uri="{FF2B5EF4-FFF2-40B4-BE49-F238E27FC236}">
+                <a16:creationId xmlns:a16="http://schemas.microsoft.com/office/drawing/2014/main" id="{DE97D6E1-61EA-4479-A2CD-5A0E5E4C8FA7}"/>
+              </a:ext>
+            </a:extLst>
+          </p:cNvPr>
+          <p:cNvCxnSpPr/>
+          <p:nvPr/>
+        </p:nvCxnSpPr>
+        <p:spPr>
+          <a:xfrm flipV="1">
+            <a:off x="1904214" y="4746396"/>
+            <a:ext cx="42421" cy="725864"/>
+          </a:xfrm>
+          <a:prstGeom prst="straightConnector1">
+            <a:avLst/>
+          </a:prstGeom>
+          <a:ln w="76200">
+            <a:tailEnd type="triangle"/>
+          </a:ln>
+        </p:spPr>
+        <p:style>
+          <a:lnRef idx="1">
+            <a:schemeClr val="accent1"/>
+          </a:lnRef>
+          <a:fillRef idx="0">
+            <a:schemeClr val="accent1"/>
+          </a:fillRef>
+          <a:effectRef idx="0">
+            <a:schemeClr val="accent1"/>
+          </a:effectRef>
+          <a:fontRef idx="minor">
+            <a:schemeClr val="tx1"/>
+          </a:fontRef>
+        </p:style>
+      </p:cxnSp>
+      <p:sp>
+        <p:nvSpPr>
+          <p:cNvPr id="25" name="Rectangle 24">
+            <a:extLst>
+              <a:ext uri="{FF2B5EF4-FFF2-40B4-BE49-F238E27FC236}">
+                <a16:creationId xmlns:a16="http://schemas.microsoft.com/office/drawing/2014/main" id="{B4042A7F-AFDB-481F-97C9-990C97D93EF1}"/>
+              </a:ext>
+            </a:extLst>
+          </p:cNvPr>
+          <p:cNvSpPr/>
+          <p:nvPr/>
+        </p:nvSpPr>
+        <p:spPr>
+          <a:xfrm>
+            <a:off x="1715678" y="4350470"/>
+            <a:ext cx="815419" cy="391212"/>
+          </a:xfrm>
+          <a:prstGeom prst="rect">
+            <a:avLst/>
+          </a:prstGeom>
+        </p:spPr>
+        <p:style>
+          <a:lnRef idx="2">
+            <a:schemeClr val="accent1">
+              <a:shade val="50000"/>
+            </a:schemeClr>
+          </a:lnRef>
+          <a:fillRef idx="1">
+            <a:schemeClr val="accent1"/>
+          </a:fillRef>
+          <a:effectRef idx="0">
+            <a:schemeClr val="accent1"/>
+          </a:effectRef>
+          <a:fontRef idx="minor">
+            <a:schemeClr val="lt1"/>
+          </a:fontRef>
+        </p:style>
+        <p:txBody>
+          <a:bodyPr rtlCol="0" anchor="ctr"/>
+          <a:lstStyle/>
+          <a:p>
+            <a:pPr algn="ctr"/>
+            <a:endParaRPr lang="fr-FR"/>
+          </a:p>
+        </p:txBody>
+      </p:sp>
+      <p:cxnSp>
+        <p:nvCxnSpPr>
+          <p:cNvPr id="27" name="Straight Arrow Connector 26">
+            <a:extLst>
+              <a:ext uri="{FF2B5EF4-FFF2-40B4-BE49-F238E27FC236}">
+                <a16:creationId xmlns:a16="http://schemas.microsoft.com/office/drawing/2014/main" id="{10638D7C-8DF6-4524-B625-607BE994BD58}"/>
+              </a:ext>
+            </a:extLst>
+          </p:cNvPr>
+          <p:cNvCxnSpPr>
+            <a:endCxn id="17" idx="0"/>
+          </p:cNvCxnSpPr>
+          <p:nvPr/>
+        </p:nvCxnSpPr>
+        <p:spPr>
+          <a:xfrm flipH="1">
+            <a:off x="2201159" y="4779389"/>
+            <a:ext cx="94268" cy="692871"/>
+          </a:xfrm>
+          <a:prstGeom prst="straightConnector1">
+            <a:avLst/>
+          </a:prstGeom>
+          <a:ln w="76200">
+            <a:tailEnd type="triangle"/>
+          </a:ln>
+        </p:spPr>
+        <p:style>
+          <a:lnRef idx="1">
+            <a:schemeClr val="accent1"/>
+          </a:lnRef>
+          <a:fillRef idx="0">
+            <a:schemeClr val="accent1"/>
+          </a:fillRef>
+          <a:effectRef idx="0">
+            <a:schemeClr val="accent1"/>
+          </a:effectRef>
+          <a:fontRef idx="minor">
+            <a:schemeClr val="tx1"/>
+          </a:fontRef>
+        </p:style>
+      </p:cxnSp>
+      <p:sp>
+        <p:nvSpPr>
+          <p:cNvPr id="28" name="TextBox 27">
+            <a:extLst>
+              <a:ext uri="{FF2B5EF4-FFF2-40B4-BE49-F238E27FC236}">
+                <a16:creationId xmlns:a16="http://schemas.microsoft.com/office/drawing/2014/main" id="{9E0CBEB5-7B6F-4C8D-814F-C35BFAAFB8F4}"/>
+              </a:ext>
+            </a:extLst>
+          </p:cNvPr>
+          <p:cNvSpPr txBox="1"/>
+          <p:nvPr/>
+        </p:nvSpPr>
+        <p:spPr>
+          <a:xfrm>
+            <a:off x="11260318" y="1984342"/>
+            <a:ext cx="574196" cy="369332"/>
+          </a:xfrm>
+          <a:prstGeom prst="rect">
+            <a:avLst/>
+          </a:prstGeom>
+          <a:noFill/>
+        </p:spPr>
+        <p:txBody>
+          <a:bodyPr wrap="none" rtlCol="0">
+            <a:spAutoFit/>
+          </a:bodyPr>
+          <a:lstStyle/>
+          <a:p>
+            <a:r>
+              <a:rPr lang="fr-FR" dirty="0"/>
+              <a:t>CPU</a:t>
+            </a:r>
+          </a:p>
+        </p:txBody>
+      </p:sp>
+      <p:sp>
+        <p:nvSpPr>
+          <p:cNvPr id="29" name="TextBox 28">
+            <a:extLst>
+              <a:ext uri="{FF2B5EF4-FFF2-40B4-BE49-F238E27FC236}">
+                <a16:creationId xmlns:a16="http://schemas.microsoft.com/office/drawing/2014/main" id="{9DD2A438-09B4-4A3B-A4DE-4DC6B646EFD3}"/>
+              </a:ext>
+            </a:extLst>
+          </p:cNvPr>
+          <p:cNvSpPr txBox="1"/>
+          <p:nvPr/>
+        </p:nvSpPr>
+        <p:spPr>
+          <a:xfrm>
+            <a:off x="10845539" y="3320591"/>
+            <a:ext cx="1226618" cy="369332"/>
+          </a:xfrm>
+          <a:prstGeom prst="rect">
+            <a:avLst/>
+          </a:prstGeom>
+          <a:noFill/>
+        </p:spPr>
+        <p:txBody>
+          <a:bodyPr wrap="none" rtlCol="0">
+            <a:spAutoFit/>
+          </a:bodyPr>
+          <a:lstStyle/>
+          <a:p>
+            <a:r>
+              <a:rPr lang="fr-FR" dirty="0"/>
+              <a:t>Disque Dur</a:t>
+            </a:r>
+          </a:p>
+        </p:txBody>
+      </p:sp>
+      <p:cxnSp>
+        <p:nvCxnSpPr>
+          <p:cNvPr id="31" name="Straight Arrow Connector 30">
+            <a:extLst>
+              <a:ext uri="{FF2B5EF4-FFF2-40B4-BE49-F238E27FC236}">
+                <a16:creationId xmlns:a16="http://schemas.microsoft.com/office/drawing/2014/main" id="{EEE2D76F-5EA4-4B23-B5D0-8F019182F537}"/>
+              </a:ext>
+            </a:extLst>
+          </p:cNvPr>
+          <p:cNvCxnSpPr/>
+          <p:nvPr/>
+        </p:nvCxnSpPr>
+        <p:spPr>
+          <a:xfrm>
+            <a:off x="1117076" y="2766767"/>
+            <a:ext cx="108409" cy="956821"/>
+          </a:xfrm>
+          <a:prstGeom prst="straightConnector1">
+            <a:avLst/>
+          </a:prstGeom>
+          <a:ln w="76200">
+            <a:tailEnd type="triangle"/>
+          </a:ln>
+        </p:spPr>
+        <p:style>
+          <a:lnRef idx="1">
+            <a:schemeClr val="accent1"/>
+          </a:lnRef>
+          <a:fillRef idx="0">
+            <a:schemeClr val="accent1"/>
+          </a:fillRef>
+          <a:effectRef idx="0">
+            <a:schemeClr val="accent1"/>
+          </a:effectRef>
+          <a:fontRef idx="minor">
+            <a:schemeClr val="tx1"/>
+          </a:fontRef>
+        </p:style>
+      </p:cxnSp>
+      <p:sp>
+        <p:nvSpPr>
+          <p:cNvPr id="32" name="Rectangle 31">
+            <a:extLst>
+              <a:ext uri="{FF2B5EF4-FFF2-40B4-BE49-F238E27FC236}">
+                <a16:creationId xmlns:a16="http://schemas.microsoft.com/office/drawing/2014/main" id="{E6F7967C-AF3A-4376-B35D-2C8CD72C1D86}"/>
+              </a:ext>
+            </a:extLst>
+          </p:cNvPr>
+          <p:cNvSpPr/>
+          <p:nvPr/>
+        </p:nvSpPr>
+        <p:spPr>
+          <a:xfrm>
+            <a:off x="1287545" y="3633411"/>
+            <a:ext cx="5966377" cy="434254"/>
+          </a:xfrm>
+          <a:prstGeom prst="rect">
+            <a:avLst/>
+          </a:prstGeom>
+        </p:spPr>
+        <p:style>
+          <a:lnRef idx="2">
+            <a:schemeClr val="accent1">
+              <a:shade val="50000"/>
+            </a:schemeClr>
+          </a:lnRef>
+          <a:fillRef idx="1">
+            <a:schemeClr val="accent1"/>
+          </a:fillRef>
+          <a:effectRef idx="0">
+            <a:schemeClr val="accent1"/>
+          </a:effectRef>
+          <a:fontRef idx="minor">
+            <a:schemeClr val="lt1"/>
+          </a:fontRef>
+        </p:style>
+        <p:txBody>
+          <a:bodyPr rtlCol="0" anchor="ctr"/>
+          <a:lstStyle/>
+          <a:p>
+            <a:pPr algn="ctr"/>
+            <a:endParaRPr lang="fr-FR"/>
+          </a:p>
+        </p:txBody>
+      </p:sp>
+      <p:cxnSp>
+        <p:nvCxnSpPr>
+          <p:cNvPr id="34" name="Straight Arrow Connector 33">
+            <a:extLst>
+              <a:ext uri="{FF2B5EF4-FFF2-40B4-BE49-F238E27FC236}">
+                <a16:creationId xmlns:a16="http://schemas.microsoft.com/office/drawing/2014/main" id="{B01CA023-4E84-4BE4-B323-9030586776DB}"/>
+              </a:ext>
+            </a:extLst>
+          </p:cNvPr>
+          <p:cNvCxnSpPr>
+            <a:cxnSpLocks/>
+          </p:cNvCxnSpPr>
+          <p:nvPr/>
+        </p:nvCxnSpPr>
+        <p:spPr>
+          <a:xfrm flipV="1">
+            <a:off x="7132163" y="2597086"/>
+            <a:ext cx="121763" cy="956820"/>
+          </a:xfrm>
+          <a:prstGeom prst="straightConnector1">
+            <a:avLst/>
+          </a:prstGeom>
+          <a:ln w="76200">
+            <a:tailEnd type="triangle"/>
+          </a:ln>
+        </p:spPr>
+        <p:style>
+          <a:lnRef idx="1">
+            <a:schemeClr val="accent1"/>
+          </a:lnRef>
+          <a:fillRef idx="0">
+            <a:schemeClr val="accent1"/>
+          </a:fillRef>
+          <a:effectRef idx="0">
+            <a:schemeClr val="accent1"/>
+          </a:effectRef>
+          <a:fontRef idx="minor">
+            <a:schemeClr val="tx1"/>
+          </a:fontRef>
+        </p:style>
+      </p:cxnSp>
+      <p:cxnSp>
+        <p:nvCxnSpPr>
+          <p:cNvPr id="36" name="Straight Connector 35">
+            <a:extLst>
+              <a:ext uri="{FF2B5EF4-FFF2-40B4-BE49-F238E27FC236}">
+                <a16:creationId xmlns:a16="http://schemas.microsoft.com/office/drawing/2014/main" id="{3BF5C8BE-1D51-4D4F-A63B-8E2DFAE8E21C}"/>
+              </a:ext>
+            </a:extLst>
+          </p:cNvPr>
+          <p:cNvCxnSpPr>
+            <a:cxnSpLocks/>
+          </p:cNvCxnSpPr>
+          <p:nvPr/>
+        </p:nvCxnSpPr>
+        <p:spPr>
+          <a:xfrm>
+            <a:off x="7336930" y="1948992"/>
+            <a:ext cx="25404" cy="1034592"/>
+          </a:xfrm>
+          <a:prstGeom prst="line">
+            <a:avLst/>
+          </a:prstGeom>
+          <a:ln w="76200"/>
+        </p:spPr>
+        <p:style>
+          <a:lnRef idx="1">
+            <a:schemeClr val="accent1"/>
+          </a:lnRef>
+          <a:fillRef idx="0">
+            <a:schemeClr val="accent1"/>
+          </a:fillRef>
+          <a:effectRef idx="0">
+            <a:schemeClr val="accent1"/>
+          </a:effectRef>
+          <a:fontRef idx="minor">
+            <a:schemeClr val="tx1"/>
+          </a:fontRef>
+        </p:style>
+      </p:cxnSp>
+      <p:cxnSp>
+        <p:nvCxnSpPr>
+          <p:cNvPr id="39" name="Straight Arrow Connector 38">
+            <a:extLst>
+              <a:ext uri="{FF2B5EF4-FFF2-40B4-BE49-F238E27FC236}">
+                <a16:creationId xmlns:a16="http://schemas.microsoft.com/office/drawing/2014/main" id="{D422442F-5FA5-4F85-9D4F-06623A5696FF}"/>
+              </a:ext>
+            </a:extLst>
+          </p:cNvPr>
+          <p:cNvCxnSpPr/>
+          <p:nvPr/>
+        </p:nvCxnSpPr>
+        <p:spPr>
+          <a:xfrm>
+            <a:off x="2474536" y="4779389"/>
+            <a:ext cx="1055802" cy="645737"/>
+          </a:xfrm>
+          <a:prstGeom prst="straightConnector1">
+            <a:avLst/>
+          </a:prstGeom>
+          <a:ln w="76200">
+            <a:tailEnd type="triangle"/>
+          </a:ln>
+        </p:spPr>
+        <p:style>
+          <a:lnRef idx="1">
+            <a:schemeClr val="accent1"/>
+          </a:lnRef>
+          <a:fillRef idx="0">
+            <a:schemeClr val="accent1"/>
+          </a:fillRef>
+          <a:effectRef idx="0">
+            <a:schemeClr val="accent1"/>
+          </a:effectRef>
+          <a:fontRef idx="minor">
+            <a:schemeClr val="tx1"/>
+          </a:fontRef>
+        </p:style>
+      </p:cxnSp>
+      <p:sp>
+        <p:nvSpPr>
+          <p:cNvPr id="41" name="Rectangle 40">
+            <a:extLst>
+              <a:ext uri="{FF2B5EF4-FFF2-40B4-BE49-F238E27FC236}">
+                <a16:creationId xmlns:a16="http://schemas.microsoft.com/office/drawing/2014/main" id="{6D5A5ABA-056A-47B6-8BF1-DE5CABBD6775}"/>
+              </a:ext>
+            </a:extLst>
+          </p:cNvPr>
+          <p:cNvSpPr/>
+          <p:nvPr/>
+        </p:nvSpPr>
+        <p:spPr>
+          <a:xfrm>
+            <a:off x="7429627" y="2265968"/>
+            <a:ext cx="94267" cy="400639"/>
+          </a:xfrm>
+          <a:prstGeom prst="rect">
+            <a:avLst/>
+          </a:prstGeom>
+        </p:spPr>
+        <p:style>
+          <a:lnRef idx="2">
+            <a:schemeClr val="accent6">
+              <a:shade val="50000"/>
+            </a:schemeClr>
+          </a:lnRef>
+          <a:fillRef idx="1">
+            <a:schemeClr val="accent6"/>
+          </a:fillRef>
+          <a:effectRef idx="0">
+            <a:schemeClr val="accent6"/>
+          </a:effectRef>
+          <a:fontRef idx="minor">
+            <a:schemeClr val="lt1"/>
+          </a:fontRef>
+        </p:style>
+        <p:txBody>
+          <a:bodyPr rtlCol="0" anchor="ctr"/>
+          <a:lstStyle/>
+          <a:p>
+            <a:pPr algn="ctr"/>
+            <a:endParaRPr lang="fr-FR"/>
+          </a:p>
+        </p:txBody>
+      </p:sp>
+    </p:spTree>
+    <p:extLst>
+      <p:ext uri="{BB962C8B-B14F-4D97-AF65-F5344CB8AC3E}">
+        <p14:creationId xmlns:p14="http://schemas.microsoft.com/office/powerpoint/2010/main" val="3542458003"/>
+      </p:ext>
+    </p:extLst>
+  </p:cSld>
+  <p:clrMapOvr>
+    <a:masterClrMapping/>
+  </p:clrMapOvr>
+</p:sld>
+</file>
+
+<file path=ppt/slides/slide22.xml><?xml version="1.0" encoding="utf-8"?>
+<p:sld xmlns:a="http://schemas.openxmlformats.org/drawingml/2006/main" xmlns:r="http://schemas.openxmlformats.org/officeDocument/2006/relationships" xmlns:p="http://schemas.openxmlformats.org/presentationml/2006/main">
+  <p:cSld>
+    <p:spTree>
+      <p:nvGrpSpPr>
+        <p:cNvPr id="1" name=""/>
+        <p:cNvGrpSpPr/>
+        <p:nvPr/>
+      </p:nvGrpSpPr>
+      <p:grpSpPr>
+        <a:xfrm>
+          <a:off x="0" y="0"/>
+          <a:ext cx="0" cy="0"/>
+          <a:chOff x="0" y="0"/>
+          <a:chExt cx="0" cy="0"/>
+        </a:xfrm>
+      </p:grpSpPr>
+      <p:sp>
+        <p:nvSpPr>
+          <p:cNvPr id="2" name="Title 1">
+            <a:extLst>
+              <a:ext uri="{FF2B5EF4-FFF2-40B4-BE49-F238E27FC236}">
+                <a16:creationId xmlns:a16="http://schemas.microsoft.com/office/drawing/2014/main" id="{BF49543A-E717-43D2-B640-BC0430B182E1}"/>
+              </a:ext>
+            </a:extLst>
+          </p:cNvPr>
+          <p:cNvSpPr>
+            <a:spLocks noGrp="1"/>
+          </p:cNvSpPr>
+          <p:nvPr>
+            <p:ph type="title"/>
+          </p:nvPr>
+        </p:nvSpPr>
+        <p:spPr/>
+        <p:txBody>
+          <a:bodyPr/>
+          <a:lstStyle/>
+          <a:p>
+            <a:r>
+              <a:rPr lang="fr-FR" dirty="0"/>
+              <a:t>Javascript</a:t>
+            </a:r>
+          </a:p>
+        </p:txBody>
+      </p:sp>
+      <p:cxnSp>
+        <p:nvCxnSpPr>
+          <p:cNvPr id="5" name="Straight Arrow Connector 4">
+            <a:extLst>
+              <a:ext uri="{FF2B5EF4-FFF2-40B4-BE49-F238E27FC236}">
+                <a16:creationId xmlns:a16="http://schemas.microsoft.com/office/drawing/2014/main" id="{6A03FFDF-FEBC-40EF-8AC0-2FF605D14828}"/>
+              </a:ext>
+            </a:extLst>
+          </p:cNvPr>
+          <p:cNvCxnSpPr/>
+          <p:nvPr/>
+        </p:nvCxnSpPr>
+        <p:spPr>
+          <a:xfrm flipV="1">
+            <a:off x="499621" y="2446256"/>
+            <a:ext cx="11458280" cy="47134"/>
+          </a:xfrm>
+          <a:prstGeom prst="straightConnector1">
+            <a:avLst/>
+          </a:prstGeom>
+          <a:ln w="76200">
+            <a:tailEnd type="triangle"/>
+          </a:ln>
+        </p:spPr>
+        <p:style>
+          <a:lnRef idx="1">
+            <a:schemeClr val="accent1"/>
+          </a:lnRef>
+          <a:fillRef idx="0">
+            <a:schemeClr val="accent1"/>
+          </a:fillRef>
+          <a:effectRef idx="0">
+            <a:schemeClr val="accent1"/>
+          </a:effectRef>
+          <a:fontRef idx="minor">
+            <a:schemeClr val="tx1"/>
+          </a:fontRef>
+        </p:style>
+      </p:cxnSp>
+      <p:cxnSp>
+        <p:nvCxnSpPr>
+          <p:cNvPr id="7" name="Straight Connector 6">
+            <a:extLst>
+              <a:ext uri="{FF2B5EF4-FFF2-40B4-BE49-F238E27FC236}">
+                <a16:creationId xmlns:a16="http://schemas.microsoft.com/office/drawing/2014/main" id="{C9E69B6D-1DA2-4B1F-8F34-C6FAEA2A169E}"/>
+              </a:ext>
+            </a:extLst>
+          </p:cNvPr>
+          <p:cNvCxnSpPr/>
+          <p:nvPr/>
+        </p:nvCxnSpPr>
+        <p:spPr>
+          <a:xfrm>
+            <a:off x="791852" y="2121031"/>
+            <a:ext cx="0" cy="754144"/>
+          </a:xfrm>
+          <a:prstGeom prst="line">
+            <a:avLst/>
+          </a:prstGeom>
+          <a:ln w="76200"/>
+        </p:spPr>
+        <p:style>
+          <a:lnRef idx="1">
+            <a:schemeClr val="accent1"/>
+          </a:lnRef>
+          <a:fillRef idx="0">
+            <a:schemeClr val="accent1"/>
+          </a:fillRef>
+          <a:effectRef idx="0">
+            <a:schemeClr val="accent1"/>
+          </a:effectRef>
+          <a:fontRef idx="minor">
+            <a:schemeClr val="tx1"/>
+          </a:fontRef>
+        </p:style>
+      </p:cxnSp>
+      <p:sp>
+        <p:nvSpPr>
+          <p:cNvPr id="8" name="TextBox 7">
+            <a:extLst>
+              <a:ext uri="{FF2B5EF4-FFF2-40B4-BE49-F238E27FC236}">
+                <a16:creationId xmlns:a16="http://schemas.microsoft.com/office/drawing/2014/main" id="{9674DB5F-DD7B-4F06-9868-74FCDAD41D78}"/>
+              </a:ext>
+            </a:extLst>
+          </p:cNvPr>
+          <p:cNvSpPr txBox="1"/>
+          <p:nvPr/>
+        </p:nvSpPr>
+        <p:spPr>
+          <a:xfrm>
+            <a:off x="362932" y="2925792"/>
+            <a:ext cx="1094915" cy="646331"/>
+          </a:xfrm>
+          <a:prstGeom prst="rect">
+            <a:avLst/>
+          </a:prstGeom>
+          <a:noFill/>
+        </p:spPr>
+        <p:txBody>
+          <a:bodyPr wrap="none" rtlCol="0">
+            <a:spAutoFit/>
+          </a:bodyPr>
+          <a:lstStyle/>
+          <a:p>
+            <a:r>
+              <a:rPr lang="fr-FR" dirty="0"/>
+              <a:t>1995</a:t>
+            </a:r>
+          </a:p>
+          <a:p>
+            <a:r>
+              <a:rPr lang="fr-FR" dirty="0"/>
+              <a:t>Javascript</a:t>
+            </a:r>
+          </a:p>
+        </p:txBody>
+      </p:sp>
+      <p:cxnSp>
+        <p:nvCxnSpPr>
+          <p:cNvPr id="10" name="Straight Connector 9">
+            <a:extLst>
+              <a:ext uri="{FF2B5EF4-FFF2-40B4-BE49-F238E27FC236}">
+                <a16:creationId xmlns:a16="http://schemas.microsoft.com/office/drawing/2014/main" id="{71116C6B-4A79-4528-90EE-23210748D52D}"/>
+              </a:ext>
+            </a:extLst>
+          </p:cNvPr>
+          <p:cNvCxnSpPr/>
+          <p:nvPr/>
+        </p:nvCxnSpPr>
+        <p:spPr>
+          <a:xfrm>
+            <a:off x="1767526" y="2201159"/>
+            <a:ext cx="0" cy="518474"/>
+          </a:xfrm>
+          <a:prstGeom prst="line">
+            <a:avLst/>
+          </a:prstGeom>
+          <a:ln w="76200"/>
+        </p:spPr>
+        <p:style>
+          <a:lnRef idx="1">
+            <a:schemeClr val="accent1"/>
+          </a:lnRef>
+          <a:fillRef idx="0">
+            <a:schemeClr val="accent1"/>
+          </a:fillRef>
+          <a:effectRef idx="0">
+            <a:schemeClr val="accent1"/>
+          </a:effectRef>
+          <a:fontRef idx="minor">
+            <a:schemeClr val="tx1"/>
+          </a:fontRef>
+        </p:style>
+      </p:cxnSp>
+      <p:sp>
+        <p:nvSpPr>
+          <p:cNvPr id="11" name="TextBox 10">
+            <a:extLst>
+              <a:ext uri="{FF2B5EF4-FFF2-40B4-BE49-F238E27FC236}">
+                <a16:creationId xmlns:a16="http://schemas.microsoft.com/office/drawing/2014/main" id="{CE7315B4-A988-487B-AC4A-C8B896A0CF46}"/>
+              </a:ext>
+            </a:extLst>
+          </p:cNvPr>
+          <p:cNvSpPr txBox="1"/>
+          <p:nvPr/>
+        </p:nvSpPr>
+        <p:spPr>
+          <a:xfrm>
+            <a:off x="1457847" y="2925791"/>
+            <a:ext cx="1503425" cy="646331"/>
+          </a:xfrm>
+          <a:prstGeom prst="rect">
+            <a:avLst/>
+          </a:prstGeom>
+          <a:noFill/>
+        </p:spPr>
+        <p:txBody>
+          <a:bodyPr wrap="none" rtlCol="0">
+            <a:spAutoFit/>
+          </a:bodyPr>
+          <a:lstStyle/>
+          <a:p>
+            <a:r>
+              <a:rPr lang="fr-FR" dirty="0"/>
+              <a:t>1997</a:t>
+            </a:r>
+          </a:p>
+          <a:p>
+            <a:r>
+              <a:rPr lang="fr-FR" dirty="0"/>
+              <a:t>ECMAScriptv1</a:t>
+            </a:r>
+          </a:p>
+        </p:txBody>
+      </p:sp>
+      <p:cxnSp>
+        <p:nvCxnSpPr>
+          <p:cNvPr id="13" name="Straight Connector 12">
+            <a:extLst>
+              <a:ext uri="{FF2B5EF4-FFF2-40B4-BE49-F238E27FC236}">
+                <a16:creationId xmlns:a16="http://schemas.microsoft.com/office/drawing/2014/main" id="{8AC7EB72-B781-4FB9-92B2-419ED05720AE}"/>
+              </a:ext>
+            </a:extLst>
+          </p:cNvPr>
+          <p:cNvCxnSpPr/>
+          <p:nvPr/>
+        </p:nvCxnSpPr>
+        <p:spPr>
+          <a:xfrm>
+            <a:off x="3068425" y="2201159"/>
+            <a:ext cx="0" cy="560895"/>
+          </a:xfrm>
+          <a:prstGeom prst="line">
+            <a:avLst/>
+          </a:prstGeom>
+          <a:ln w="76200"/>
+        </p:spPr>
+        <p:style>
+          <a:lnRef idx="1">
+            <a:schemeClr val="accent1"/>
+          </a:lnRef>
+          <a:fillRef idx="0">
+            <a:schemeClr val="accent1"/>
+          </a:fillRef>
+          <a:effectRef idx="0">
+            <a:schemeClr val="accent1"/>
+          </a:effectRef>
+          <a:fontRef idx="minor">
+            <a:schemeClr val="tx1"/>
+          </a:fontRef>
+        </p:style>
+      </p:cxnSp>
+      <p:sp>
+        <p:nvSpPr>
+          <p:cNvPr id="14" name="TextBox 13">
+            <a:extLst>
+              <a:ext uri="{FF2B5EF4-FFF2-40B4-BE49-F238E27FC236}">
+                <a16:creationId xmlns:a16="http://schemas.microsoft.com/office/drawing/2014/main" id="{1DDB160D-15B9-4D80-8F0C-1E28557AA441}"/>
+              </a:ext>
+            </a:extLst>
+          </p:cNvPr>
+          <p:cNvSpPr txBox="1"/>
+          <p:nvPr/>
+        </p:nvSpPr>
+        <p:spPr>
+          <a:xfrm>
+            <a:off x="2846895" y="2925791"/>
+            <a:ext cx="652743" cy="646331"/>
+          </a:xfrm>
+          <a:prstGeom prst="rect">
+            <a:avLst/>
+          </a:prstGeom>
+          <a:noFill/>
+        </p:spPr>
+        <p:txBody>
+          <a:bodyPr wrap="none" rtlCol="0">
+            <a:spAutoFit/>
+          </a:bodyPr>
+          <a:lstStyle/>
+          <a:p>
+            <a:r>
+              <a:rPr lang="fr-FR" dirty="0"/>
+              <a:t>1998</a:t>
+            </a:r>
+          </a:p>
+          <a:p>
+            <a:r>
+              <a:rPr lang="fr-FR" dirty="0"/>
+              <a:t>ES2</a:t>
+            </a:r>
+          </a:p>
+        </p:txBody>
+      </p:sp>
+      <p:cxnSp>
+        <p:nvCxnSpPr>
+          <p:cNvPr id="16" name="Straight Connector 15">
+            <a:extLst>
+              <a:ext uri="{FF2B5EF4-FFF2-40B4-BE49-F238E27FC236}">
+                <a16:creationId xmlns:a16="http://schemas.microsoft.com/office/drawing/2014/main" id="{F0D4AD04-2671-4A30-8214-C0FEAA5D4EEE}"/>
+              </a:ext>
+            </a:extLst>
+          </p:cNvPr>
+          <p:cNvCxnSpPr/>
+          <p:nvPr/>
+        </p:nvCxnSpPr>
+        <p:spPr>
+          <a:xfrm>
+            <a:off x="3879130" y="2177592"/>
+            <a:ext cx="0" cy="641023"/>
+          </a:xfrm>
+          <a:prstGeom prst="line">
+            <a:avLst/>
+          </a:prstGeom>
+          <a:ln w="76200"/>
+        </p:spPr>
+        <p:style>
+          <a:lnRef idx="1">
+            <a:schemeClr val="accent1"/>
+          </a:lnRef>
+          <a:fillRef idx="0">
+            <a:schemeClr val="accent1"/>
+          </a:fillRef>
+          <a:effectRef idx="0">
+            <a:schemeClr val="accent1"/>
+          </a:effectRef>
+          <a:fontRef idx="minor">
+            <a:schemeClr val="tx1"/>
+          </a:fontRef>
+        </p:style>
+      </p:cxnSp>
+      <p:sp>
+        <p:nvSpPr>
+          <p:cNvPr id="17" name="TextBox 16">
+            <a:extLst>
+              <a:ext uri="{FF2B5EF4-FFF2-40B4-BE49-F238E27FC236}">
+                <a16:creationId xmlns:a16="http://schemas.microsoft.com/office/drawing/2014/main" id="{A880CF90-0297-4033-B7EE-09DF7E58E08E}"/>
+              </a:ext>
+            </a:extLst>
+          </p:cNvPr>
+          <p:cNvSpPr txBox="1"/>
+          <p:nvPr/>
+        </p:nvSpPr>
+        <p:spPr>
+          <a:xfrm>
+            <a:off x="3586900" y="2925791"/>
+            <a:ext cx="652743" cy="646331"/>
+          </a:xfrm>
+          <a:prstGeom prst="rect">
+            <a:avLst/>
+          </a:prstGeom>
+          <a:noFill/>
+        </p:spPr>
+        <p:txBody>
+          <a:bodyPr wrap="none" rtlCol="0">
+            <a:spAutoFit/>
+          </a:bodyPr>
+          <a:lstStyle/>
+          <a:p>
+            <a:r>
+              <a:rPr lang="fr-FR" dirty="0"/>
+              <a:t>1999</a:t>
+            </a:r>
+          </a:p>
+          <a:p>
+            <a:r>
+              <a:rPr lang="fr-FR" dirty="0"/>
+              <a:t>ES3</a:t>
+            </a:r>
+          </a:p>
+        </p:txBody>
+      </p:sp>
+      <p:cxnSp>
+        <p:nvCxnSpPr>
+          <p:cNvPr id="19" name="Straight Connector 18">
+            <a:extLst>
+              <a:ext uri="{FF2B5EF4-FFF2-40B4-BE49-F238E27FC236}">
+                <a16:creationId xmlns:a16="http://schemas.microsoft.com/office/drawing/2014/main" id="{C39DE0B0-17CF-47BD-BA6D-AB246D844161}"/>
+              </a:ext>
+            </a:extLst>
+          </p:cNvPr>
+          <p:cNvCxnSpPr/>
+          <p:nvPr/>
+        </p:nvCxnSpPr>
+        <p:spPr>
+          <a:xfrm>
+            <a:off x="6396087" y="2177592"/>
+            <a:ext cx="0" cy="641023"/>
+          </a:xfrm>
+          <a:prstGeom prst="line">
+            <a:avLst/>
+          </a:prstGeom>
+          <a:ln w="76200"/>
+        </p:spPr>
+        <p:style>
+          <a:lnRef idx="1">
+            <a:schemeClr val="accent1"/>
+          </a:lnRef>
+          <a:fillRef idx="0">
+            <a:schemeClr val="accent1"/>
+          </a:fillRef>
+          <a:effectRef idx="0">
+            <a:schemeClr val="accent1"/>
+          </a:effectRef>
+          <a:fontRef idx="minor">
+            <a:schemeClr val="tx1"/>
+          </a:fontRef>
+        </p:style>
+      </p:cxnSp>
+      <p:sp>
+        <p:nvSpPr>
+          <p:cNvPr id="20" name="TextBox 19">
+            <a:extLst>
+              <a:ext uri="{FF2B5EF4-FFF2-40B4-BE49-F238E27FC236}">
+                <a16:creationId xmlns:a16="http://schemas.microsoft.com/office/drawing/2014/main" id="{A8075E53-3BBA-4B6F-9DE7-0110AE5CB23F}"/>
+              </a:ext>
+            </a:extLst>
+          </p:cNvPr>
+          <p:cNvSpPr txBox="1"/>
+          <p:nvPr/>
+        </p:nvSpPr>
+        <p:spPr>
+          <a:xfrm>
+            <a:off x="6096000" y="2875175"/>
+            <a:ext cx="652743" cy="646331"/>
+          </a:xfrm>
+          <a:prstGeom prst="rect">
+            <a:avLst/>
+          </a:prstGeom>
+          <a:noFill/>
+        </p:spPr>
+        <p:txBody>
+          <a:bodyPr wrap="none" rtlCol="0">
+            <a:spAutoFit/>
+          </a:bodyPr>
+          <a:lstStyle/>
+          <a:p>
+            <a:r>
+              <a:rPr lang="fr-FR" dirty="0"/>
+              <a:t>2009</a:t>
+            </a:r>
+          </a:p>
+          <a:p>
+            <a:r>
+              <a:rPr lang="fr-FR" dirty="0"/>
+              <a:t>ES5</a:t>
+            </a:r>
+          </a:p>
+        </p:txBody>
+      </p:sp>
+      <p:cxnSp>
+        <p:nvCxnSpPr>
+          <p:cNvPr id="22" name="Straight Connector 21">
+            <a:extLst>
+              <a:ext uri="{FF2B5EF4-FFF2-40B4-BE49-F238E27FC236}">
+                <a16:creationId xmlns:a16="http://schemas.microsoft.com/office/drawing/2014/main" id="{16B72245-7FBB-4943-AD3A-18097AD33599}"/>
+              </a:ext>
+            </a:extLst>
+          </p:cNvPr>
+          <p:cNvCxnSpPr/>
+          <p:nvPr/>
+        </p:nvCxnSpPr>
+        <p:spPr>
+          <a:xfrm>
+            <a:off x="8517118" y="2177592"/>
+            <a:ext cx="0" cy="748199"/>
+          </a:xfrm>
+          <a:prstGeom prst="line">
+            <a:avLst/>
+          </a:prstGeom>
+          <a:ln w="76200"/>
+        </p:spPr>
+        <p:style>
+          <a:lnRef idx="1">
+            <a:schemeClr val="accent1"/>
+          </a:lnRef>
+          <a:fillRef idx="0">
+            <a:schemeClr val="accent1"/>
+          </a:fillRef>
+          <a:effectRef idx="0">
+            <a:schemeClr val="accent1"/>
+          </a:effectRef>
+          <a:fontRef idx="minor">
+            <a:schemeClr val="tx1"/>
+          </a:fontRef>
+        </p:style>
+      </p:cxnSp>
+      <p:sp>
+        <p:nvSpPr>
+          <p:cNvPr id="23" name="TextBox 22">
+            <a:extLst>
+              <a:ext uri="{FF2B5EF4-FFF2-40B4-BE49-F238E27FC236}">
+                <a16:creationId xmlns:a16="http://schemas.microsoft.com/office/drawing/2014/main" id="{DCB5E8EC-AE3F-4C7C-82BA-DFFE6045BADB}"/>
+              </a:ext>
+            </a:extLst>
+          </p:cNvPr>
+          <p:cNvSpPr txBox="1"/>
+          <p:nvPr/>
+        </p:nvSpPr>
+        <p:spPr>
+          <a:xfrm>
+            <a:off x="8225053" y="2957553"/>
+            <a:ext cx="652743" cy="646331"/>
+          </a:xfrm>
+          <a:prstGeom prst="rect">
+            <a:avLst/>
+          </a:prstGeom>
+          <a:noFill/>
+        </p:spPr>
+        <p:txBody>
+          <a:bodyPr wrap="none" rtlCol="0">
+            <a:spAutoFit/>
+          </a:bodyPr>
+          <a:lstStyle/>
+          <a:p>
+            <a:r>
+              <a:rPr lang="fr-FR" dirty="0"/>
+              <a:t>2015</a:t>
+            </a:r>
+          </a:p>
+          <a:p>
+            <a:r>
+              <a:rPr lang="fr-FR" dirty="0"/>
+              <a:t>ES6</a:t>
+            </a:r>
+          </a:p>
+        </p:txBody>
+      </p:sp>
+      <p:cxnSp>
+        <p:nvCxnSpPr>
+          <p:cNvPr id="24" name="Straight Connector 23">
+            <a:extLst>
+              <a:ext uri="{FF2B5EF4-FFF2-40B4-BE49-F238E27FC236}">
+                <a16:creationId xmlns:a16="http://schemas.microsoft.com/office/drawing/2014/main" id="{DBB925ED-E9CF-4603-A64F-91459C194271}"/>
+              </a:ext>
+            </a:extLst>
+          </p:cNvPr>
+          <p:cNvCxnSpPr/>
+          <p:nvPr/>
+        </p:nvCxnSpPr>
+        <p:spPr>
+          <a:xfrm>
+            <a:off x="9206846" y="2121031"/>
+            <a:ext cx="0" cy="748199"/>
+          </a:xfrm>
+          <a:prstGeom prst="line">
+            <a:avLst/>
+          </a:prstGeom>
+          <a:ln w="76200"/>
+        </p:spPr>
+        <p:style>
+          <a:lnRef idx="1">
+            <a:schemeClr val="accent1"/>
+          </a:lnRef>
+          <a:fillRef idx="0">
+            <a:schemeClr val="accent1"/>
+          </a:fillRef>
+          <a:effectRef idx="0">
+            <a:schemeClr val="accent1"/>
+          </a:effectRef>
+          <a:fontRef idx="minor">
+            <a:schemeClr val="tx1"/>
+          </a:fontRef>
+        </p:style>
+      </p:cxnSp>
+      <p:sp>
+        <p:nvSpPr>
+          <p:cNvPr id="25" name="TextBox 24">
+            <a:extLst>
+              <a:ext uri="{FF2B5EF4-FFF2-40B4-BE49-F238E27FC236}">
+                <a16:creationId xmlns:a16="http://schemas.microsoft.com/office/drawing/2014/main" id="{CAD9E29E-54E2-47B5-8B46-FF2C2665975D}"/>
+              </a:ext>
+            </a:extLst>
+          </p:cNvPr>
+          <p:cNvSpPr txBox="1"/>
+          <p:nvPr/>
+        </p:nvSpPr>
+        <p:spPr>
+          <a:xfrm>
+            <a:off x="9073299" y="3068425"/>
+            <a:ext cx="868507" cy="369332"/>
+          </a:xfrm>
+          <a:prstGeom prst="rect">
+            <a:avLst/>
+          </a:prstGeom>
+          <a:noFill/>
+        </p:spPr>
+        <p:txBody>
+          <a:bodyPr wrap="none" rtlCol="0">
+            <a:spAutoFit/>
+          </a:bodyPr>
+          <a:lstStyle/>
+          <a:p>
+            <a:r>
+              <a:rPr lang="fr-FR" dirty="0"/>
+              <a:t>ES2016</a:t>
+            </a:r>
+          </a:p>
+        </p:txBody>
+      </p:sp>
+      <p:cxnSp>
+        <p:nvCxnSpPr>
+          <p:cNvPr id="27" name="Straight Connector 26">
+            <a:extLst>
+              <a:ext uri="{FF2B5EF4-FFF2-40B4-BE49-F238E27FC236}">
+                <a16:creationId xmlns:a16="http://schemas.microsoft.com/office/drawing/2014/main" id="{C5E86E65-DC21-4F66-ABD3-6B4314AC2D98}"/>
+              </a:ext>
+            </a:extLst>
+          </p:cNvPr>
+          <p:cNvCxnSpPr/>
+          <p:nvPr/>
+        </p:nvCxnSpPr>
+        <p:spPr>
+          <a:xfrm>
+            <a:off x="9516359" y="2177592"/>
+            <a:ext cx="2064470" cy="0"/>
+          </a:xfrm>
+          <a:prstGeom prst="line">
+            <a:avLst/>
+          </a:prstGeom>
+          <a:ln w="76200">
+            <a:prstDash val="sysDash"/>
+          </a:ln>
+        </p:spPr>
+        <p:style>
+          <a:lnRef idx="1">
+            <a:schemeClr val="accent1"/>
+          </a:lnRef>
+          <a:fillRef idx="0">
+            <a:schemeClr val="accent1"/>
+          </a:fillRef>
+          <a:effectRef idx="0">
+            <a:schemeClr val="accent1"/>
+          </a:effectRef>
+          <a:fontRef idx="minor">
+            <a:schemeClr val="tx1"/>
+          </a:fontRef>
+        </p:style>
+      </p:cxnSp>
+      <p:cxnSp>
+        <p:nvCxnSpPr>
+          <p:cNvPr id="29" name="Straight Connector 28">
+            <a:extLst>
+              <a:ext uri="{FF2B5EF4-FFF2-40B4-BE49-F238E27FC236}">
+                <a16:creationId xmlns:a16="http://schemas.microsoft.com/office/drawing/2014/main" id="{F96558CC-1D3D-4675-8557-2248E723AF3C}"/>
+              </a:ext>
+            </a:extLst>
+          </p:cNvPr>
+          <p:cNvCxnSpPr/>
+          <p:nvPr/>
+        </p:nvCxnSpPr>
+        <p:spPr>
+          <a:xfrm>
+            <a:off x="6693031" y="1649691"/>
+            <a:ext cx="0" cy="2705493"/>
+          </a:xfrm>
+          <a:prstGeom prst="line">
+            <a:avLst/>
+          </a:prstGeom>
+          <a:ln w="76200"/>
+        </p:spPr>
+        <p:style>
+          <a:lnRef idx="1">
+            <a:schemeClr val="accent1"/>
+          </a:lnRef>
+          <a:fillRef idx="0">
+            <a:schemeClr val="accent1"/>
+          </a:fillRef>
+          <a:effectRef idx="0">
+            <a:schemeClr val="accent1"/>
+          </a:effectRef>
+          <a:fontRef idx="minor">
+            <a:schemeClr val="tx1"/>
+          </a:fontRef>
+        </p:style>
+      </p:cxnSp>
+      <p:sp>
+        <p:nvSpPr>
+          <p:cNvPr id="30" name="TextBox 29">
+            <a:extLst>
+              <a:ext uri="{FF2B5EF4-FFF2-40B4-BE49-F238E27FC236}">
+                <a16:creationId xmlns:a16="http://schemas.microsoft.com/office/drawing/2014/main" id="{977E50E5-4D84-4CDD-8DF8-3B7F250A2B72}"/>
+              </a:ext>
+            </a:extLst>
+          </p:cNvPr>
+          <p:cNvSpPr txBox="1"/>
+          <p:nvPr/>
+        </p:nvSpPr>
+        <p:spPr>
+          <a:xfrm>
+            <a:off x="6348953" y="4482445"/>
+            <a:ext cx="872355" cy="646331"/>
+          </a:xfrm>
+          <a:prstGeom prst="rect">
+            <a:avLst/>
+          </a:prstGeom>
+          <a:noFill/>
+        </p:spPr>
+        <p:txBody>
+          <a:bodyPr wrap="none" rtlCol="0">
+            <a:spAutoFit/>
+          </a:bodyPr>
+          <a:lstStyle/>
+          <a:p>
+            <a:r>
+              <a:rPr lang="fr-FR" dirty="0"/>
+              <a:t>2009</a:t>
+            </a:r>
+          </a:p>
+          <a:p>
+            <a:r>
+              <a:rPr lang="fr-FR" dirty="0" err="1"/>
+              <a:t>NodeJS</a:t>
+            </a:r>
+            <a:endParaRPr lang="fr-FR" dirty="0"/>
+          </a:p>
+        </p:txBody>
+      </p:sp>
+      <p:cxnSp>
+        <p:nvCxnSpPr>
+          <p:cNvPr id="32" name="Straight Connector 31">
+            <a:extLst>
+              <a:ext uri="{FF2B5EF4-FFF2-40B4-BE49-F238E27FC236}">
+                <a16:creationId xmlns:a16="http://schemas.microsoft.com/office/drawing/2014/main" id="{10B7D4E3-EF19-415B-A6E0-8950FA107407}"/>
+              </a:ext>
+            </a:extLst>
+          </p:cNvPr>
+          <p:cNvCxnSpPr/>
+          <p:nvPr/>
+        </p:nvCxnSpPr>
+        <p:spPr>
+          <a:xfrm>
+            <a:off x="7569724" y="1753386"/>
+            <a:ext cx="0" cy="1684371"/>
+          </a:xfrm>
+          <a:prstGeom prst="line">
+            <a:avLst/>
+          </a:prstGeom>
+          <a:ln w="76200"/>
+        </p:spPr>
+        <p:style>
+          <a:lnRef idx="1">
+            <a:schemeClr val="accent1"/>
+          </a:lnRef>
+          <a:fillRef idx="0">
+            <a:schemeClr val="accent1"/>
+          </a:fillRef>
+          <a:effectRef idx="0">
+            <a:schemeClr val="accent1"/>
+          </a:effectRef>
+          <a:fontRef idx="minor">
+            <a:schemeClr val="tx1"/>
+          </a:fontRef>
+        </p:style>
+      </p:cxnSp>
+      <p:sp>
+        <p:nvSpPr>
+          <p:cNvPr id="33" name="TextBox 32">
+            <a:extLst>
+              <a:ext uri="{FF2B5EF4-FFF2-40B4-BE49-F238E27FC236}">
+                <a16:creationId xmlns:a16="http://schemas.microsoft.com/office/drawing/2014/main" id="{2AEBCC9B-1414-4E8D-81DA-6F70341E3513}"/>
+              </a:ext>
+            </a:extLst>
+          </p:cNvPr>
+          <p:cNvSpPr txBox="1"/>
+          <p:nvPr/>
+        </p:nvSpPr>
+        <p:spPr>
+          <a:xfrm>
+            <a:off x="7221308" y="3484296"/>
+            <a:ext cx="1146211" cy="646331"/>
+          </a:xfrm>
+          <a:prstGeom prst="rect">
+            <a:avLst/>
+          </a:prstGeom>
+          <a:noFill/>
+        </p:spPr>
+        <p:txBody>
+          <a:bodyPr wrap="none" rtlCol="0">
+            <a:spAutoFit/>
+          </a:bodyPr>
+          <a:lstStyle/>
+          <a:p>
+            <a:r>
+              <a:rPr lang="fr-FR" dirty="0"/>
+              <a:t>2012</a:t>
+            </a:r>
+          </a:p>
+          <a:p>
+            <a:r>
+              <a:rPr lang="fr-FR" dirty="0"/>
+              <a:t>Typescript</a:t>
+            </a:r>
+          </a:p>
+        </p:txBody>
+      </p:sp>
+      <p:cxnSp>
+        <p:nvCxnSpPr>
+          <p:cNvPr id="4" name="Straight Connector 3">
+            <a:extLst>
+              <a:ext uri="{FF2B5EF4-FFF2-40B4-BE49-F238E27FC236}">
+                <a16:creationId xmlns:a16="http://schemas.microsoft.com/office/drawing/2014/main" id="{152F861C-8ACF-4436-843E-36B1BA9524FC}"/>
+              </a:ext>
+            </a:extLst>
+          </p:cNvPr>
+          <p:cNvCxnSpPr/>
+          <p:nvPr/>
+        </p:nvCxnSpPr>
+        <p:spPr>
+          <a:xfrm>
+            <a:off x="3996965" y="1489435"/>
+            <a:ext cx="0" cy="3417217"/>
+          </a:xfrm>
+          <a:prstGeom prst="line">
+            <a:avLst/>
+          </a:prstGeom>
+          <a:ln w="76200">
+            <a:solidFill>
+              <a:srgbClr val="00B050"/>
+            </a:solidFill>
+          </a:ln>
+        </p:spPr>
+        <p:style>
+          <a:lnRef idx="1">
+            <a:schemeClr val="accent1"/>
+          </a:lnRef>
+          <a:fillRef idx="0">
+            <a:schemeClr val="accent1"/>
+          </a:fillRef>
+          <a:effectRef idx="0">
+            <a:schemeClr val="accent1"/>
+          </a:effectRef>
+          <a:fontRef idx="minor">
+            <a:schemeClr val="tx1"/>
+          </a:fontRef>
+        </p:style>
+      </p:cxnSp>
+      <p:sp>
+        <p:nvSpPr>
+          <p:cNvPr id="6" name="TextBox 5">
+            <a:extLst>
+              <a:ext uri="{FF2B5EF4-FFF2-40B4-BE49-F238E27FC236}">
+                <a16:creationId xmlns:a16="http://schemas.microsoft.com/office/drawing/2014/main" id="{1F33C842-2238-47C7-B5B4-3DB0889EE9A4}"/>
+              </a:ext>
+            </a:extLst>
+          </p:cNvPr>
+          <p:cNvSpPr txBox="1"/>
+          <p:nvPr/>
+        </p:nvSpPr>
+        <p:spPr>
+          <a:xfrm>
+            <a:off x="3499638" y="5128776"/>
+            <a:ext cx="2091663" cy="1200329"/>
+          </a:xfrm>
+          <a:prstGeom prst="rect">
+            <a:avLst/>
+          </a:prstGeom>
+          <a:noFill/>
+        </p:spPr>
+        <p:txBody>
+          <a:bodyPr wrap="none" rtlCol="0">
+            <a:spAutoFit/>
+          </a:bodyPr>
+          <a:lstStyle/>
+          <a:p>
+            <a:r>
+              <a:rPr lang="fr-FR" dirty="0" err="1"/>
+              <a:t>Jscript</a:t>
+            </a:r>
+            <a:r>
+              <a:rPr lang="fr-FR" dirty="0"/>
+              <a:t> (javascript IE)</a:t>
+            </a:r>
+          </a:p>
+          <a:p>
+            <a:r>
+              <a:rPr lang="fr-FR" dirty="0"/>
+              <a:t>API ActiveX</a:t>
+            </a:r>
+          </a:p>
+          <a:p>
+            <a:r>
+              <a:rPr lang="fr-FR" dirty="0" err="1"/>
+              <a:t>XMLHttpRequest</a:t>
+            </a:r>
+            <a:endParaRPr lang="fr-FR" dirty="0"/>
+          </a:p>
+          <a:p>
+            <a:r>
+              <a:rPr lang="fr-FR" dirty="0"/>
+              <a:t>ajax</a:t>
+            </a:r>
+          </a:p>
+        </p:txBody>
+      </p:sp>
+      <p:cxnSp>
+        <p:nvCxnSpPr>
+          <p:cNvPr id="12" name="Straight Connector 11">
+            <a:extLst>
+              <a:ext uri="{FF2B5EF4-FFF2-40B4-BE49-F238E27FC236}">
+                <a16:creationId xmlns:a16="http://schemas.microsoft.com/office/drawing/2014/main" id="{44591F51-1A67-436F-920F-40F353C1A965}"/>
+              </a:ext>
+            </a:extLst>
+          </p:cNvPr>
+          <p:cNvCxnSpPr/>
+          <p:nvPr/>
+        </p:nvCxnSpPr>
+        <p:spPr>
+          <a:xfrm>
+            <a:off x="8592532" y="1390454"/>
+            <a:ext cx="32994" cy="3351228"/>
+          </a:xfrm>
+          <a:prstGeom prst="line">
+            <a:avLst/>
+          </a:prstGeom>
+          <a:ln w="76200">
+            <a:solidFill>
+              <a:srgbClr val="00B050"/>
+            </a:solidFill>
+          </a:ln>
+        </p:spPr>
+        <p:style>
+          <a:lnRef idx="1">
+            <a:schemeClr val="accent1"/>
+          </a:lnRef>
+          <a:fillRef idx="0">
+            <a:schemeClr val="accent1"/>
+          </a:fillRef>
+          <a:effectRef idx="0">
+            <a:schemeClr val="accent1"/>
+          </a:effectRef>
+          <a:fontRef idx="minor">
+            <a:schemeClr val="tx1"/>
+          </a:fontRef>
+        </p:style>
+      </p:cxnSp>
+      <p:sp>
+        <p:nvSpPr>
+          <p:cNvPr id="15" name="TextBox 14">
+            <a:extLst>
+              <a:ext uri="{FF2B5EF4-FFF2-40B4-BE49-F238E27FC236}">
+                <a16:creationId xmlns:a16="http://schemas.microsoft.com/office/drawing/2014/main" id="{08246540-0396-4D18-AD38-5B7C1AD89F81}"/>
+              </a:ext>
+            </a:extLst>
+          </p:cNvPr>
+          <p:cNvSpPr txBox="1"/>
+          <p:nvPr/>
+        </p:nvSpPr>
+        <p:spPr>
+          <a:xfrm>
+            <a:off x="8319155" y="4906652"/>
+            <a:ext cx="657359" cy="369332"/>
+          </a:xfrm>
+          <a:prstGeom prst="rect">
+            <a:avLst/>
+          </a:prstGeom>
+          <a:noFill/>
+        </p:spPr>
+        <p:txBody>
+          <a:bodyPr wrap="none" rtlCol="0">
+            <a:spAutoFit/>
+          </a:bodyPr>
+          <a:lstStyle/>
+          <a:p>
+            <a:r>
+              <a:rPr lang="fr-FR" dirty="0" err="1"/>
+              <a:t>fetch</a:t>
+            </a:r>
+            <a:endParaRPr lang="fr-FR" dirty="0"/>
+          </a:p>
+        </p:txBody>
+      </p:sp>
+      <p:cxnSp>
+        <p:nvCxnSpPr>
+          <p:cNvPr id="21" name="Straight Connector 20">
+            <a:extLst>
+              <a:ext uri="{FF2B5EF4-FFF2-40B4-BE49-F238E27FC236}">
+                <a16:creationId xmlns:a16="http://schemas.microsoft.com/office/drawing/2014/main" id="{1FEB5F89-1E13-438D-B64C-88442CC957B1}"/>
+              </a:ext>
+            </a:extLst>
+          </p:cNvPr>
+          <p:cNvCxnSpPr/>
+          <p:nvPr/>
+        </p:nvCxnSpPr>
+        <p:spPr>
+          <a:xfrm>
+            <a:off x="10402478" y="1333893"/>
+            <a:ext cx="37708" cy="3497344"/>
+          </a:xfrm>
+          <a:prstGeom prst="line">
+            <a:avLst/>
+          </a:prstGeom>
+          <a:ln w="76200">
+            <a:solidFill>
+              <a:schemeClr val="accent6"/>
+            </a:solidFill>
+          </a:ln>
+        </p:spPr>
+        <p:style>
+          <a:lnRef idx="1">
+            <a:schemeClr val="accent1"/>
+          </a:lnRef>
+          <a:fillRef idx="0">
+            <a:schemeClr val="accent1"/>
+          </a:fillRef>
+          <a:effectRef idx="0">
+            <a:schemeClr val="accent1"/>
+          </a:effectRef>
+          <a:fontRef idx="minor">
+            <a:schemeClr val="tx1"/>
+          </a:fontRef>
+        </p:style>
+      </p:cxnSp>
+      <p:sp>
+        <p:nvSpPr>
+          <p:cNvPr id="26" name="TextBox 25">
+            <a:extLst>
+              <a:ext uri="{FF2B5EF4-FFF2-40B4-BE49-F238E27FC236}">
+                <a16:creationId xmlns:a16="http://schemas.microsoft.com/office/drawing/2014/main" id="{8BC176E4-5151-4BC2-8D81-3F70C0EBBCDA}"/>
+              </a:ext>
+            </a:extLst>
+          </p:cNvPr>
+          <p:cNvSpPr txBox="1"/>
+          <p:nvPr/>
+        </p:nvSpPr>
+        <p:spPr>
+          <a:xfrm>
+            <a:off x="10152668" y="4906652"/>
+            <a:ext cx="1485856" cy="369332"/>
+          </a:xfrm>
+          <a:prstGeom prst="rect">
+            <a:avLst/>
+          </a:prstGeom>
+          <a:noFill/>
+        </p:spPr>
+        <p:txBody>
+          <a:bodyPr wrap="none" rtlCol="0">
+            <a:spAutoFit/>
+          </a:bodyPr>
+          <a:lstStyle/>
+          <a:p>
+            <a:r>
+              <a:rPr lang="fr-FR" dirty="0" err="1"/>
+              <a:t>rxjs</a:t>
+            </a:r>
+            <a:r>
+              <a:rPr lang="fr-FR" dirty="0"/>
+              <a:t> </a:t>
+            </a:r>
+            <a:r>
+              <a:rPr lang="fr-FR" dirty="0" err="1"/>
+              <a:t>fromfetch</a:t>
+            </a:r>
+            <a:endParaRPr lang="fr-FR" dirty="0"/>
+          </a:p>
+        </p:txBody>
+      </p:sp>
+    </p:spTree>
+    <p:extLst>
+      <p:ext uri="{BB962C8B-B14F-4D97-AF65-F5344CB8AC3E}">
+        <p14:creationId xmlns:p14="http://schemas.microsoft.com/office/powerpoint/2010/main" val="804213286"/>
       </p:ext>
     </p:extLst>
   </p:cSld>
@@ -6397,6 +10770,63 @@
             <a:endParaRPr lang="fr-FR" dirty="0"/>
           </a:p>
           <a:p>
+            <a:r>
+              <a:rPr lang="fr-FR" dirty="0">
+                <a:hlinkClick r:id="rId3"/>
+              </a:rPr>
+              <a:t>https://caniuse.com/</a:t>
+            </a:r>
+            <a:endParaRPr lang="fr-FR" dirty="0"/>
+          </a:p>
+          <a:p>
+            <a:r>
+              <a:rPr lang="fr-FR" dirty="0">
+                <a:hlinkClick r:id="rId4"/>
+              </a:rPr>
+              <a:t>https://hslpicker.com/</a:t>
+            </a:r>
+            <a:endParaRPr lang="fr-FR" dirty="0"/>
+          </a:p>
+          <a:p>
+            <a:r>
+              <a:rPr lang="fr-FR" dirty="0">
+                <a:hlinkClick r:id="rId5"/>
+              </a:rPr>
+              <a:t>https://lawsofux.com/</a:t>
+            </a:r>
+            <a:endParaRPr lang="fr-FR" dirty="0"/>
+          </a:p>
+          <a:p>
+            <a:r>
+              <a:rPr lang="fr-FR" dirty="0"/>
+              <a:t>Utility Type (</a:t>
+            </a:r>
+            <a:r>
+              <a:rPr lang="fr-FR" dirty="0" err="1"/>
+              <a:t>typescript</a:t>
+            </a:r>
+            <a:r>
+              <a:rPr lang="fr-FR" dirty="0"/>
+              <a:t>) </a:t>
+            </a:r>
+            <a:r>
+              <a:rPr lang="fr-FR" dirty="0">
+                <a:hlinkClick r:id="rId6"/>
+              </a:rPr>
+              <a:t>https://www.typescriptlang.org/docs/handbook/utility-types.html</a:t>
+            </a:r>
+            <a:endParaRPr lang="fr-FR" dirty="0"/>
+          </a:p>
+          <a:p>
+            <a:endParaRPr lang="fr-FR" dirty="0"/>
+          </a:p>
+          <a:p>
+            <a:endParaRPr lang="fr-FR" dirty="0"/>
+          </a:p>
+          <a:p>
+            <a:endParaRPr lang="fr-FR" dirty="0"/>
+          </a:p>
+          <a:p>
             <a:endParaRPr lang="fr-FR" dirty="0"/>
           </a:p>
         </p:txBody>
@@ -6538,6 +10968,35 @@
             </a:r>
           </a:p>
           <a:p>
+            <a:r>
+              <a:rPr lang="fr-FR" dirty="0"/>
+              <a:t>Javascript Console </a:t>
+            </a:r>
+            <a:r>
+              <a:rPr lang="fr-FR" dirty="0" err="1"/>
+              <a:t>Utils</a:t>
+            </a:r>
+            <a:r>
+              <a:rPr lang="fr-FR" dirty="0"/>
+              <a:t> (</a:t>
+            </a:r>
+            <a:r>
+              <a:rPr lang="fr-FR" dirty="0" err="1"/>
+              <a:t>whtouche</a:t>
+            </a:r>
+            <a:r>
+              <a:rPr lang="fr-FR" dirty="0"/>
+              <a:t>)</a:t>
+            </a:r>
+          </a:p>
+          <a:p>
+            <a:r>
+              <a:rPr lang="fr-FR" dirty="0" err="1"/>
+              <a:t>Surround</a:t>
+            </a:r>
+            <a:endParaRPr lang="fr-FR" dirty="0"/>
+          </a:p>
+          <a:p>
             <a:endParaRPr lang="fr-FR" dirty="0"/>
           </a:p>
           <a:p>
@@ -6733,18 +11192,16 @@
         </p:spPr>
         <p:style>
           <a:lnRef idx="2">
-            <a:schemeClr val="accent1">
-              <a:shade val="50000"/>
-            </a:schemeClr>
+            <a:schemeClr val="dk1"/>
           </a:lnRef>
           <a:fillRef idx="1">
-            <a:schemeClr val="accent1"/>
+            <a:schemeClr val="lt1"/>
           </a:fillRef>
           <a:effectRef idx="0">
-            <a:schemeClr val="accent1"/>
+            <a:schemeClr val="dk1"/>
           </a:effectRef>
           <a:fontRef idx="minor">
-            <a:schemeClr val="lt1"/>
+            <a:schemeClr val="dk1"/>
           </a:fontRef>
         </p:style>
         <p:txBody>
@@ -6807,91 +11264,6 @@
           <a:xfrm>
             <a:off x="989814" y="3261674"/>
             <a:ext cx="1390454" cy="438346"/>
-          </a:xfrm>
-          <a:prstGeom prst="rect">
-            <a:avLst/>
-          </a:prstGeom>
-        </p:spPr>
-        <p:style>
-          <a:lnRef idx="2">
-            <a:schemeClr val="accent1">
-              <a:shade val="50000"/>
-            </a:schemeClr>
-          </a:lnRef>
-          <a:fillRef idx="1">
-            <a:schemeClr val="accent1"/>
-          </a:fillRef>
-          <a:effectRef idx="0">
-            <a:schemeClr val="accent1"/>
-          </a:effectRef>
-          <a:fontRef idx="minor">
-            <a:schemeClr val="lt1"/>
-          </a:fontRef>
-        </p:style>
-        <p:txBody>
-          <a:bodyPr rtlCol="0" anchor="ctr"/>
-          <a:lstStyle/>
-          <a:p>
-            <a:pPr algn="ctr"/>
-            <a:r>
-              <a:rPr lang="fr-FR" dirty="0"/>
-              <a:t>Voir le stock</a:t>
-            </a:r>
-          </a:p>
-        </p:txBody>
-      </p:sp>
-      <p:sp>
-        <p:nvSpPr>
-          <p:cNvPr id="10" name="TextBox 9">
-            <a:extLst>
-              <a:ext uri="{FF2B5EF4-FFF2-40B4-BE49-F238E27FC236}">
-                <a16:creationId xmlns:a16="http://schemas.microsoft.com/office/drawing/2014/main" id="{A2618FA9-2FB4-4212-9147-BB526704050C}"/>
-              </a:ext>
-            </a:extLst>
-          </p:cNvPr>
-          <p:cNvSpPr txBox="1"/>
-          <p:nvPr/>
-        </p:nvSpPr>
-        <p:spPr>
-          <a:xfrm>
-            <a:off x="605673" y="2490438"/>
-            <a:ext cx="2234153" cy="646331"/>
-          </a:xfrm>
-          <a:prstGeom prst="rect">
-            <a:avLst/>
-          </a:prstGeom>
-          <a:noFill/>
-        </p:spPr>
-        <p:txBody>
-          <a:bodyPr wrap="square" rtlCol="0">
-            <a:spAutoFit/>
-          </a:bodyPr>
-          <a:lstStyle/>
-          <a:p>
-            <a:pPr algn="ctr"/>
-            <a:r>
-              <a:rPr lang="fr-FR" dirty="0"/>
-              <a:t>Gérer efficacement votre stock</a:t>
-            </a:r>
-          </a:p>
-        </p:txBody>
-      </p:sp>
-      <p:sp>
-        <p:nvSpPr>
-          <p:cNvPr id="18" name="Rectangle 17">
-            <a:extLst>
-              <a:ext uri="{FF2B5EF4-FFF2-40B4-BE49-F238E27FC236}">
-                <a16:creationId xmlns:a16="http://schemas.microsoft.com/office/drawing/2014/main" id="{7B6B94DD-5F63-4818-9C04-0995E95BC53B}"/>
-              </a:ext>
-            </a:extLst>
-          </p:cNvPr>
-          <p:cNvSpPr/>
-          <p:nvPr/>
-        </p:nvSpPr>
-        <p:spPr>
-          <a:xfrm>
-            <a:off x="3344160" y="1201918"/>
-            <a:ext cx="2738487" cy="3902696"/>
           </a:xfrm>
           <a:prstGeom prst="rect">
             <a:avLst/>
@@ -6916,16 +11288,55 @@
           <a:lstStyle/>
           <a:p>
             <a:pPr algn="ctr"/>
-            <a:endParaRPr lang="fr-FR"/>
-          </a:p>
-        </p:txBody>
-      </p:sp>
-      <p:sp>
-        <p:nvSpPr>
-          <p:cNvPr id="19" name="Rectangle 18">
-            <a:extLst>
-              <a:ext uri="{FF2B5EF4-FFF2-40B4-BE49-F238E27FC236}">
-                <a16:creationId xmlns:a16="http://schemas.microsoft.com/office/drawing/2014/main" id="{524C5683-5A24-4D07-A024-45C13A86B628}"/>
+            <a:r>
+              <a:rPr lang="fr-FR" dirty="0"/>
+              <a:t>Voir le stock</a:t>
+            </a:r>
+          </a:p>
+        </p:txBody>
+      </p:sp>
+      <p:sp>
+        <p:nvSpPr>
+          <p:cNvPr id="10" name="TextBox 9">
+            <a:extLst>
+              <a:ext uri="{FF2B5EF4-FFF2-40B4-BE49-F238E27FC236}">
+                <a16:creationId xmlns:a16="http://schemas.microsoft.com/office/drawing/2014/main" id="{A2618FA9-2FB4-4212-9147-BB526704050C}"/>
+              </a:ext>
+            </a:extLst>
+          </p:cNvPr>
+          <p:cNvSpPr txBox="1"/>
+          <p:nvPr/>
+        </p:nvSpPr>
+        <p:spPr>
+          <a:xfrm>
+            <a:off x="605673" y="2490438"/>
+            <a:ext cx="2234153" cy="646331"/>
+          </a:xfrm>
+          <a:prstGeom prst="rect">
+            <a:avLst/>
+          </a:prstGeom>
+          <a:noFill/>
+        </p:spPr>
+        <p:txBody>
+          <a:bodyPr wrap="square" rtlCol="0">
+            <a:spAutoFit/>
+          </a:bodyPr>
+          <a:lstStyle/>
+          <a:p>
+            <a:pPr algn="ctr"/>
+            <a:r>
+              <a:rPr lang="fr-FR" dirty="0"/>
+              <a:t>Gérer efficacement votre stock</a:t>
+            </a:r>
+          </a:p>
+        </p:txBody>
+      </p:sp>
+      <p:sp>
+        <p:nvSpPr>
+          <p:cNvPr id="18" name="Rectangle 17">
+            <a:extLst>
+              <a:ext uri="{FF2B5EF4-FFF2-40B4-BE49-F238E27FC236}">
+                <a16:creationId xmlns:a16="http://schemas.microsoft.com/office/drawing/2014/main" id="{7B6B94DD-5F63-4818-9C04-0995E95BC53B}"/>
               </a:ext>
             </a:extLst>
           </p:cNvPr>
@@ -6935,7 +11346,7 @@
         <p:spPr>
           <a:xfrm>
             <a:off x="3344160" y="1201918"/>
-            <a:ext cx="2738487" cy="523187"/>
+            <a:ext cx="2738487" cy="3902696"/>
           </a:xfrm>
           <a:prstGeom prst="rect">
             <a:avLst/>
@@ -6966,10 +11377,10 @@
       </p:sp>
       <p:sp>
         <p:nvSpPr>
-          <p:cNvPr id="20" name="Rectangle 19">
-            <a:extLst>
-              <a:ext uri="{FF2B5EF4-FFF2-40B4-BE49-F238E27FC236}">
-                <a16:creationId xmlns:a16="http://schemas.microsoft.com/office/drawing/2014/main" id="{4B2F2644-9C0E-442B-BD45-D9FA30EF1570}"/>
+          <p:cNvPr id="19" name="Rectangle 18">
+            <a:extLst>
+              <a:ext uri="{FF2B5EF4-FFF2-40B4-BE49-F238E27FC236}">
+                <a16:creationId xmlns:a16="http://schemas.microsoft.com/office/drawing/2014/main" id="{524C5683-5A24-4D07-A024-45C13A86B628}"/>
               </a:ext>
             </a:extLst>
           </p:cNvPr>
@@ -6978,8 +11389,8 @@
         </p:nvSpPr>
         <p:spPr>
           <a:xfrm>
-            <a:off x="3344160" y="4642701"/>
-            <a:ext cx="2738487" cy="461913"/>
+            <a:off x="3344160" y="1201918"/>
+            <a:ext cx="2738487" cy="523187"/>
           </a:xfrm>
           <a:prstGeom prst="rect">
             <a:avLst/>
@@ -7004,19 +11415,16 @@
           <a:lstStyle/>
           <a:p>
             <a:pPr algn="ctr"/>
-            <a:r>
-              <a:rPr lang="fr-FR" dirty="0"/>
-              <a:t>Mentions Légales</a:t>
-            </a:r>
-          </a:p>
-        </p:txBody>
-      </p:sp>
-      <p:sp>
-        <p:nvSpPr>
-          <p:cNvPr id="21" name="Rectangle 20">
-            <a:extLst>
-              <a:ext uri="{FF2B5EF4-FFF2-40B4-BE49-F238E27FC236}">
-                <a16:creationId xmlns:a16="http://schemas.microsoft.com/office/drawing/2014/main" id="{7D0DBB4D-16CF-45EE-AE8D-D20028FD3A86}"/>
+            <a:endParaRPr lang="fr-FR"/>
+          </a:p>
+        </p:txBody>
+      </p:sp>
+      <p:sp>
+        <p:nvSpPr>
+          <p:cNvPr id="20" name="Rectangle 19">
+            <a:extLst>
+              <a:ext uri="{FF2B5EF4-FFF2-40B4-BE49-F238E27FC236}">
+                <a16:creationId xmlns:a16="http://schemas.microsoft.com/office/drawing/2014/main" id="{4B2F2644-9C0E-442B-BD45-D9FA30EF1570}"/>
               </a:ext>
             </a:extLst>
           </p:cNvPr>
@@ -7025,124 +11433,8 @@
         </p:nvSpPr>
         <p:spPr>
           <a:xfrm>
-            <a:off x="3457282" y="1251408"/>
-            <a:ext cx="353506" cy="424206"/>
-          </a:xfrm>
-          <a:prstGeom prst="rect">
-            <a:avLst/>
-          </a:prstGeom>
-        </p:spPr>
-        <p:style>
-          <a:lnRef idx="2">
-            <a:schemeClr val="accent1">
-              <a:shade val="50000"/>
-            </a:schemeClr>
-          </a:lnRef>
-          <a:fillRef idx="1">
-            <a:schemeClr val="accent1"/>
-          </a:fillRef>
-          <a:effectRef idx="0">
-            <a:schemeClr val="accent1"/>
-          </a:effectRef>
-          <a:fontRef idx="minor">
-            <a:schemeClr val="lt1"/>
-          </a:fontRef>
-        </p:style>
-        <p:txBody>
-          <a:bodyPr rtlCol="0" anchor="ctr"/>
-          <a:lstStyle/>
-          <a:p>
-            <a:pPr algn="ctr"/>
-            <a:endParaRPr lang="fr-FR"/>
-          </a:p>
-        </p:txBody>
-      </p:sp>
-      <p:sp>
-        <p:nvSpPr>
-          <p:cNvPr id="22" name="TextBox 21">
-            <a:extLst>
-              <a:ext uri="{FF2B5EF4-FFF2-40B4-BE49-F238E27FC236}">
-                <a16:creationId xmlns:a16="http://schemas.microsoft.com/office/drawing/2014/main" id="{3E7F273A-57FF-4165-A284-75963150130C}"/>
-              </a:ext>
-            </a:extLst>
-          </p:cNvPr>
-          <p:cNvSpPr txBox="1"/>
-          <p:nvPr/>
-        </p:nvSpPr>
-        <p:spPr>
-          <a:xfrm>
-            <a:off x="3810788" y="1278845"/>
-            <a:ext cx="1463862" cy="369332"/>
-          </a:xfrm>
-          <a:prstGeom prst="rect">
-            <a:avLst/>
-          </a:prstGeom>
-          <a:noFill/>
-        </p:spPr>
-        <p:txBody>
-          <a:bodyPr wrap="none" rtlCol="0">
-            <a:spAutoFit/>
-          </a:bodyPr>
-          <a:lstStyle/>
-          <a:p>
-            <a:r>
-              <a:rPr lang="fr-FR" dirty="0"/>
-              <a:t>Gestion Stock</a:t>
-            </a:r>
-          </a:p>
-        </p:txBody>
-      </p:sp>
-      <p:sp>
-        <p:nvSpPr>
-          <p:cNvPr id="25" name="TextBox 24">
-            <a:extLst>
-              <a:ext uri="{FF2B5EF4-FFF2-40B4-BE49-F238E27FC236}">
-                <a16:creationId xmlns:a16="http://schemas.microsoft.com/office/drawing/2014/main" id="{DE7BFDDC-70FA-4595-AE73-2E4252DFAD5B}"/>
-              </a:ext>
-            </a:extLst>
-          </p:cNvPr>
-          <p:cNvSpPr txBox="1"/>
-          <p:nvPr/>
-        </p:nvSpPr>
-        <p:spPr>
-          <a:xfrm>
-            <a:off x="3810788" y="1845967"/>
-            <a:ext cx="1819729" cy="369332"/>
-          </a:xfrm>
-          <a:prstGeom prst="rect">
-            <a:avLst/>
-          </a:prstGeom>
-          <a:noFill/>
-        </p:spPr>
-        <p:txBody>
-          <a:bodyPr wrap="none" rtlCol="0">
-            <a:spAutoFit/>
-          </a:bodyPr>
-          <a:lstStyle/>
-          <a:p>
-            <a:r>
-              <a:rPr lang="fr-FR" dirty="0"/>
-              <a:t>Mentions Légales</a:t>
-            </a:r>
-          </a:p>
-        </p:txBody>
-      </p:sp>
-      <p:sp>
-        <p:nvSpPr>
-          <p:cNvPr id="26" name="Rectangle 25">
-            <a:extLst>
-              <a:ext uri="{FF2B5EF4-FFF2-40B4-BE49-F238E27FC236}">
-                <a16:creationId xmlns:a16="http://schemas.microsoft.com/office/drawing/2014/main" id="{BCACEC84-00CB-46D4-855C-54DC92219FED}"/>
-              </a:ext>
-            </a:extLst>
-          </p:cNvPr>
-          <p:cNvSpPr/>
-          <p:nvPr/>
-        </p:nvSpPr>
-        <p:spPr>
-          <a:xfrm>
-            <a:off x="3568045" y="2276573"/>
-            <a:ext cx="2361415" cy="3619893"/>
+            <a:off x="3344160" y="4642701"/>
+            <a:ext cx="2738487" cy="461913"/>
           </a:xfrm>
           <a:prstGeom prst="rect">
             <a:avLst/>
@@ -7168,19 +11460,18 @@
           <a:p>
             <a:pPr algn="ctr"/>
             <a:r>
-              <a:rPr lang="fr-FR" dirty="0" err="1"/>
-              <a:t>Text</a:t>
-            </a:r>
-            <a:endParaRPr lang="fr-FR" dirty="0"/>
-          </a:p>
-        </p:txBody>
-      </p:sp>
-      <p:sp>
-        <p:nvSpPr>
-          <p:cNvPr id="27" name="Rectangle 26">
-            <a:extLst>
-              <a:ext uri="{FF2B5EF4-FFF2-40B4-BE49-F238E27FC236}">
-                <a16:creationId xmlns:a16="http://schemas.microsoft.com/office/drawing/2014/main" id="{E3342D8E-A8DE-43D9-83DD-B6BD03DE7D44}"/>
+              <a:rPr lang="fr-FR" dirty="0"/>
+              <a:t>Mentions Légales</a:t>
+            </a:r>
+          </a:p>
+        </p:txBody>
+      </p:sp>
+      <p:sp>
+        <p:nvSpPr>
+          <p:cNvPr id="21" name="Rectangle 20">
+            <a:extLst>
+              <a:ext uri="{FF2B5EF4-FFF2-40B4-BE49-F238E27FC236}">
+                <a16:creationId xmlns:a16="http://schemas.microsoft.com/office/drawing/2014/main" id="{7D0DBB4D-16CF-45EE-AE8D-D20028FD3A86}"/>
               </a:ext>
             </a:extLst>
           </p:cNvPr>
@@ -7189,8 +11480,124 @@
         </p:nvSpPr>
         <p:spPr>
           <a:xfrm>
-            <a:off x="6262542" y="1201918"/>
-            <a:ext cx="2738487" cy="3902696"/>
+            <a:off x="3457282" y="1251408"/>
+            <a:ext cx="353506" cy="424206"/>
+          </a:xfrm>
+          <a:prstGeom prst="rect">
+            <a:avLst/>
+          </a:prstGeom>
+        </p:spPr>
+        <p:style>
+          <a:lnRef idx="2">
+            <a:schemeClr val="accent1">
+              <a:shade val="50000"/>
+            </a:schemeClr>
+          </a:lnRef>
+          <a:fillRef idx="1">
+            <a:schemeClr val="accent1"/>
+          </a:fillRef>
+          <a:effectRef idx="0">
+            <a:schemeClr val="accent1"/>
+          </a:effectRef>
+          <a:fontRef idx="minor">
+            <a:schemeClr val="lt1"/>
+          </a:fontRef>
+        </p:style>
+        <p:txBody>
+          <a:bodyPr rtlCol="0" anchor="ctr"/>
+          <a:lstStyle/>
+          <a:p>
+            <a:pPr algn="ctr"/>
+            <a:endParaRPr lang="fr-FR"/>
+          </a:p>
+        </p:txBody>
+      </p:sp>
+      <p:sp>
+        <p:nvSpPr>
+          <p:cNvPr id="22" name="TextBox 21">
+            <a:extLst>
+              <a:ext uri="{FF2B5EF4-FFF2-40B4-BE49-F238E27FC236}">
+                <a16:creationId xmlns:a16="http://schemas.microsoft.com/office/drawing/2014/main" id="{3E7F273A-57FF-4165-A284-75963150130C}"/>
+              </a:ext>
+            </a:extLst>
+          </p:cNvPr>
+          <p:cNvSpPr txBox="1"/>
+          <p:nvPr/>
+        </p:nvSpPr>
+        <p:spPr>
+          <a:xfrm>
+            <a:off x="3810788" y="1278845"/>
+            <a:ext cx="1463862" cy="369332"/>
+          </a:xfrm>
+          <a:prstGeom prst="rect">
+            <a:avLst/>
+          </a:prstGeom>
+          <a:noFill/>
+        </p:spPr>
+        <p:txBody>
+          <a:bodyPr wrap="none" rtlCol="0">
+            <a:spAutoFit/>
+          </a:bodyPr>
+          <a:lstStyle/>
+          <a:p>
+            <a:r>
+              <a:rPr lang="fr-FR" dirty="0"/>
+              <a:t>Gestion Stock</a:t>
+            </a:r>
+          </a:p>
+        </p:txBody>
+      </p:sp>
+      <p:sp>
+        <p:nvSpPr>
+          <p:cNvPr id="25" name="TextBox 24">
+            <a:extLst>
+              <a:ext uri="{FF2B5EF4-FFF2-40B4-BE49-F238E27FC236}">
+                <a16:creationId xmlns:a16="http://schemas.microsoft.com/office/drawing/2014/main" id="{DE7BFDDC-70FA-4595-AE73-2E4252DFAD5B}"/>
+              </a:ext>
+            </a:extLst>
+          </p:cNvPr>
+          <p:cNvSpPr txBox="1"/>
+          <p:nvPr/>
+        </p:nvSpPr>
+        <p:spPr>
+          <a:xfrm>
+            <a:off x="3810788" y="1845967"/>
+            <a:ext cx="1819729" cy="369332"/>
+          </a:xfrm>
+          <a:prstGeom prst="rect">
+            <a:avLst/>
+          </a:prstGeom>
+          <a:noFill/>
+        </p:spPr>
+        <p:txBody>
+          <a:bodyPr wrap="none" rtlCol="0">
+            <a:spAutoFit/>
+          </a:bodyPr>
+          <a:lstStyle/>
+          <a:p>
+            <a:r>
+              <a:rPr lang="fr-FR" dirty="0"/>
+              <a:t>Mentions Légales</a:t>
+            </a:r>
+          </a:p>
+        </p:txBody>
+      </p:sp>
+      <p:sp>
+        <p:nvSpPr>
+          <p:cNvPr id="26" name="Rectangle 25">
+            <a:extLst>
+              <a:ext uri="{FF2B5EF4-FFF2-40B4-BE49-F238E27FC236}">
+                <a16:creationId xmlns:a16="http://schemas.microsoft.com/office/drawing/2014/main" id="{BCACEC84-00CB-46D4-855C-54DC92219FED}"/>
+              </a:ext>
+            </a:extLst>
+          </p:cNvPr>
+          <p:cNvSpPr/>
+          <p:nvPr/>
+        </p:nvSpPr>
+        <p:spPr>
+          <a:xfrm>
+            <a:off x="3568045" y="2276573"/>
+            <a:ext cx="2361415" cy="3619893"/>
           </a:xfrm>
           <a:prstGeom prst="rect">
             <a:avLst/>
@@ -7215,16 +11622,20 @@
           <a:lstStyle/>
           <a:p>
             <a:pPr algn="ctr"/>
-            <a:endParaRPr lang="fr-FR"/>
-          </a:p>
-        </p:txBody>
-      </p:sp>
-      <p:sp>
-        <p:nvSpPr>
-          <p:cNvPr id="28" name="Rectangle 27">
-            <a:extLst>
-              <a:ext uri="{FF2B5EF4-FFF2-40B4-BE49-F238E27FC236}">
-                <a16:creationId xmlns:a16="http://schemas.microsoft.com/office/drawing/2014/main" id="{6143451B-68CD-47AE-83A7-97DB21AEF676}"/>
+            <a:r>
+              <a:rPr lang="fr-FR" dirty="0" err="1"/>
+              <a:t>Text</a:t>
+            </a:r>
+            <a:endParaRPr lang="fr-FR" dirty="0"/>
+          </a:p>
+        </p:txBody>
+      </p:sp>
+      <p:sp>
+        <p:nvSpPr>
+          <p:cNvPr id="27" name="Rectangle 26">
+            <a:extLst>
+              <a:ext uri="{FF2B5EF4-FFF2-40B4-BE49-F238E27FC236}">
+                <a16:creationId xmlns:a16="http://schemas.microsoft.com/office/drawing/2014/main" id="{E3342D8E-A8DE-43D9-83DD-B6BD03DE7D44}"/>
               </a:ext>
             </a:extLst>
           </p:cNvPr>
@@ -7234,7 +11645,7 @@
         <p:spPr>
           <a:xfrm>
             <a:off x="6262542" y="1201918"/>
-            <a:ext cx="2738487" cy="523187"/>
+            <a:ext cx="2738487" cy="3902696"/>
           </a:xfrm>
           <a:prstGeom prst="rect">
             <a:avLst/>
@@ -7265,10 +11676,10 @@
       </p:sp>
       <p:sp>
         <p:nvSpPr>
-          <p:cNvPr id="29" name="Rectangle 28">
-            <a:extLst>
-              <a:ext uri="{FF2B5EF4-FFF2-40B4-BE49-F238E27FC236}">
-                <a16:creationId xmlns:a16="http://schemas.microsoft.com/office/drawing/2014/main" id="{6D201384-998E-43E2-82A2-E65BC069CC5D}"/>
+          <p:cNvPr id="28" name="Rectangle 27">
+            <a:extLst>
+              <a:ext uri="{FF2B5EF4-FFF2-40B4-BE49-F238E27FC236}">
+                <a16:creationId xmlns:a16="http://schemas.microsoft.com/office/drawing/2014/main" id="{6143451B-68CD-47AE-83A7-97DB21AEF676}"/>
               </a:ext>
             </a:extLst>
           </p:cNvPr>
@@ -7277,8 +11688,8 @@
         </p:nvSpPr>
         <p:spPr>
           <a:xfrm>
-            <a:off x="6262542" y="4642701"/>
-            <a:ext cx="2738487" cy="461913"/>
+            <a:off x="6262542" y="1201918"/>
+            <a:ext cx="2738487" cy="523187"/>
           </a:xfrm>
           <a:prstGeom prst="rect">
             <a:avLst/>
@@ -7303,19 +11714,16 @@
           <a:lstStyle/>
           <a:p>
             <a:pPr algn="ctr"/>
-            <a:r>
-              <a:rPr lang="fr-FR" dirty="0"/>
-              <a:t>Mentions Légales</a:t>
-            </a:r>
-          </a:p>
-        </p:txBody>
-      </p:sp>
-      <p:sp>
-        <p:nvSpPr>
-          <p:cNvPr id="30" name="Rectangle 29">
-            <a:extLst>
-              <a:ext uri="{FF2B5EF4-FFF2-40B4-BE49-F238E27FC236}">
-                <a16:creationId xmlns:a16="http://schemas.microsoft.com/office/drawing/2014/main" id="{BA1E430F-9DAE-4CDA-B5B0-15AF6C8FA947}"/>
+            <a:endParaRPr lang="fr-FR"/>
+          </a:p>
+        </p:txBody>
+      </p:sp>
+      <p:sp>
+        <p:nvSpPr>
+          <p:cNvPr id="29" name="Rectangle 28">
+            <a:extLst>
+              <a:ext uri="{FF2B5EF4-FFF2-40B4-BE49-F238E27FC236}">
+                <a16:creationId xmlns:a16="http://schemas.microsoft.com/office/drawing/2014/main" id="{6D201384-998E-43E2-82A2-E65BC069CC5D}"/>
               </a:ext>
             </a:extLst>
           </p:cNvPr>
@@ -7324,124 +11732,8 @@
         </p:nvSpPr>
         <p:spPr>
           <a:xfrm>
-            <a:off x="6375664" y="1251408"/>
-            <a:ext cx="353506" cy="424206"/>
-          </a:xfrm>
-          <a:prstGeom prst="rect">
-            <a:avLst/>
-          </a:prstGeom>
-        </p:spPr>
-        <p:style>
-          <a:lnRef idx="2">
-            <a:schemeClr val="accent1">
-              <a:shade val="50000"/>
-            </a:schemeClr>
-          </a:lnRef>
-          <a:fillRef idx="1">
-            <a:schemeClr val="accent1"/>
-          </a:fillRef>
-          <a:effectRef idx="0">
-            <a:schemeClr val="accent1"/>
-          </a:effectRef>
-          <a:fontRef idx="minor">
-            <a:schemeClr val="lt1"/>
-          </a:fontRef>
-        </p:style>
-        <p:txBody>
-          <a:bodyPr rtlCol="0" anchor="ctr"/>
-          <a:lstStyle/>
-          <a:p>
-            <a:pPr algn="ctr"/>
-            <a:endParaRPr lang="fr-FR"/>
-          </a:p>
-        </p:txBody>
-      </p:sp>
-      <p:sp>
-        <p:nvSpPr>
-          <p:cNvPr id="31" name="TextBox 30">
-            <a:extLst>
-              <a:ext uri="{FF2B5EF4-FFF2-40B4-BE49-F238E27FC236}">
-                <a16:creationId xmlns:a16="http://schemas.microsoft.com/office/drawing/2014/main" id="{A62BD80B-072E-48E6-B64D-4F734666102F}"/>
-              </a:ext>
-            </a:extLst>
-          </p:cNvPr>
-          <p:cNvSpPr txBox="1"/>
-          <p:nvPr/>
-        </p:nvSpPr>
-        <p:spPr>
-          <a:xfrm>
-            <a:off x="6729170" y="1278845"/>
-            <a:ext cx="1463862" cy="369332"/>
-          </a:xfrm>
-          <a:prstGeom prst="rect">
-            <a:avLst/>
-          </a:prstGeom>
-          <a:noFill/>
-        </p:spPr>
-        <p:txBody>
-          <a:bodyPr wrap="none" rtlCol="0">
-            <a:spAutoFit/>
-          </a:bodyPr>
-          <a:lstStyle/>
-          <a:p>
-            <a:r>
-              <a:rPr lang="fr-FR" dirty="0"/>
-              <a:t>Gestion Stock</a:t>
-            </a:r>
-          </a:p>
-        </p:txBody>
-      </p:sp>
-      <p:sp>
-        <p:nvSpPr>
-          <p:cNvPr id="32" name="TextBox 31">
-            <a:extLst>
-              <a:ext uri="{FF2B5EF4-FFF2-40B4-BE49-F238E27FC236}">
-                <a16:creationId xmlns:a16="http://schemas.microsoft.com/office/drawing/2014/main" id="{542C1235-44A9-4F6B-86E4-62E5C2AE37D0}"/>
-              </a:ext>
-            </a:extLst>
-          </p:cNvPr>
-          <p:cNvSpPr txBox="1"/>
-          <p:nvPr/>
-        </p:nvSpPr>
-        <p:spPr>
-          <a:xfrm>
-            <a:off x="6729170" y="1845967"/>
-            <a:ext cx="1819729" cy="369332"/>
-          </a:xfrm>
-          <a:prstGeom prst="rect">
-            <a:avLst/>
-          </a:prstGeom>
-          <a:noFill/>
-        </p:spPr>
-        <p:txBody>
-          <a:bodyPr wrap="none" rtlCol="0">
-            <a:spAutoFit/>
-          </a:bodyPr>
-          <a:lstStyle/>
-          <a:p>
-            <a:r>
-              <a:rPr lang="fr-FR" dirty="0"/>
-              <a:t>Mentions Légales</a:t>
-            </a:r>
-          </a:p>
-        </p:txBody>
-      </p:sp>
-      <p:sp>
-        <p:nvSpPr>
-          <p:cNvPr id="34" name="Rectangle 33">
-            <a:extLst>
-              <a:ext uri="{FF2B5EF4-FFF2-40B4-BE49-F238E27FC236}">
-                <a16:creationId xmlns:a16="http://schemas.microsoft.com/office/drawing/2014/main" id="{AD60C46F-8434-400B-8E7E-7FC2EAFAAC38}"/>
-              </a:ext>
-            </a:extLst>
-          </p:cNvPr>
-          <p:cNvSpPr/>
-          <p:nvPr/>
-        </p:nvSpPr>
-        <p:spPr>
-          <a:xfrm>
-            <a:off x="9251622" y="1201918"/>
-            <a:ext cx="2738487" cy="3902696"/>
+            <a:off x="6262542" y="4642701"/>
+            <a:ext cx="2738487" cy="461913"/>
           </a:xfrm>
           <a:prstGeom prst="rect">
             <a:avLst/>
@@ -7466,16 +11758,135 @@
           <a:lstStyle/>
           <a:p>
             <a:pPr algn="ctr"/>
+            <a:r>
+              <a:rPr lang="fr-FR" dirty="0"/>
+              <a:t>Mentions Légales</a:t>
+            </a:r>
+          </a:p>
+        </p:txBody>
+      </p:sp>
+      <p:sp>
+        <p:nvSpPr>
+          <p:cNvPr id="30" name="Rectangle 29">
+            <a:extLst>
+              <a:ext uri="{FF2B5EF4-FFF2-40B4-BE49-F238E27FC236}">
+                <a16:creationId xmlns:a16="http://schemas.microsoft.com/office/drawing/2014/main" id="{BA1E430F-9DAE-4CDA-B5B0-15AF6C8FA947}"/>
+              </a:ext>
+            </a:extLst>
+          </p:cNvPr>
+          <p:cNvSpPr/>
+          <p:nvPr/>
+        </p:nvSpPr>
+        <p:spPr>
+          <a:xfrm>
+            <a:off x="6375664" y="1251408"/>
+            <a:ext cx="353506" cy="424206"/>
+          </a:xfrm>
+          <a:prstGeom prst="rect">
+            <a:avLst/>
+          </a:prstGeom>
+        </p:spPr>
+        <p:style>
+          <a:lnRef idx="2">
+            <a:schemeClr val="accent1">
+              <a:shade val="50000"/>
+            </a:schemeClr>
+          </a:lnRef>
+          <a:fillRef idx="1">
+            <a:schemeClr val="accent1"/>
+          </a:fillRef>
+          <a:effectRef idx="0">
+            <a:schemeClr val="accent1"/>
+          </a:effectRef>
+          <a:fontRef idx="minor">
+            <a:schemeClr val="lt1"/>
+          </a:fontRef>
+        </p:style>
+        <p:txBody>
+          <a:bodyPr rtlCol="0" anchor="ctr"/>
+          <a:lstStyle/>
+          <a:p>
+            <a:pPr algn="ctr"/>
             <a:endParaRPr lang="fr-FR"/>
           </a:p>
         </p:txBody>
       </p:sp>
       <p:sp>
         <p:nvSpPr>
-          <p:cNvPr id="35" name="Rectangle 34">
-            <a:extLst>
-              <a:ext uri="{FF2B5EF4-FFF2-40B4-BE49-F238E27FC236}">
-                <a16:creationId xmlns:a16="http://schemas.microsoft.com/office/drawing/2014/main" id="{A10C1780-1B21-45EA-BDD8-0986B53B1031}"/>
+          <p:cNvPr id="31" name="TextBox 30">
+            <a:extLst>
+              <a:ext uri="{FF2B5EF4-FFF2-40B4-BE49-F238E27FC236}">
+                <a16:creationId xmlns:a16="http://schemas.microsoft.com/office/drawing/2014/main" id="{A62BD80B-072E-48E6-B64D-4F734666102F}"/>
+              </a:ext>
+            </a:extLst>
+          </p:cNvPr>
+          <p:cNvSpPr txBox="1"/>
+          <p:nvPr/>
+        </p:nvSpPr>
+        <p:spPr>
+          <a:xfrm>
+            <a:off x="6729170" y="1278845"/>
+            <a:ext cx="1463862" cy="369332"/>
+          </a:xfrm>
+          <a:prstGeom prst="rect">
+            <a:avLst/>
+          </a:prstGeom>
+          <a:noFill/>
+        </p:spPr>
+        <p:txBody>
+          <a:bodyPr wrap="none" rtlCol="0">
+            <a:spAutoFit/>
+          </a:bodyPr>
+          <a:lstStyle/>
+          <a:p>
+            <a:r>
+              <a:rPr lang="fr-FR" dirty="0"/>
+              <a:t>Gestion Stock</a:t>
+            </a:r>
+          </a:p>
+        </p:txBody>
+      </p:sp>
+      <p:sp>
+        <p:nvSpPr>
+          <p:cNvPr id="32" name="TextBox 31">
+            <a:extLst>
+              <a:ext uri="{FF2B5EF4-FFF2-40B4-BE49-F238E27FC236}">
+                <a16:creationId xmlns:a16="http://schemas.microsoft.com/office/drawing/2014/main" id="{542C1235-44A9-4F6B-86E4-62E5C2AE37D0}"/>
+              </a:ext>
+            </a:extLst>
+          </p:cNvPr>
+          <p:cNvSpPr txBox="1"/>
+          <p:nvPr/>
+        </p:nvSpPr>
+        <p:spPr>
+          <a:xfrm>
+            <a:off x="6729170" y="1845967"/>
+            <a:ext cx="1721690" cy="369332"/>
+          </a:xfrm>
+          <a:prstGeom prst="rect">
+            <a:avLst/>
+          </a:prstGeom>
+          <a:noFill/>
+        </p:spPr>
+        <p:txBody>
+          <a:bodyPr wrap="none" rtlCol="0">
+            <a:spAutoFit/>
+          </a:bodyPr>
+          <a:lstStyle/>
+          <a:p>
+            <a:r>
+              <a:rPr lang="fr-FR" dirty="0"/>
+              <a:t>Liste des articles</a:t>
+            </a:r>
+          </a:p>
+        </p:txBody>
+      </p:sp>
+      <p:sp>
+        <p:nvSpPr>
+          <p:cNvPr id="34" name="Rectangle 33">
+            <a:extLst>
+              <a:ext uri="{FF2B5EF4-FFF2-40B4-BE49-F238E27FC236}">
+                <a16:creationId xmlns:a16="http://schemas.microsoft.com/office/drawing/2014/main" id="{AD60C46F-8434-400B-8E7E-7FC2EAFAAC38}"/>
               </a:ext>
             </a:extLst>
           </p:cNvPr>
@@ -7485,7 +11896,7 @@
         <p:spPr>
           <a:xfrm>
             <a:off x="9251622" y="1201918"/>
-            <a:ext cx="2738487" cy="523187"/>
+            <a:ext cx="2738487" cy="3902696"/>
           </a:xfrm>
           <a:prstGeom prst="rect">
             <a:avLst/>
@@ -7516,10 +11927,10 @@
       </p:sp>
       <p:sp>
         <p:nvSpPr>
-          <p:cNvPr id="36" name="Rectangle 35">
-            <a:extLst>
-              <a:ext uri="{FF2B5EF4-FFF2-40B4-BE49-F238E27FC236}">
-                <a16:creationId xmlns:a16="http://schemas.microsoft.com/office/drawing/2014/main" id="{D07C6758-472B-4268-A187-8FDF81205481}"/>
+          <p:cNvPr id="35" name="Rectangle 34">
+            <a:extLst>
+              <a:ext uri="{FF2B5EF4-FFF2-40B4-BE49-F238E27FC236}">
+                <a16:creationId xmlns:a16="http://schemas.microsoft.com/office/drawing/2014/main" id="{A10C1780-1B21-45EA-BDD8-0986B53B1031}"/>
               </a:ext>
             </a:extLst>
           </p:cNvPr>
@@ -7528,8 +11939,8 @@
         </p:nvSpPr>
         <p:spPr>
           <a:xfrm>
-            <a:off x="9251622" y="4642701"/>
-            <a:ext cx="2738487" cy="461913"/>
+            <a:off x="9251622" y="1201918"/>
+            <a:ext cx="2738487" cy="523187"/>
           </a:xfrm>
           <a:prstGeom prst="rect">
             <a:avLst/>
@@ -7554,6 +11965,50 @@
           <a:lstStyle/>
           <a:p>
             <a:pPr algn="ctr"/>
+            <a:endParaRPr lang="fr-FR"/>
+          </a:p>
+        </p:txBody>
+      </p:sp>
+      <p:sp>
+        <p:nvSpPr>
+          <p:cNvPr id="36" name="Rectangle 35">
+            <a:extLst>
+              <a:ext uri="{FF2B5EF4-FFF2-40B4-BE49-F238E27FC236}">
+                <a16:creationId xmlns:a16="http://schemas.microsoft.com/office/drawing/2014/main" id="{D07C6758-472B-4268-A187-8FDF81205481}"/>
+              </a:ext>
+            </a:extLst>
+          </p:cNvPr>
+          <p:cNvSpPr/>
+          <p:nvPr/>
+        </p:nvSpPr>
+        <p:spPr>
+          <a:xfrm>
+            <a:off x="9251622" y="4642701"/>
+            <a:ext cx="2738487" cy="461913"/>
+          </a:xfrm>
+          <a:prstGeom prst="rect">
+            <a:avLst/>
+          </a:prstGeom>
+        </p:spPr>
+        <p:style>
+          <a:lnRef idx="2">
+            <a:schemeClr val="dk1"/>
+          </a:lnRef>
+          <a:fillRef idx="1">
+            <a:schemeClr val="lt1"/>
+          </a:fillRef>
+          <a:effectRef idx="0">
+            <a:schemeClr val="dk1"/>
+          </a:effectRef>
+          <a:fontRef idx="minor">
+            <a:schemeClr val="dk1"/>
+          </a:fontRef>
+        </p:style>
+        <p:txBody>
+          <a:bodyPr rtlCol="0" anchor="ctr"/>
+          <a:lstStyle/>
+          <a:p>
+            <a:pPr algn="ctr"/>
             <a:r>
               <a:rPr lang="fr-FR" dirty="0"/>
               <a:t>Mentions Légales</a:t>
@@ -7783,7 +12238,7 @@
         </p:nvSpPr>
         <p:spPr>
           <a:xfrm>
-            <a:off x="6898065" y="2446256"/>
+            <a:off x="6889616" y="2435650"/>
             <a:ext cx="271809" cy="273377"/>
           </a:xfrm>
           <a:prstGeom prst="rect">
@@ -7829,7 +12284,7 @@
         </p:nvSpPr>
         <p:spPr>
           <a:xfrm>
-            <a:off x="7318731" y="2446256"/>
+            <a:off x="7325196" y="2435649"/>
             <a:ext cx="271809" cy="273377"/>
           </a:xfrm>
           <a:prstGeom prst="rect">
@@ -8091,6 +12546,300 @@
               <a:rPr lang="fr-FR" dirty="0"/>
               <a:t>+Ajouter</a:t>
             </a:r>
+          </a:p>
+        </p:txBody>
+      </p:sp>
+      <p:sp>
+        <p:nvSpPr>
+          <p:cNvPr id="2" name="TextBox 1">
+            <a:extLst>
+              <a:ext uri="{FF2B5EF4-FFF2-40B4-BE49-F238E27FC236}">
+                <a16:creationId xmlns:a16="http://schemas.microsoft.com/office/drawing/2014/main" id="{AE617CCC-5D5C-4458-A71A-DEF0D173F5D5}"/>
+              </a:ext>
+            </a:extLst>
+          </p:cNvPr>
+          <p:cNvSpPr txBox="1"/>
+          <p:nvPr/>
+        </p:nvSpPr>
+        <p:spPr>
+          <a:xfrm>
+            <a:off x="1159497" y="664590"/>
+            <a:ext cx="274434" cy="369332"/>
+          </a:xfrm>
+          <a:prstGeom prst="rect">
+            <a:avLst/>
+          </a:prstGeom>
+          <a:noFill/>
+        </p:spPr>
+        <p:txBody>
+          <a:bodyPr wrap="none" rtlCol="0">
+            <a:spAutoFit/>
+          </a:bodyPr>
+          <a:lstStyle/>
+          <a:p>
+            <a:r>
+              <a:rPr lang="fr-FR" dirty="0"/>
+              <a:t>/</a:t>
+            </a:r>
+          </a:p>
+        </p:txBody>
+      </p:sp>
+      <p:sp>
+        <p:nvSpPr>
+          <p:cNvPr id="3" name="TextBox 2">
+            <a:extLst>
+              <a:ext uri="{FF2B5EF4-FFF2-40B4-BE49-F238E27FC236}">
+                <a16:creationId xmlns:a16="http://schemas.microsoft.com/office/drawing/2014/main" id="{54BC6BAE-62E4-4304-808F-0B01B7738C29}"/>
+              </a:ext>
+            </a:extLst>
+          </p:cNvPr>
+          <p:cNvSpPr txBox="1"/>
+          <p:nvPr/>
+        </p:nvSpPr>
+        <p:spPr>
+          <a:xfrm>
+            <a:off x="3810788" y="697584"/>
+            <a:ext cx="710964" cy="369332"/>
+          </a:xfrm>
+          <a:prstGeom prst="rect">
+            <a:avLst/>
+          </a:prstGeom>
+          <a:noFill/>
+        </p:spPr>
+        <p:txBody>
+          <a:bodyPr wrap="none" rtlCol="0">
+            <a:spAutoFit/>
+          </a:bodyPr>
+          <a:lstStyle/>
+          <a:p>
+            <a:r>
+              <a:rPr lang="fr-FR" dirty="0"/>
+              <a:t>/</a:t>
+            </a:r>
+            <a:r>
+              <a:rPr lang="fr-FR" dirty="0" err="1"/>
+              <a:t>legal</a:t>
+            </a:r>
+            <a:endParaRPr lang="fr-FR" dirty="0"/>
+          </a:p>
+        </p:txBody>
+      </p:sp>
+      <p:sp>
+        <p:nvSpPr>
+          <p:cNvPr id="11" name="TextBox 10">
+            <a:extLst>
+              <a:ext uri="{FF2B5EF4-FFF2-40B4-BE49-F238E27FC236}">
+                <a16:creationId xmlns:a16="http://schemas.microsoft.com/office/drawing/2014/main" id="{22971F0D-32A7-4A18-8F90-7F84A50B2342}"/>
+              </a:ext>
+            </a:extLst>
+          </p:cNvPr>
+          <p:cNvSpPr txBox="1"/>
+          <p:nvPr/>
+        </p:nvSpPr>
+        <p:spPr>
+          <a:xfrm>
+            <a:off x="6980548" y="796565"/>
+            <a:ext cx="764953" cy="369332"/>
+          </a:xfrm>
+          <a:prstGeom prst="rect">
+            <a:avLst/>
+          </a:prstGeom>
+          <a:noFill/>
+        </p:spPr>
+        <p:txBody>
+          <a:bodyPr wrap="none" rtlCol="0">
+            <a:spAutoFit/>
+          </a:bodyPr>
+          <a:lstStyle/>
+          <a:p>
+            <a:r>
+              <a:rPr lang="fr-FR" dirty="0"/>
+              <a:t>/stock</a:t>
+            </a:r>
+          </a:p>
+        </p:txBody>
+      </p:sp>
+      <p:sp>
+        <p:nvSpPr>
+          <p:cNvPr id="12" name="TextBox 11">
+            <a:extLst>
+              <a:ext uri="{FF2B5EF4-FFF2-40B4-BE49-F238E27FC236}">
+                <a16:creationId xmlns:a16="http://schemas.microsoft.com/office/drawing/2014/main" id="{9B80CCEE-A9D0-4C27-9CFE-673A57312DEC}"/>
+              </a:ext>
+            </a:extLst>
+          </p:cNvPr>
+          <p:cNvSpPr txBox="1"/>
+          <p:nvPr/>
+        </p:nvSpPr>
+        <p:spPr>
+          <a:xfrm>
+            <a:off x="9836870" y="796565"/>
+            <a:ext cx="1208985" cy="369332"/>
+          </a:xfrm>
+          <a:prstGeom prst="rect">
+            <a:avLst/>
+          </a:prstGeom>
+          <a:noFill/>
+        </p:spPr>
+        <p:txBody>
+          <a:bodyPr wrap="none" rtlCol="0">
+            <a:spAutoFit/>
+          </a:bodyPr>
+          <a:lstStyle/>
+          <a:p>
+            <a:r>
+              <a:rPr lang="fr-FR" dirty="0"/>
+              <a:t>/stock/</a:t>
+            </a:r>
+            <a:r>
+              <a:rPr lang="fr-FR" dirty="0" err="1"/>
+              <a:t>add</a:t>
+            </a:r>
+            <a:endParaRPr lang="fr-FR" dirty="0"/>
+          </a:p>
+        </p:txBody>
+      </p:sp>
+      <p:sp>
+        <p:nvSpPr>
+          <p:cNvPr id="13" name="TextBox 12">
+            <a:extLst>
+              <a:ext uri="{FF2B5EF4-FFF2-40B4-BE49-F238E27FC236}">
+                <a16:creationId xmlns:a16="http://schemas.microsoft.com/office/drawing/2014/main" id="{2AA3E5F4-47AB-421A-B69C-3E988412FC3C}"/>
+              </a:ext>
+            </a:extLst>
+          </p:cNvPr>
+          <p:cNvSpPr txBox="1"/>
+          <p:nvPr/>
+        </p:nvSpPr>
+        <p:spPr>
+          <a:xfrm>
+            <a:off x="782426" y="5606592"/>
+            <a:ext cx="1443600" cy="369332"/>
+          </a:xfrm>
+          <a:prstGeom prst="rect">
+            <a:avLst/>
+          </a:prstGeom>
+          <a:noFill/>
+        </p:spPr>
+        <p:txBody>
+          <a:bodyPr wrap="none" rtlCol="0">
+            <a:spAutoFit/>
+          </a:bodyPr>
+          <a:lstStyle/>
+          <a:p>
+            <a:r>
+              <a:rPr lang="fr-FR" dirty="0" err="1"/>
+              <a:t>AppHome.tsx</a:t>
+            </a:r>
+            <a:endParaRPr lang="fr-FR" dirty="0"/>
+          </a:p>
+        </p:txBody>
+      </p:sp>
+      <p:sp>
+        <p:nvSpPr>
+          <p:cNvPr id="14" name="TextBox 13">
+            <a:extLst>
+              <a:ext uri="{FF2B5EF4-FFF2-40B4-BE49-F238E27FC236}">
+                <a16:creationId xmlns:a16="http://schemas.microsoft.com/office/drawing/2014/main" id="{A1BDB90B-C062-4CEB-BAD1-0CA5AA38EE07}"/>
+              </a:ext>
+            </a:extLst>
+          </p:cNvPr>
+          <p:cNvSpPr txBox="1"/>
+          <p:nvPr/>
+        </p:nvSpPr>
+        <p:spPr>
+          <a:xfrm>
+            <a:off x="4053526" y="6108569"/>
+            <a:ext cx="1359155" cy="369332"/>
+          </a:xfrm>
+          <a:prstGeom prst="rect">
+            <a:avLst/>
+          </a:prstGeom>
+          <a:noFill/>
+        </p:spPr>
+        <p:txBody>
+          <a:bodyPr wrap="none" rtlCol="0">
+            <a:spAutoFit/>
+          </a:bodyPr>
+          <a:lstStyle/>
+          <a:p>
+            <a:r>
+              <a:rPr lang="fr-FR" dirty="0" err="1"/>
+              <a:t>AppLegal.tsx</a:t>
+            </a:r>
+            <a:endParaRPr lang="fr-FR" dirty="0"/>
+          </a:p>
+        </p:txBody>
+      </p:sp>
+      <p:sp>
+        <p:nvSpPr>
+          <p:cNvPr id="50" name="TextBox 49">
+            <a:extLst>
+              <a:ext uri="{FF2B5EF4-FFF2-40B4-BE49-F238E27FC236}">
+                <a16:creationId xmlns:a16="http://schemas.microsoft.com/office/drawing/2014/main" id="{DA0CE9F8-855B-4915-B5EB-763A0E06DED4}"/>
+              </a:ext>
+            </a:extLst>
+          </p:cNvPr>
+          <p:cNvSpPr txBox="1"/>
+          <p:nvPr/>
+        </p:nvSpPr>
+        <p:spPr>
+          <a:xfrm>
+            <a:off x="6833877" y="5324964"/>
+            <a:ext cx="1382045" cy="369332"/>
+          </a:xfrm>
+          <a:prstGeom prst="rect">
+            <a:avLst/>
+          </a:prstGeom>
+          <a:noFill/>
+        </p:spPr>
+        <p:txBody>
+          <a:bodyPr wrap="none" rtlCol="0">
+            <a:spAutoFit/>
+          </a:bodyPr>
+          <a:lstStyle/>
+          <a:p>
+            <a:r>
+              <a:rPr lang="fr-FR" dirty="0" err="1"/>
+              <a:t>AppStock.tsx</a:t>
+            </a:r>
+            <a:endParaRPr lang="fr-FR" dirty="0"/>
+          </a:p>
+        </p:txBody>
+      </p:sp>
+      <p:sp>
+        <p:nvSpPr>
+          <p:cNvPr id="51" name="TextBox 50">
+            <a:extLst>
+              <a:ext uri="{FF2B5EF4-FFF2-40B4-BE49-F238E27FC236}">
+                <a16:creationId xmlns:a16="http://schemas.microsoft.com/office/drawing/2014/main" id="{2ECE0F11-29BB-4C41-B3DC-FF1D356A1E89}"/>
+              </a:ext>
+            </a:extLst>
+          </p:cNvPr>
+          <p:cNvSpPr txBox="1"/>
+          <p:nvPr/>
+        </p:nvSpPr>
+        <p:spPr>
+          <a:xfrm>
+            <a:off x="9750339" y="5262514"/>
+            <a:ext cx="1758751" cy="369332"/>
+          </a:xfrm>
+          <a:prstGeom prst="rect">
+            <a:avLst/>
+          </a:prstGeom>
+          <a:noFill/>
+        </p:spPr>
+        <p:txBody>
+          <a:bodyPr wrap="none" rtlCol="0">
+            <a:spAutoFit/>
+          </a:bodyPr>
+          <a:lstStyle/>
+          <a:p>
+            <a:r>
+              <a:rPr lang="fr-FR" dirty="0" err="1"/>
+              <a:t>AppStockAdd.tsx</a:t>
+            </a:r>
+            <a:endParaRPr lang="fr-FR" dirty="0"/>
           </a:p>
         </p:txBody>
       </p:sp>

--- a/notes.pptx
+++ b/notes.pptx
@@ -27,6 +27,7 @@
     <p:sldId id="275" r:id="rId21"/>
     <p:sldId id="276" r:id="rId22"/>
     <p:sldId id="277" r:id="rId23"/>
+    <p:sldId id="278" r:id="rId24"/>
   </p:sldIdLst>
   <p:sldSz cx="12192000" cy="6858000"/>
   <p:notesSz cx="6858000" cy="9144000"/>
@@ -282,7 +283,7 @@
           <a:p>
             <a:fld id="{82B64342-452D-41C5-B5B7-9DDCE6987F55}" type="datetimeFigureOut">
               <a:rPr lang="fr-FR" smtClean="0"/>
-              <a:t>30/11/2021</a:t>
+              <a:t>01/12/2021</a:t>
             </a:fld>
             <a:endParaRPr lang="fr-FR"/>
           </a:p>
@@ -482,7 +483,7 @@
           <a:p>
             <a:fld id="{82B64342-452D-41C5-B5B7-9DDCE6987F55}" type="datetimeFigureOut">
               <a:rPr lang="fr-FR" smtClean="0"/>
-              <a:t>30/11/2021</a:t>
+              <a:t>01/12/2021</a:t>
             </a:fld>
             <a:endParaRPr lang="fr-FR"/>
           </a:p>
@@ -692,7 +693,7 @@
           <a:p>
             <a:fld id="{82B64342-452D-41C5-B5B7-9DDCE6987F55}" type="datetimeFigureOut">
               <a:rPr lang="fr-FR" smtClean="0"/>
-              <a:t>30/11/2021</a:t>
+              <a:t>01/12/2021</a:t>
             </a:fld>
             <a:endParaRPr lang="fr-FR"/>
           </a:p>
@@ -892,7 +893,7 @@
           <a:p>
             <a:fld id="{82B64342-452D-41C5-B5B7-9DDCE6987F55}" type="datetimeFigureOut">
               <a:rPr lang="fr-FR" smtClean="0"/>
-              <a:t>30/11/2021</a:t>
+              <a:t>01/12/2021</a:t>
             </a:fld>
             <a:endParaRPr lang="fr-FR"/>
           </a:p>
@@ -1168,7 +1169,7 @@
           <a:p>
             <a:fld id="{82B64342-452D-41C5-B5B7-9DDCE6987F55}" type="datetimeFigureOut">
               <a:rPr lang="fr-FR" smtClean="0"/>
-              <a:t>30/11/2021</a:t>
+              <a:t>01/12/2021</a:t>
             </a:fld>
             <a:endParaRPr lang="fr-FR"/>
           </a:p>
@@ -1436,7 +1437,7 @@
           <a:p>
             <a:fld id="{82B64342-452D-41C5-B5B7-9DDCE6987F55}" type="datetimeFigureOut">
               <a:rPr lang="fr-FR" smtClean="0"/>
-              <a:t>30/11/2021</a:t>
+              <a:t>01/12/2021</a:t>
             </a:fld>
             <a:endParaRPr lang="fr-FR"/>
           </a:p>
@@ -1851,7 +1852,7 @@
           <a:p>
             <a:fld id="{82B64342-452D-41C5-B5B7-9DDCE6987F55}" type="datetimeFigureOut">
               <a:rPr lang="fr-FR" smtClean="0"/>
-              <a:t>30/11/2021</a:t>
+              <a:t>01/12/2021</a:t>
             </a:fld>
             <a:endParaRPr lang="fr-FR"/>
           </a:p>
@@ -1993,7 +1994,7 @@
           <a:p>
             <a:fld id="{82B64342-452D-41C5-B5B7-9DDCE6987F55}" type="datetimeFigureOut">
               <a:rPr lang="fr-FR" smtClean="0"/>
-              <a:t>30/11/2021</a:t>
+              <a:t>01/12/2021</a:t>
             </a:fld>
             <a:endParaRPr lang="fr-FR"/>
           </a:p>
@@ -2106,7 +2107,7 @@
           <a:p>
             <a:fld id="{82B64342-452D-41C5-B5B7-9DDCE6987F55}" type="datetimeFigureOut">
               <a:rPr lang="fr-FR" smtClean="0"/>
-              <a:t>30/11/2021</a:t>
+              <a:t>01/12/2021</a:t>
             </a:fld>
             <a:endParaRPr lang="fr-FR"/>
           </a:p>
@@ -2419,7 +2420,7 @@
           <a:p>
             <a:fld id="{82B64342-452D-41C5-B5B7-9DDCE6987F55}" type="datetimeFigureOut">
               <a:rPr lang="fr-FR" smtClean="0"/>
-              <a:t>30/11/2021</a:t>
+              <a:t>01/12/2021</a:t>
             </a:fld>
             <a:endParaRPr lang="fr-FR"/>
           </a:p>
@@ -2708,7 +2709,7 @@
           <a:p>
             <a:fld id="{82B64342-452D-41C5-B5B7-9DDCE6987F55}" type="datetimeFigureOut">
               <a:rPr lang="fr-FR" smtClean="0"/>
-              <a:t>30/11/2021</a:t>
+              <a:t>01/12/2021</a:t>
             </a:fld>
             <a:endParaRPr lang="fr-FR"/>
           </a:p>
@@ -2951,7 +2952,7 @@
           <a:p>
             <a:fld id="{82B64342-452D-41C5-B5B7-9DDCE6987F55}" type="datetimeFigureOut">
               <a:rPr lang="fr-FR" smtClean="0"/>
-              <a:t>30/11/2021</a:t>
+              <a:t>01/12/2021</a:t>
             </a:fld>
             <a:endParaRPr lang="fr-FR"/>
           </a:p>
@@ -9706,7 +9707,7 @@
         </p:nvSpPr>
         <p:spPr>
           <a:xfrm>
-            <a:off x="9073299" y="3068425"/>
+            <a:off x="8761925" y="2911386"/>
             <a:ext cx="868507" cy="369332"/>
           </a:xfrm>
           <a:prstGeom prst="rect">
@@ -10184,10 +10185,197 @@
           </a:p>
         </p:txBody>
       </p:sp>
+      <p:cxnSp>
+        <p:nvCxnSpPr>
+          <p:cNvPr id="31" name="Straight Connector 30">
+            <a:extLst>
+              <a:ext uri="{FF2B5EF4-FFF2-40B4-BE49-F238E27FC236}">
+                <a16:creationId xmlns:a16="http://schemas.microsoft.com/office/drawing/2014/main" id="{8251258E-F87D-4EF6-919C-E8161E289EF7}"/>
+              </a:ext>
+            </a:extLst>
+          </p:cNvPr>
+          <p:cNvCxnSpPr/>
+          <p:nvPr/>
+        </p:nvCxnSpPr>
+        <p:spPr>
+          <a:xfrm>
+            <a:off x="9726891" y="2201159"/>
+            <a:ext cx="0" cy="748199"/>
+          </a:xfrm>
+          <a:prstGeom prst="line">
+            <a:avLst/>
+          </a:prstGeom>
+          <a:ln w="76200"/>
+        </p:spPr>
+        <p:style>
+          <a:lnRef idx="1">
+            <a:schemeClr val="accent1"/>
+          </a:lnRef>
+          <a:fillRef idx="0">
+            <a:schemeClr val="accent1"/>
+          </a:fillRef>
+          <a:effectRef idx="0">
+            <a:schemeClr val="accent1"/>
+          </a:effectRef>
+          <a:fontRef idx="minor">
+            <a:schemeClr val="tx1"/>
+          </a:fontRef>
+        </p:style>
+      </p:cxnSp>
+      <p:sp>
+        <p:nvSpPr>
+          <p:cNvPr id="3" name="TextBox 2">
+            <a:extLst>
+              <a:ext uri="{FF2B5EF4-FFF2-40B4-BE49-F238E27FC236}">
+                <a16:creationId xmlns:a16="http://schemas.microsoft.com/office/drawing/2014/main" id="{BC3505B7-4787-4C4E-86AD-9B3C04C74736}"/>
+              </a:ext>
+            </a:extLst>
+          </p:cNvPr>
+          <p:cNvSpPr txBox="1"/>
+          <p:nvPr/>
+        </p:nvSpPr>
+        <p:spPr>
+          <a:xfrm>
+            <a:off x="9630432" y="3429000"/>
+            <a:ext cx="868507" cy="646331"/>
+          </a:xfrm>
+          <a:prstGeom prst="rect">
+            <a:avLst/>
+          </a:prstGeom>
+          <a:noFill/>
+        </p:spPr>
+        <p:txBody>
+          <a:bodyPr wrap="none" rtlCol="0">
+            <a:spAutoFit/>
+          </a:bodyPr>
+          <a:lstStyle/>
+          <a:p>
+            <a:r>
+              <a:rPr lang="fr-FR" dirty="0"/>
+              <a:t>ES2017</a:t>
+            </a:r>
+          </a:p>
+          <a:p>
+            <a:r>
+              <a:rPr lang="fr-FR" dirty="0" err="1"/>
+              <a:t>await</a:t>
+            </a:r>
+            <a:endParaRPr lang="fr-FR" dirty="0"/>
+          </a:p>
+        </p:txBody>
+      </p:sp>
     </p:spTree>
     <p:extLst>
       <p:ext uri="{BB962C8B-B14F-4D97-AF65-F5344CB8AC3E}">
         <p14:creationId xmlns:p14="http://schemas.microsoft.com/office/powerpoint/2010/main" val="804213286"/>
+      </p:ext>
+    </p:extLst>
+  </p:cSld>
+  <p:clrMapOvr>
+    <a:masterClrMapping/>
+  </p:clrMapOvr>
+</p:sld>
+</file>
+
+<file path=ppt/slides/slide23.xml><?xml version="1.0" encoding="utf-8"?>
+<p:sld xmlns:a="http://schemas.openxmlformats.org/drawingml/2006/main" xmlns:r="http://schemas.openxmlformats.org/officeDocument/2006/relationships" xmlns:p="http://schemas.openxmlformats.org/presentationml/2006/main">
+  <p:cSld>
+    <p:spTree>
+      <p:nvGrpSpPr>
+        <p:cNvPr id="1" name=""/>
+        <p:cNvGrpSpPr/>
+        <p:nvPr/>
+      </p:nvGrpSpPr>
+      <p:grpSpPr>
+        <a:xfrm>
+          <a:off x="0" y="0"/>
+          <a:ext cx="0" cy="0"/>
+          <a:chOff x="0" y="0"/>
+          <a:chExt cx="0" cy="0"/>
+        </a:xfrm>
+      </p:grpSpPr>
+      <p:sp>
+        <p:nvSpPr>
+          <p:cNvPr id="2" name="Title 1">
+            <a:extLst>
+              <a:ext uri="{FF2B5EF4-FFF2-40B4-BE49-F238E27FC236}">
+                <a16:creationId xmlns:a16="http://schemas.microsoft.com/office/drawing/2014/main" id="{4B805405-3371-467F-B2E9-CEF4C66935D4}"/>
+              </a:ext>
+            </a:extLst>
+          </p:cNvPr>
+          <p:cNvSpPr>
+            <a:spLocks noGrp="1"/>
+          </p:cNvSpPr>
+          <p:nvPr>
+            <p:ph type="title"/>
+          </p:nvPr>
+        </p:nvSpPr>
+        <p:spPr/>
+        <p:txBody>
+          <a:bodyPr/>
+          <a:lstStyle/>
+          <a:p>
+            <a:r>
+              <a:rPr lang="fr-FR" dirty="0" err="1"/>
+              <a:t>Todo</a:t>
+            </a:r>
+            <a:endParaRPr lang="fr-FR" dirty="0"/>
+          </a:p>
+        </p:txBody>
+      </p:sp>
+      <p:sp>
+        <p:nvSpPr>
+          <p:cNvPr id="3" name="Content Placeholder 2">
+            <a:extLst>
+              <a:ext uri="{FF2B5EF4-FFF2-40B4-BE49-F238E27FC236}">
+                <a16:creationId xmlns:a16="http://schemas.microsoft.com/office/drawing/2014/main" id="{A268EE69-F1D5-41F7-89AA-3800246F7A28}"/>
+              </a:ext>
+            </a:extLst>
+          </p:cNvPr>
+          <p:cNvSpPr>
+            <a:spLocks noGrp="1"/>
+          </p:cNvSpPr>
+          <p:nvPr>
+            <p:ph idx="1"/>
+          </p:nvPr>
+        </p:nvSpPr>
+        <p:spPr/>
+        <p:txBody>
+          <a:bodyPr/>
+          <a:lstStyle/>
+          <a:p>
+            <a:r>
+              <a:rPr lang="fr-FR" dirty="0" err="1"/>
+              <a:t>Cypress</a:t>
+            </a:r>
+            <a:endParaRPr lang="fr-FR" dirty="0"/>
+          </a:p>
+          <a:p>
+            <a:r>
+              <a:rPr lang="fr-FR" dirty="0" err="1"/>
+              <a:t>Loading</a:t>
+            </a:r>
+            <a:r>
+              <a:rPr lang="fr-FR" dirty="0"/>
+              <a:t> skeleton</a:t>
+            </a:r>
+          </a:p>
+          <a:p>
+            <a:r>
+              <a:rPr lang="fr-FR" dirty="0" err="1"/>
+              <a:t>Layout</a:t>
+            </a:r>
+            <a:r>
+              <a:rPr lang="fr-FR"/>
+              <a:t> par carte</a:t>
+            </a:r>
+          </a:p>
+        </p:txBody>
+      </p:sp>
+    </p:spTree>
+    <p:extLst>
+      <p:ext uri="{BB962C8B-B14F-4D97-AF65-F5344CB8AC3E}">
+        <p14:creationId xmlns:p14="http://schemas.microsoft.com/office/powerpoint/2010/main" val="2866006680"/>
       </p:ext>
     </p:extLst>
   </p:cSld>
@@ -10818,6 +11006,18 @@
             <a:endParaRPr lang="fr-FR" dirty="0"/>
           </a:p>
           <a:p>
+            <a:r>
+              <a:rPr lang="fr-FR" dirty="0">
+                <a:hlinkClick r:id="rId7"/>
+              </a:rPr>
+              <a:t>http://es6-features.org/#Constants</a:t>
+            </a:r>
+            <a:endParaRPr lang="fr-FR" dirty="0"/>
+          </a:p>
+          <a:p>
+            <a:endParaRPr lang="fr-FR" dirty="0"/>
+          </a:p>
+          <a:p>
             <a:endParaRPr lang="fr-FR" dirty="0"/>
           </a:p>
           <a:p>
@@ -10911,7 +11111,9 @@
         </p:nvSpPr>
         <p:spPr/>
         <p:txBody>
-          <a:bodyPr/>
+          <a:bodyPr>
+            <a:normAutofit fontScale="92500" lnSpcReduction="20000"/>
+          </a:bodyPr>
           <a:lstStyle/>
           <a:p>
             <a:r>
@@ -10993,6 +11195,24 @@
             <a:r>
               <a:rPr lang="fr-FR" dirty="0" err="1"/>
               <a:t>Surround</a:t>
+            </a:r>
+            <a:endParaRPr lang="fr-FR" dirty="0"/>
+          </a:p>
+          <a:p>
+            <a:r>
+              <a:rPr lang="fr-FR" dirty="0"/>
+              <a:t>Typescript Class </a:t>
+            </a:r>
+            <a:r>
+              <a:rPr lang="fr-FR" dirty="0" err="1"/>
+              <a:t>Organizer</a:t>
+            </a:r>
+            <a:endParaRPr lang="fr-FR" dirty="0"/>
+          </a:p>
+          <a:p>
+            <a:r>
+              <a:rPr lang="en-US" dirty="0"/>
+              <a:t>Bracket Pair Colorizer 2</a:t>
             </a:r>
             <a:endParaRPr lang="fr-FR" dirty="0"/>
           </a:p>
